--- a/Lectures/Lec1/lec1-2.pptx
+++ b/Lectures/Lec1/lec1-2.pptx
@@ -219,7 +219,7 @@
           <a:p>
             <a:fld id="{5D1E261F-8C98-8744-8E35-D8BB142E7BA1}" type="datetimeFigureOut">
               <a:rPr lang="en-US" smtClean="0"/>
-              <a:t>1/4/16</a:t>
+              <a:t>12/24/16</a:t>
             </a:fld>
             <a:endParaRPr lang="en-US"/>
           </a:p>
@@ -655,6 +655,90 @@
 </p:notes>
 </file>
 
+<file path=ppt/notesSlides/notesSlide11.xml><?xml version="1.0" encoding="utf-8"?>
+<p:notes xmlns:a="http://schemas.openxmlformats.org/drawingml/2006/main" xmlns:r="http://schemas.openxmlformats.org/officeDocument/2006/relationships" xmlns:p="http://schemas.openxmlformats.org/presentationml/2006/main">
+  <p:cSld>
+    <p:spTree>
+      <p:nvGrpSpPr>
+        <p:cNvPr id="1" name=""/>
+        <p:cNvGrpSpPr/>
+        <p:nvPr/>
+      </p:nvGrpSpPr>
+      <p:grpSpPr>
+        <a:xfrm>
+          <a:off x="0" y="0"/>
+          <a:ext cx="0" cy="0"/>
+          <a:chOff x="0" y="0"/>
+          <a:chExt cx="0" cy="0"/>
+        </a:xfrm>
+      </p:grpSpPr>
+      <p:sp>
+        <p:nvSpPr>
+          <p:cNvPr id="2" name="Slide Image Placeholder 1"/>
+          <p:cNvSpPr>
+            <a:spLocks noGrp="1" noRot="1" noChangeAspect="1"/>
+          </p:cNvSpPr>
+          <p:nvPr>
+            <p:ph type="sldImg"/>
+          </p:nvPr>
+        </p:nvSpPr>
+        <p:spPr/>
+      </p:sp>
+      <p:sp>
+        <p:nvSpPr>
+          <p:cNvPr id="3" name="Notes Placeholder 2"/>
+          <p:cNvSpPr>
+            <a:spLocks noGrp="1"/>
+          </p:cNvSpPr>
+          <p:nvPr>
+            <p:ph type="body" idx="1"/>
+          </p:nvPr>
+        </p:nvSpPr>
+        <p:spPr/>
+        <p:txBody>
+          <a:bodyPr/>
+          <a:lstStyle/>
+          <a:p>
+            <a:endParaRPr lang="en-US"/>
+          </a:p>
+        </p:txBody>
+      </p:sp>
+      <p:sp>
+        <p:nvSpPr>
+          <p:cNvPr id="4" name="Slide Number Placeholder 3"/>
+          <p:cNvSpPr>
+            <a:spLocks noGrp="1"/>
+          </p:cNvSpPr>
+          <p:nvPr>
+            <p:ph type="sldNum" sz="quarter" idx="10"/>
+          </p:nvPr>
+        </p:nvSpPr>
+        <p:spPr/>
+        <p:txBody>
+          <a:bodyPr/>
+          <a:lstStyle/>
+          <a:p>
+            <a:fld id="{5707D823-372B-D44A-9E22-69A34475ECC9}" type="slidenum">
+              <a:rPr lang="en-US" smtClean="0"/>
+              <a:t>20</a:t>
+            </a:fld>
+            <a:endParaRPr lang="en-US"/>
+          </a:p>
+        </p:txBody>
+      </p:sp>
+    </p:spTree>
+    <p:extLst>
+      <p:ext uri="{BB962C8B-B14F-4D97-AF65-F5344CB8AC3E}">
+        <p14:creationId xmlns:p14="http://schemas.microsoft.com/office/powerpoint/2010/main" val="536552204"/>
+      </p:ext>
+    </p:extLst>
+  </p:cSld>
+  <p:clrMapOvr>
+    <a:masterClrMapping/>
+  </p:clrMapOvr>
+</p:notes>
+</file>
+
 <file path=ppt/notesSlides/notesSlide2.xml><?xml version="1.0" encoding="utf-8"?>
 <p:notes xmlns:a="http://schemas.openxmlformats.org/drawingml/2006/main" xmlns:r="http://schemas.openxmlformats.org/officeDocument/2006/relationships" xmlns:p="http://schemas.openxmlformats.org/presentationml/2006/main">
   <p:cSld>
@@ -1577,10 +1661,10 @@
           <a:bodyPr/>
           <a:lstStyle/>
           <a:p>
-            <a:r>
+            <a:fld id="{A2A2A09B-414C-E14B-8AF9-6561EF4596D9}" type="datetime1">
               <a:rPr lang="en-US" smtClean="0"/>
-              <a:t>01/05/16</a:t>
-            </a:r>
+              <a:t>12/24/16</a:t>
+            </a:fld>
             <a:endParaRPr lang="en-US" dirty="0"/>
           </a:p>
         </p:txBody>
@@ -1784,10 +1868,10 @@
           <a:bodyPr/>
           <a:lstStyle/>
           <a:p>
-            <a:r>
+            <a:fld id="{D8DF9E7A-45CB-5247-A477-13206D246762}" type="datetime1">
               <a:rPr lang="en-US" smtClean="0"/>
-              <a:t>01/05/16</a:t>
-            </a:r>
+              <a:t>12/24/16</a:t>
+            </a:fld>
             <a:endParaRPr lang="en-US" dirty="0"/>
           </a:p>
         </p:txBody>
@@ -2039,10 +2123,10 @@
           <a:bodyPr/>
           <a:lstStyle/>
           <a:p>
-            <a:r>
+            <a:fld id="{ED6B9008-1DD5-7C4D-8AB4-21C54AD710F7}" type="datetime1">
               <a:rPr lang="en-US" smtClean="0"/>
-              <a:t>01/05/16</a:t>
-            </a:r>
+              <a:t>12/24/16</a:t>
+            </a:fld>
             <a:endParaRPr lang="en-US" dirty="0"/>
           </a:p>
         </p:txBody>
@@ -2232,10 +2316,10 @@
           <a:bodyPr/>
           <a:lstStyle/>
           <a:p>
-            <a:r>
+            <a:fld id="{454BDCC9-530A-EA44-855F-A0DE5F0EAD1F}" type="datetime1">
               <a:rPr lang="en-US" smtClean="0"/>
-              <a:t>01/05/16</a:t>
-            </a:r>
+              <a:t>12/24/16</a:t>
+            </a:fld>
             <a:endParaRPr lang="en-US" dirty="0"/>
           </a:p>
         </p:txBody>
@@ -2581,10 +2665,10 @@
           <a:bodyPr/>
           <a:lstStyle/>
           <a:p>
-            <a:r>
+            <a:fld id="{DE2ABB9D-CC43-F64B-9491-50ECDBB7D44E}" type="datetime1">
               <a:rPr lang="en-US" smtClean="0"/>
-              <a:t>01/05/16</a:t>
-            </a:r>
+              <a:t>12/24/16</a:t>
+            </a:fld>
             <a:endParaRPr lang="en-US" dirty="0"/>
           </a:p>
         </p:txBody>
@@ -2855,10 +2939,10 @@
           <a:bodyPr/>
           <a:lstStyle/>
           <a:p>
-            <a:r>
+            <a:fld id="{C042B012-95A6-6B42-A979-1883AFF8C0B4}" type="datetime1">
               <a:rPr lang="en-US" smtClean="0"/>
-              <a:t>01/05/16</a:t>
-            </a:r>
+              <a:t>12/24/16</a:t>
+            </a:fld>
             <a:endParaRPr lang="en-US" dirty="0"/>
           </a:p>
         </p:txBody>
@@ -3233,10 +3317,10 @@
           <a:bodyPr/>
           <a:lstStyle/>
           <a:p>
-            <a:r>
+            <a:fld id="{9A8BA43D-8F9A-2847-B03F-24458F83A22A}" type="datetime1">
               <a:rPr lang="en-US" smtClean="0"/>
-              <a:t>01/05/16</a:t>
-            </a:r>
+              <a:t>12/24/16</a:t>
+            </a:fld>
             <a:endParaRPr lang="en-US" dirty="0"/>
           </a:p>
         </p:txBody>
@@ -3350,10 +3434,10 @@
           <a:bodyPr/>
           <a:lstStyle/>
           <a:p>
-            <a:r>
+            <a:fld id="{0718E5D5-3FEC-804F-A54F-729F8DDDAD61}" type="datetime1">
               <a:rPr lang="en-US" smtClean="0"/>
-              <a:t>01/05/16</a:t>
-            </a:r>
+              <a:t>12/24/16</a:t>
+            </a:fld>
             <a:endParaRPr lang="en-US" dirty="0"/>
           </a:p>
         </p:txBody>
@@ -3520,10 +3604,10 @@
           <a:bodyPr/>
           <a:lstStyle/>
           <a:p>
-            <a:r>
+            <a:fld id="{D40C4EC4-F1DF-E94B-A97A-ABD478B64B64}" type="datetime1">
               <a:rPr lang="en-US" smtClean="0"/>
-              <a:t>01/05/16</a:t>
-            </a:r>
+              <a:t>12/24/16</a:t>
+            </a:fld>
             <a:endParaRPr lang="en-US" dirty="0"/>
           </a:p>
         </p:txBody>
@@ -3874,10 +3958,10 @@
             </a:lvl1pPr>
           </a:lstStyle>
           <a:p>
-            <a:r>
+            <a:fld id="{BC1C1CDF-DABD-514D-94A3-CBB6304063B5}" type="datetime1">
               <a:rPr lang="en-US" smtClean="0"/>
-              <a:t>01/05/16</a:t>
-            </a:r>
+              <a:t>12/24/16</a:t>
+            </a:fld>
             <a:endParaRPr lang="en-US" dirty="0"/>
           </a:p>
         </p:txBody>
@@ -4256,10 +4340,10 @@
           <a:bodyPr/>
           <a:lstStyle/>
           <a:p>
-            <a:r>
+            <a:fld id="{DB8925FD-3F49-934D-B5FF-4C5FD9FEF0A7}" type="datetime1">
               <a:rPr lang="en-US" smtClean="0"/>
-              <a:t>01/05/16</a:t>
-            </a:r>
+              <a:t>12/24/16</a:t>
+            </a:fld>
             <a:endParaRPr lang="en-US" dirty="0"/>
           </a:p>
         </p:txBody>
@@ -4542,10 +4626,10 @@
             </a:lvl1pPr>
           </a:lstStyle>
           <a:p>
-            <a:r>
+            <a:fld id="{CBE8D2FD-3FF0-3C4A-B3BA-3F4C7D2A03AA}" type="datetime1">
               <a:rPr lang="en-US" smtClean="0"/>
-              <a:t>01/05/16</a:t>
-            </a:r>
+              <a:t>12/24/16</a:t>
+            </a:fld>
             <a:endParaRPr lang="en-US" dirty="0"/>
           </a:p>
         </p:txBody>
@@ -5140,8 +5224,8 @@
               <a:t>201</a:t>
             </a:r>
             <a:r>
-              <a:rPr lang="en-US" altLang="zh-CN" dirty="0" smtClean="0"/>
-              <a:t>6</a:t>
+              <a:rPr lang="en-US" altLang="zh-CN" dirty="0"/>
+              <a:t>7</a:t>
             </a:r>
             <a:endParaRPr lang="zh-CN" altLang="en-US" dirty="0"/>
           </a:p>
@@ -5273,37 +5357,37 @@
         </p:nvSpPr>
         <p:spPr>
           <a:xfrm>
-            <a:off x="1097281" y="1845733"/>
-            <a:ext cx="8112034" cy="4614051"/>
+            <a:off x="1097280" y="1845733"/>
+            <a:ext cx="8519523" cy="4614051"/>
           </a:xfrm>
         </p:spPr>
         <p:txBody>
           <a:bodyPr>
-            <a:normAutofit/>
+            <a:normAutofit fontScale="92500"/>
           </a:bodyPr>
           <a:lstStyle/>
           <a:p>
             <a:r>
-              <a:rPr lang="en-US" altLang="zh-CN" b="1" dirty="0" smtClean="0"/>
+              <a:rPr lang="en-US" altLang="zh-CN" sz="2800" b="1" dirty="0" smtClean="0"/>
               <a:t>Consider</a:t>
             </a:r>
             <a:r>
-              <a:rPr lang="zh-CN" altLang="en-US" b="1" dirty="0" smtClean="0"/>
-              <a:t> </a:t>
-            </a:r>
-            <a:r>
-              <a:rPr lang="en-US" altLang="zh-CN" b="1" dirty="0" smtClean="0"/>
+              <a:rPr lang="zh-CN" altLang="en-US" sz="2800" b="1" dirty="0" smtClean="0"/>
+              <a:t> </a:t>
+            </a:r>
+            <a:r>
+              <a:rPr lang="en-US" altLang="zh-CN" sz="2800" b="1" dirty="0" smtClean="0"/>
               <a:t>this</a:t>
             </a:r>
             <a:r>
-              <a:rPr lang="zh-CN" altLang="en-US" b="1" dirty="0" smtClean="0"/>
-              <a:t> </a:t>
-            </a:r>
-            <a:r>
-              <a:rPr lang="en-US" altLang="zh-CN" b="1" dirty="0" smtClean="0"/>
+              <a:rPr lang="zh-CN" altLang="en-US" sz="2800" b="1" dirty="0" smtClean="0"/>
+              <a:t> </a:t>
+            </a:r>
+            <a:r>
+              <a:rPr lang="en-US" altLang="zh-CN" sz="2800" b="1" dirty="0" smtClean="0"/>
               <a:t>scenario:</a:t>
             </a:r>
-            <a:endParaRPr lang="zh-CN" altLang="en-US" b="1" dirty="0" smtClean="0"/>
+            <a:endParaRPr lang="zh-CN" altLang="en-US" sz="2800" b="1" dirty="0" smtClean="0"/>
           </a:p>
           <a:p>
             <a:pPr lvl="1">
@@ -5312,225 +5396,225 @@
               </a:buClr>
             </a:pPr>
             <a:r>
-              <a:rPr lang="en-US" altLang="zh-CN" dirty="0" smtClean="0"/>
+              <a:rPr lang="en-US" altLang="zh-CN" sz="2400" dirty="0" smtClean="0"/>
               <a:t>You</a:t>
             </a:r>
             <a:r>
-              <a:rPr lang="zh-CN" altLang="en-US" dirty="0" smtClean="0"/>
-              <a:t> </a:t>
-            </a:r>
-            <a:r>
-              <a:rPr lang="en-US" altLang="zh-CN" dirty="0" smtClean="0"/>
+              <a:rPr lang="zh-CN" altLang="en-US" sz="2400" dirty="0" smtClean="0"/>
+              <a:t> </a:t>
+            </a:r>
+            <a:r>
+              <a:rPr lang="en-US" altLang="zh-CN" sz="2400" dirty="0" smtClean="0"/>
               <a:t>develop</a:t>
             </a:r>
             <a:r>
-              <a:rPr lang="zh-CN" altLang="en-US" dirty="0" smtClean="0"/>
-              <a:t> </a:t>
-            </a:r>
-            <a:r>
-              <a:rPr lang="en-US" altLang="zh-CN" dirty="0" smtClean="0"/>
+              <a:rPr lang="zh-CN" altLang="en-US" sz="2400" dirty="0" smtClean="0"/>
+              <a:t> </a:t>
+            </a:r>
+            <a:r>
+              <a:rPr lang="en-US" altLang="zh-CN" sz="2400" dirty="0" smtClean="0"/>
               <a:t>an</a:t>
             </a:r>
             <a:r>
-              <a:rPr lang="zh-CN" altLang="en-US" dirty="0" smtClean="0"/>
-              <a:t> </a:t>
-            </a:r>
-            <a:r>
-              <a:rPr lang="en-US" altLang="zh-CN" dirty="0" smtClean="0"/>
+              <a:rPr lang="zh-CN" altLang="en-US" sz="2400" dirty="0" smtClean="0"/>
+              <a:t> </a:t>
+            </a:r>
+            <a:r>
+              <a:rPr lang="en-US" altLang="zh-CN" sz="2400" dirty="0" smtClean="0"/>
               <a:t>ML</a:t>
             </a:r>
             <a:r>
-              <a:rPr lang="zh-CN" altLang="en-US" dirty="0" smtClean="0"/>
-              <a:t> </a:t>
-            </a:r>
-            <a:r>
-              <a:rPr lang="en-US" altLang="zh-CN" dirty="0" smtClean="0"/>
+              <a:rPr lang="zh-CN" altLang="en-US" sz="2400" dirty="0" smtClean="0"/>
+              <a:t> </a:t>
+            </a:r>
+            <a:r>
+              <a:rPr lang="en-US" altLang="zh-CN" sz="2400" dirty="0" smtClean="0"/>
               <a:t>application</a:t>
             </a:r>
             <a:r>
-              <a:rPr lang="zh-CN" altLang="en-US" dirty="0" smtClean="0"/>
-              <a:t> </a:t>
-            </a:r>
-            <a:r>
-              <a:rPr lang="en-US" altLang="zh-CN" dirty="0" smtClean="0"/>
+              <a:rPr lang="zh-CN" altLang="en-US" sz="2400" dirty="0" smtClean="0"/>
+              <a:t> </a:t>
+            </a:r>
+            <a:r>
+              <a:rPr lang="en-US" altLang="zh-CN" sz="2400" dirty="0" smtClean="0"/>
               <a:t>using</a:t>
             </a:r>
             <a:r>
-              <a:rPr lang="zh-CN" altLang="en-US" dirty="0" smtClean="0"/>
-              <a:t> </a:t>
-            </a:r>
-            <a:r>
-              <a:rPr lang="en-US" altLang="zh-CN" dirty="0" err="1" smtClean="0"/>
+              <a:rPr lang="zh-CN" altLang="en-US" sz="2400" dirty="0" smtClean="0"/>
+              <a:t> </a:t>
+            </a:r>
+            <a:r>
+              <a:rPr lang="en-US" altLang="zh-CN" sz="2400" dirty="0" err="1" smtClean="0"/>
               <a:t>MLlib</a:t>
             </a:r>
             <a:r>
-              <a:rPr lang="en-US" altLang="zh-CN" dirty="0" smtClean="0"/>
+              <a:rPr lang="en-US" altLang="zh-CN" sz="2400" dirty="0" smtClean="0"/>
               <a:t>,</a:t>
             </a:r>
             <a:r>
-              <a:rPr lang="zh-CN" altLang="en-US" dirty="0" smtClean="0"/>
-              <a:t> </a:t>
-            </a:r>
-            <a:r>
-              <a:rPr lang="en-US" altLang="zh-CN" dirty="0" smtClean="0"/>
+              <a:rPr lang="zh-CN" altLang="en-US" sz="2400" dirty="0" smtClean="0"/>
+              <a:t> </a:t>
+            </a:r>
+            <a:r>
+              <a:rPr lang="en-US" altLang="zh-CN" sz="2400" dirty="0" smtClean="0"/>
               <a:t>and</a:t>
             </a:r>
             <a:r>
-              <a:rPr lang="zh-CN" altLang="en-US" dirty="0" smtClean="0"/>
-              <a:t> </a:t>
-            </a:r>
-            <a:r>
-              <a:rPr lang="en-US" altLang="zh-CN" dirty="0" smtClean="0"/>
+              <a:rPr lang="zh-CN" altLang="en-US" sz="2400" dirty="0" smtClean="0"/>
+              <a:t> </a:t>
+            </a:r>
+            <a:r>
+              <a:rPr lang="en-US" altLang="zh-CN" sz="2400" dirty="0" smtClean="0"/>
               <a:t>deploy</a:t>
             </a:r>
             <a:r>
-              <a:rPr lang="zh-CN" altLang="en-US" dirty="0" smtClean="0"/>
-              <a:t> </a:t>
-            </a:r>
-            <a:r>
-              <a:rPr lang="en-US" altLang="zh-CN" dirty="0" smtClean="0"/>
+              <a:rPr lang="zh-CN" altLang="en-US" sz="2400" dirty="0" smtClean="0"/>
+              <a:t> </a:t>
+            </a:r>
+            <a:r>
+              <a:rPr lang="en-US" altLang="zh-CN" sz="2400" dirty="0" smtClean="0"/>
               <a:t>it</a:t>
             </a:r>
             <a:r>
-              <a:rPr lang="zh-CN" altLang="en-US" dirty="0" smtClean="0"/>
-              <a:t> </a:t>
-            </a:r>
-            <a:r>
-              <a:rPr lang="en-US" altLang="zh-CN" dirty="0" smtClean="0"/>
+              <a:rPr lang="zh-CN" altLang="en-US" sz="2400" dirty="0" smtClean="0"/>
+              <a:t> </a:t>
+            </a:r>
+            <a:r>
+              <a:rPr lang="en-US" altLang="zh-CN" sz="2400" dirty="0" smtClean="0"/>
               <a:t>in</a:t>
             </a:r>
             <a:r>
-              <a:rPr lang="zh-CN" altLang="en-US" dirty="0" smtClean="0"/>
-              <a:t> </a:t>
-            </a:r>
-            <a:r>
-              <a:rPr lang="en-US" altLang="zh-CN" dirty="0" smtClean="0"/>
+              <a:rPr lang="zh-CN" altLang="en-US" sz="2400" dirty="0" smtClean="0"/>
+              <a:t> </a:t>
+            </a:r>
+            <a:r>
+              <a:rPr lang="en-US" altLang="zh-CN" sz="2400" dirty="0" smtClean="0"/>
               <a:t>your</a:t>
             </a:r>
             <a:r>
-              <a:rPr lang="zh-CN" altLang="en-US" dirty="0" smtClean="0"/>
-              <a:t> </a:t>
-            </a:r>
-            <a:r>
-              <a:rPr lang="en-US" altLang="zh-CN" dirty="0" smtClean="0"/>
+              <a:rPr lang="zh-CN" altLang="en-US" sz="2400" dirty="0" smtClean="0"/>
+              <a:t> </a:t>
+            </a:r>
+            <a:r>
+              <a:rPr lang="en-US" altLang="zh-CN" sz="2400" dirty="0" smtClean="0"/>
               <a:t>company’s</a:t>
             </a:r>
             <a:r>
-              <a:rPr lang="zh-CN" altLang="en-US" dirty="0" smtClean="0"/>
-              <a:t> </a:t>
-            </a:r>
-            <a:r>
-              <a:rPr lang="en-US" altLang="zh-CN" dirty="0" smtClean="0"/>
+              <a:rPr lang="zh-CN" altLang="en-US" sz="2400" dirty="0" smtClean="0"/>
+              <a:t> </a:t>
+            </a:r>
+            <a:r>
+              <a:rPr lang="en-US" altLang="zh-CN" sz="2400" dirty="0" smtClean="0"/>
               <a:t>product.</a:t>
             </a:r>
             <a:r>
-              <a:rPr lang="zh-CN" altLang="en-US" dirty="0" smtClean="0"/>
-              <a:t> </a:t>
-            </a:r>
-            <a:r>
-              <a:rPr lang="en-US" altLang="zh-CN" dirty="0" smtClean="0"/>
+              <a:rPr lang="zh-CN" altLang="en-US" sz="2400" dirty="0" smtClean="0"/>
+              <a:t> </a:t>
+            </a:r>
+            <a:r>
+              <a:rPr lang="en-US" altLang="zh-CN" sz="2400" dirty="0" smtClean="0"/>
               <a:t>It</a:t>
             </a:r>
             <a:r>
-              <a:rPr lang="zh-CN" altLang="en-US" dirty="0" smtClean="0"/>
-              <a:t> </a:t>
-            </a:r>
-            <a:r>
-              <a:rPr lang="en-US" altLang="zh-CN" dirty="0" smtClean="0"/>
+              <a:rPr lang="zh-CN" altLang="en-US" sz="2400" dirty="0" smtClean="0"/>
+              <a:t> </a:t>
+            </a:r>
+            <a:r>
+              <a:rPr lang="en-US" altLang="zh-CN" sz="2400" dirty="0" smtClean="0"/>
               <a:t>works</a:t>
             </a:r>
             <a:r>
-              <a:rPr lang="zh-CN" altLang="en-US" dirty="0" smtClean="0"/>
-              <a:t> </a:t>
-            </a:r>
-            <a:r>
-              <a:rPr lang="en-US" altLang="zh-CN" dirty="0" smtClean="0"/>
+              <a:rPr lang="zh-CN" altLang="en-US" sz="2400" dirty="0" smtClean="0"/>
+              <a:t> </a:t>
+            </a:r>
+            <a:r>
+              <a:rPr lang="en-US" altLang="zh-CN" sz="2400" dirty="0" smtClean="0"/>
               <a:t>pretty</a:t>
             </a:r>
             <a:r>
-              <a:rPr lang="zh-CN" altLang="en-US" dirty="0" smtClean="0"/>
-              <a:t> </a:t>
-            </a:r>
-            <a:r>
-              <a:rPr lang="en-US" altLang="zh-CN" dirty="0" smtClean="0"/>
+              <a:rPr lang="zh-CN" altLang="en-US" sz="2400" dirty="0" smtClean="0"/>
+              <a:t> </a:t>
+            </a:r>
+            <a:r>
+              <a:rPr lang="en-US" altLang="zh-CN" sz="2400" dirty="0" smtClean="0"/>
               <a:t>well.</a:t>
             </a:r>
             <a:r>
-              <a:rPr lang="zh-CN" altLang="en-US" dirty="0" smtClean="0"/>
-              <a:t> </a:t>
-            </a:r>
-            <a:r>
-              <a:rPr lang="en-US" altLang="zh-CN" dirty="0" smtClean="0">
+              <a:rPr lang="zh-CN" altLang="en-US" sz="2400" dirty="0" smtClean="0"/>
+              <a:t> </a:t>
+            </a:r>
+            <a:r>
+              <a:rPr lang="en-US" altLang="zh-CN" sz="2400" dirty="0" smtClean="0">
                 <a:sym typeface="Wingdings"/>
               </a:rPr>
               <a:t>But</a:t>
             </a:r>
             <a:r>
-              <a:rPr lang="zh-CN" altLang="en-US" dirty="0" smtClean="0">
+              <a:rPr lang="zh-CN" altLang="en-US" sz="2400" dirty="0" smtClean="0">
                 <a:sym typeface="Wingdings"/>
               </a:rPr>
               <a:t> </a:t>
             </a:r>
             <a:r>
-              <a:rPr lang="en-US" altLang="zh-CN" dirty="0" smtClean="0">
+              <a:rPr lang="en-US" altLang="zh-CN" sz="2400" dirty="0" smtClean="0">
                 <a:sym typeface="Wingdings"/>
               </a:rPr>
               <a:t>after</a:t>
             </a:r>
             <a:r>
-              <a:rPr lang="zh-CN" altLang="en-US" dirty="0" smtClean="0">
+              <a:rPr lang="zh-CN" altLang="en-US" sz="2400" dirty="0" smtClean="0">
                 <a:sym typeface="Wingdings"/>
               </a:rPr>
               <a:t> </a:t>
             </a:r>
             <a:r>
-              <a:rPr lang="en-US" altLang="zh-CN" dirty="0" smtClean="0">
+              <a:rPr lang="en-US" altLang="zh-CN" sz="2400" dirty="0" smtClean="0">
                 <a:sym typeface="Wingdings"/>
               </a:rPr>
               <a:t>some</a:t>
             </a:r>
             <a:r>
-              <a:rPr lang="zh-CN" altLang="en-US" dirty="0" smtClean="0">
+              <a:rPr lang="zh-CN" altLang="en-US" sz="2400" dirty="0" smtClean="0">
                 <a:sym typeface="Wingdings"/>
               </a:rPr>
               <a:t> </a:t>
             </a:r>
             <a:r>
-              <a:rPr lang="en-US" altLang="zh-CN" dirty="0" smtClean="0">
+              <a:rPr lang="en-US" altLang="zh-CN" sz="2400" dirty="0" smtClean="0">
                 <a:sym typeface="Wingdings"/>
               </a:rPr>
               <a:t>time,</a:t>
             </a:r>
             <a:r>
-              <a:rPr lang="zh-CN" altLang="en-US" dirty="0" smtClean="0">
+              <a:rPr lang="zh-CN" altLang="en-US" sz="2400" dirty="0" smtClean="0">
                 <a:sym typeface="Wingdings"/>
               </a:rPr>
               <a:t> </a:t>
             </a:r>
             <a:r>
-              <a:rPr lang="is-IS" altLang="zh-CN" dirty="0" smtClean="0">
+              <a:rPr lang="is-IS" altLang="zh-CN" sz="2400" dirty="0" smtClean="0">
                 <a:sym typeface="Wingdings"/>
               </a:rPr>
               <a:t>…</a:t>
             </a:r>
-            <a:endParaRPr lang="zh-CN" altLang="en-US" dirty="0">
+            <a:endParaRPr lang="zh-CN" altLang="en-US" sz="2400" dirty="0">
               <a:sym typeface="Wingdings"/>
             </a:endParaRPr>
           </a:p>
           <a:p>
             <a:r>
-              <a:rPr lang="en-US" altLang="zh-CN" b="1" dirty="0" smtClean="0"/>
+              <a:rPr lang="en-US" altLang="zh-CN" sz="2800" b="1" dirty="0" smtClean="0"/>
               <a:t>1.</a:t>
             </a:r>
             <a:r>
-              <a:rPr lang="zh-CN" altLang="en-US" b="1" dirty="0" smtClean="0"/>
-              <a:t> </a:t>
-            </a:r>
-            <a:r>
-              <a:rPr lang="en-US" altLang="zh-CN" b="1" dirty="0" smtClean="0"/>
+              <a:rPr lang="zh-CN" altLang="en-US" sz="2800" b="1" dirty="0" smtClean="0"/>
+              <a:t> </a:t>
+            </a:r>
+            <a:r>
+              <a:rPr lang="en-US" altLang="zh-CN" sz="2800" b="1" dirty="0" smtClean="0"/>
               <a:t>Speedup</a:t>
             </a:r>
-            <a:endParaRPr lang="zh-CN" altLang="en-US" b="1" dirty="0"/>
+            <a:endParaRPr lang="zh-CN" altLang="en-US" sz="2800" b="1" dirty="0"/>
           </a:p>
           <a:p>
             <a:pPr lvl="1">
@@ -5539,179 +5623,179 @@
               </a:buClr>
             </a:pPr>
             <a:r>
-              <a:rPr lang="en-US" altLang="zh-CN" dirty="0" smtClean="0"/>
+              <a:rPr lang="en-US" altLang="zh-CN" sz="2400" dirty="0" smtClean="0"/>
               <a:t>Your</a:t>
             </a:r>
             <a:r>
-              <a:rPr lang="zh-CN" altLang="en-US" dirty="0" smtClean="0"/>
-              <a:t> </a:t>
-            </a:r>
-            <a:r>
-              <a:rPr lang="en-US" altLang="zh-CN" dirty="0" smtClean="0"/>
+              <a:rPr lang="zh-CN" altLang="en-US" sz="2400" dirty="0" smtClean="0"/>
+              <a:t> </a:t>
+            </a:r>
+            <a:r>
+              <a:rPr lang="en-US" altLang="zh-CN" sz="2400" dirty="0" smtClean="0"/>
               <a:t>boss</a:t>
             </a:r>
             <a:r>
-              <a:rPr lang="zh-CN" altLang="en-US" dirty="0" smtClean="0"/>
-              <a:t> </a:t>
-            </a:r>
-            <a:r>
-              <a:rPr lang="en-US" altLang="zh-CN" dirty="0" smtClean="0"/>
+              <a:rPr lang="zh-CN" altLang="en-US" sz="2400" dirty="0" smtClean="0"/>
+              <a:t> </a:t>
+            </a:r>
+            <a:r>
+              <a:rPr lang="en-US" altLang="zh-CN" sz="2400" dirty="0" smtClean="0"/>
               <a:t>said:</a:t>
             </a:r>
             <a:r>
-              <a:rPr lang="zh-CN" altLang="en-US" dirty="0" smtClean="0"/>
-              <a:t> </a:t>
-            </a:r>
-            <a:r>
-              <a:rPr lang="en-US" altLang="zh-CN" dirty="0" smtClean="0"/>
+              <a:rPr lang="zh-CN" altLang="en-US" sz="2400" dirty="0" smtClean="0"/>
+              <a:t> </a:t>
+            </a:r>
+            <a:r>
+              <a:rPr lang="en-US" altLang="zh-CN" sz="2400" dirty="0" smtClean="0"/>
               <a:t>“Some</a:t>
             </a:r>
             <a:r>
-              <a:rPr lang="zh-CN" altLang="en-US" dirty="0" smtClean="0"/>
-              <a:t> </a:t>
-            </a:r>
-            <a:r>
-              <a:rPr lang="en-US" altLang="zh-CN" dirty="0" smtClean="0"/>
+              <a:rPr lang="zh-CN" altLang="en-US" sz="2400" dirty="0" smtClean="0"/>
+              <a:t> </a:t>
+            </a:r>
+            <a:r>
+              <a:rPr lang="en-US" altLang="zh-CN" sz="2400" dirty="0" smtClean="0"/>
               <a:t>customers</a:t>
             </a:r>
             <a:r>
-              <a:rPr lang="zh-CN" altLang="en-US" dirty="0" smtClean="0"/>
-              <a:t> </a:t>
-            </a:r>
-            <a:r>
-              <a:rPr lang="en-US" altLang="zh-CN" dirty="0" smtClean="0"/>
+              <a:rPr lang="zh-CN" altLang="en-US" sz="2400" dirty="0" smtClean="0"/>
+              <a:t> </a:t>
+            </a:r>
+            <a:r>
+              <a:rPr lang="en-US" altLang="zh-CN" sz="2400" dirty="0" smtClean="0"/>
               <a:t>complained</a:t>
             </a:r>
             <a:r>
-              <a:rPr lang="zh-CN" altLang="en-US" dirty="0" smtClean="0"/>
-              <a:t> </a:t>
-            </a:r>
-            <a:r>
-              <a:rPr lang="en-US" altLang="zh-CN" dirty="0" smtClean="0"/>
+              <a:rPr lang="zh-CN" altLang="en-US" sz="2400" dirty="0" smtClean="0"/>
+              <a:t> </a:t>
+            </a:r>
+            <a:r>
+              <a:rPr lang="en-US" altLang="zh-CN" sz="2400" dirty="0" smtClean="0"/>
               <a:t>that</a:t>
             </a:r>
             <a:r>
-              <a:rPr lang="zh-CN" altLang="en-US" dirty="0" smtClean="0"/>
-              <a:t> </a:t>
-            </a:r>
-            <a:r>
-              <a:rPr lang="en-US" altLang="zh-CN" dirty="0" smtClean="0"/>
+              <a:rPr lang="zh-CN" altLang="en-US" sz="2400" dirty="0" smtClean="0"/>
+              <a:t> </a:t>
+            </a:r>
+            <a:r>
+              <a:rPr lang="en-US" altLang="zh-CN" sz="2400" dirty="0" smtClean="0"/>
               <a:t>our</a:t>
             </a:r>
             <a:r>
-              <a:rPr lang="zh-CN" altLang="en-US" dirty="0" smtClean="0"/>
-              <a:t> </a:t>
-            </a:r>
-            <a:r>
-              <a:rPr lang="en-US" altLang="zh-CN" dirty="0" smtClean="0"/>
+              <a:rPr lang="zh-CN" altLang="en-US" sz="2400" dirty="0" smtClean="0"/>
+              <a:t> </a:t>
+            </a:r>
+            <a:r>
+              <a:rPr lang="en-US" altLang="zh-CN" sz="2400" dirty="0" smtClean="0"/>
               <a:t>product</a:t>
             </a:r>
             <a:r>
-              <a:rPr lang="zh-CN" altLang="en-US" dirty="0" smtClean="0"/>
-              <a:t> </a:t>
-            </a:r>
-            <a:r>
-              <a:rPr lang="en-US" altLang="zh-CN" dirty="0" smtClean="0"/>
+              <a:rPr lang="zh-CN" altLang="en-US" sz="2400" dirty="0" smtClean="0"/>
+              <a:t> </a:t>
+            </a:r>
+            <a:r>
+              <a:rPr lang="en-US" altLang="zh-CN" sz="2400" dirty="0" smtClean="0"/>
               <a:t>is</a:t>
             </a:r>
             <a:r>
-              <a:rPr lang="zh-CN" altLang="en-US" dirty="0" smtClean="0"/>
-              <a:t> </a:t>
-            </a:r>
-            <a:r>
-              <a:rPr lang="en-US" altLang="zh-CN" dirty="0" smtClean="0"/>
+              <a:rPr lang="zh-CN" altLang="en-US" sz="2400" dirty="0" smtClean="0"/>
+              <a:t> </a:t>
+            </a:r>
+            <a:r>
+              <a:rPr lang="en-US" altLang="zh-CN" sz="2400" dirty="0" smtClean="0"/>
               <a:t>slow.</a:t>
             </a:r>
             <a:r>
-              <a:rPr lang="zh-CN" altLang="en-US" dirty="0" smtClean="0"/>
-              <a:t> </a:t>
-            </a:r>
-            <a:r>
-              <a:rPr lang="en-US" altLang="zh-CN" dirty="0" smtClean="0"/>
+              <a:rPr lang="zh-CN" altLang="en-US" sz="2400" dirty="0" smtClean="0"/>
+              <a:t> </a:t>
+            </a:r>
+            <a:r>
+              <a:rPr lang="en-US" altLang="zh-CN" sz="2400" dirty="0" smtClean="0"/>
               <a:t>How</a:t>
             </a:r>
             <a:r>
-              <a:rPr lang="zh-CN" altLang="en-US" dirty="0" smtClean="0"/>
-              <a:t> </a:t>
-            </a:r>
-            <a:r>
-              <a:rPr lang="en-US" altLang="zh-CN" dirty="0" smtClean="0"/>
+              <a:rPr lang="zh-CN" altLang="en-US" sz="2400" dirty="0" smtClean="0"/>
+              <a:t> </a:t>
+            </a:r>
+            <a:r>
+              <a:rPr lang="en-US" altLang="zh-CN" sz="2400" dirty="0" smtClean="0"/>
               <a:t>much</a:t>
             </a:r>
             <a:r>
-              <a:rPr lang="zh-CN" altLang="en-US" dirty="0" smtClean="0"/>
-              <a:t> </a:t>
-            </a:r>
-            <a:r>
-              <a:rPr lang="en-US" altLang="zh-CN" dirty="0" smtClean="0"/>
+              <a:rPr lang="zh-CN" altLang="en-US" sz="2400" dirty="0" smtClean="0"/>
+              <a:t> </a:t>
+            </a:r>
+            <a:r>
+              <a:rPr lang="en-US" altLang="zh-CN" sz="2400" dirty="0" smtClean="0"/>
               <a:t>can</a:t>
             </a:r>
             <a:r>
-              <a:rPr lang="zh-CN" altLang="en-US" dirty="0" smtClean="0"/>
-              <a:t> </a:t>
-            </a:r>
-            <a:r>
-              <a:rPr lang="en-US" altLang="zh-CN" dirty="0" smtClean="0"/>
+              <a:rPr lang="zh-CN" altLang="en-US" sz="2400" dirty="0" smtClean="0"/>
+              <a:t> </a:t>
+            </a:r>
+            <a:r>
+              <a:rPr lang="en-US" altLang="zh-CN" sz="2400" dirty="0" smtClean="0"/>
               <a:t>we</a:t>
             </a:r>
             <a:r>
-              <a:rPr lang="zh-CN" altLang="en-US" dirty="0" smtClean="0"/>
-              <a:t> </a:t>
-            </a:r>
-            <a:r>
-              <a:rPr lang="en-US" altLang="zh-CN" dirty="0" smtClean="0"/>
+              <a:rPr lang="zh-CN" altLang="en-US" sz="2400" dirty="0" smtClean="0"/>
+              <a:t> </a:t>
+            </a:r>
+            <a:r>
+              <a:rPr lang="en-US" altLang="zh-CN" sz="2400" dirty="0" smtClean="0"/>
               <a:t>improve</a:t>
             </a:r>
             <a:r>
-              <a:rPr lang="zh-CN" altLang="en-US" dirty="0" smtClean="0"/>
-              <a:t> </a:t>
-            </a:r>
-            <a:r>
-              <a:rPr lang="en-US" altLang="zh-CN" dirty="0" smtClean="0"/>
+              <a:rPr lang="zh-CN" altLang="en-US" sz="2400" dirty="0" smtClean="0"/>
+              <a:t> </a:t>
+            </a:r>
+            <a:r>
+              <a:rPr lang="en-US" altLang="zh-CN" sz="2400" dirty="0" smtClean="0"/>
               <a:t>the</a:t>
             </a:r>
             <a:r>
-              <a:rPr lang="zh-CN" altLang="en-US" dirty="0" smtClean="0"/>
-              <a:t> </a:t>
-            </a:r>
-            <a:r>
-              <a:rPr lang="en-US" altLang="zh-CN" dirty="0" smtClean="0"/>
+              <a:rPr lang="zh-CN" altLang="en-US" sz="2400" dirty="0" smtClean="0"/>
+              <a:t> </a:t>
+            </a:r>
+            <a:r>
+              <a:rPr lang="en-US" altLang="zh-CN" sz="2400" dirty="0" smtClean="0"/>
               <a:t>speed</a:t>
             </a:r>
             <a:r>
-              <a:rPr lang="zh-CN" altLang="en-US" dirty="0" smtClean="0"/>
-              <a:t> </a:t>
-            </a:r>
-            <a:r>
-              <a:rPr lang="en-US" altLang="zh-CN" dirty="0" smtClean="0"/>
+              <a:rPr lang="zh-CN" altLang="en-US" sz="2400" dirty="0" smtClean="0"/>
+              <a:t> </a:t>
+            </a:r>
+            <a:r>
+              <a:rPr lang="en-US" altLang="zh-CN" sz="2400" dirty="0" smtClean="0"/>
               <a:t>by</a:t>
             </a:r>
             <a:r>
-              <a:rPr lang="zh-CN" altLang="en-US" dirty="0" smtClean="0"/>
-              <a:t> </a:t>
-            </a:r>
-            <a:r>
-              <a:rPr lang="en-US" altLang="zh-CN" dirty="0" smtClean="0"/>
+              <a:rPr lang="zh-CN" altLang="en-US" sz="2400" dirty="0" smtClean="0"/>
+              <a:t> </a:t>
+            </a:r>
+            <a:r>
+              <a:rPr lang="en-US" altLang="zh-CN" sz="2400" dirty="0" smtClean="0"/>
               <a:t>buying</a:t>
             </a:r>
             <a:r>
-              <a:rPr lang="zh-CN" altLang="en-US" dirty="0" smtClean="0"/>
-              <a:t> </a:t>
-            </a:r>
-            <a:r>
-              <a:rPr lang="en-US" altLang="zh-CN" dirty="0" smtClean="0"/>
+              <a:rPr lang="zh-CN" altLang="en-US" sz="2400" dirty="0" smtClean="0"/>
+              <a:t> </a:t>
+            </a:r>
+            <a:r>
+              <a:rPr lang="en-US" altLang="zh-CN" sz="2400" dirty="0" smtClean="0"/>
               <a:t>more</a:t>
             </a:r>
             <a:r>
-              <a:rPr lang="zh-CN" altLang="en-US" dirty="0" smtClean="0"/>
-              <a:t> </a:t>
-            </a:r>
-            <a:r>
-              <a:rPr lang="en-US" altLang="zh-CN" dirty="0" smtClean="0"/>
+              <a:rPr lang="zh-CN" altLang="en-US" sz="2400" dirty="0" smtClean="0"/>
+              <a:t> </a:t>
+            </a:r>
+            <a:r>
+              <a:rPr lang="en-US" altLang="zh-CN" sz="2400" dirty="0" smtClean="0"/>
               <a:t>machines?”</a:t>
             </a:r>
             <a:r>
-              <a:rPr lang="zh-CN" altLang="en-US" dirty="0" smtClean="0"/>
+              <a:rPr lang="zh-CN" altLang="en-US" sz="2400" dirty="0" smtClean="0"/>
               <a:t> </a:t>
             </a:r>
           </a:p>
@@ -5725,18 +5809,18 @@
           </a:p>
           <a:p>
             <a:r>
-              <a:rPr lang="en-US" altLang="zh-CN" b="1" dirty="0" smtClean="0"/>
+              <a:rPr lang="en-US" altLang="zh-CN" sz="2800" b="1" dirty="0" smtClean="0"/>
               <a:t>2.</a:t>
             </a:r>
             <a:r>
-              <a:rPr lang="zh-CN" altLang="en-US" b="1" dirty="0" smtClean="0"/>
-              <a:t> </a:t>
-            </a:r>
-            <a:r>
-              <a:rPr lang="en-US" altLang="zh-CN" b="1" dirty="0" err="1" smtClean="0"/>
+              <a:rPr lang="zh-CN" altLang="en-US" sz="2800" b="1" dirty="0" smtClean="0"/>
+              <a:t> </a:t>
+            </a:r>
+            <a:r>
+              <a:rPr lang="en-US" altLang="zh-CN" sz="2800" b="1" dirty="0" err="1" smtClean="0"/>
               <a:t>Scaleout</a:t>
             </a:r>
-            <a:endParaRPr lang="zh-CN" altLang="en-US" b="1" dirty="0"/>
+            <a:endParaRPr lang="zh-CN" altLang="en-US" sz="2800" b="1" dirty="0"/>
           </a:p>
           <a:p>
             <a:pPr lvl="1">
@@ -5745,322 +5829,322 @@
               </a:buClr>
             </a:pPr>
             <a:r>
-              <a:rPr lang="en-US" altLang="zh-CN" dirty="0" smtClean="0"/>
+              <a:rPr lang="en-US" altLang="zh-CN" sz="2400" dirty="0" smtClean="0"/>
               <a:t>You</a:t>
             </a:r>
             <a:r>
-              <a:rPr lang="zh-CN" altLang="en-US" dirty="0" smtClean="0"/>
-              <a:t> </a:t>
-            </a:r>
-            <a:r>
-              <a:rPr lang="en-US" altLang="zh-CN" dirty="0" smtClean="0"/>
+              <a:rPr lang="zh-CN" altLang="en-US" sz="2400" dirty="0" smtClean="0"/>
+              <a:t> </a:t>
+            </a:r>
+            <a:r>
+              <a:rPr lang="en-US" altLang="zh-CN" sz="2400" dirty="0" smtClean="0"/>
               <a:t>boss</a:t>
             </a:r>
             <a:r>
-              <a:rPr lang="zh-CN" altLang="en-US" dirty="0" smtClean="0"/>
-              <a:t> </a:t>
-            </a:r>
-            <a:r>
-              <a:rPr lang="en-US" altLang="zh-CN" dirty="0" smtClean="0"/>
+              <a:rPr lang="zh-CN" altLang="en-US" sz="2400" dirty="0" smtClean="0"/>
+              <a:t> </a:t>
+            </a:r>
+            <a:r>
+              <a:rPr lang="en-US" altLang="zh-CN" sz="2400" dirty="0" smtClean="0"/>
               <a:t>said:</a:t>
             </a:r>
             <a:r>
-              <a:rPr lang="zh-CN" altLang="en-US" dirty="0" smtClean="0"/>
-              <a:t> </a:t>
-            </a:r>
-            <a:r>
-              <a:rPr lang="en-US" altLang="zh-CN" dirty="0" smtClean="0"/>
+              <a:rPr lang="zh-CN" altLang="en-US" sz="2400" dirty="0" smtClean="0"/>
+              <a:t> </a:t>
+            </a:r>
+            <a:r>
+              <a:rPr lang="en-US" altLang="zh-CN" sz="2400" dirty="0" smtClean="0"/>
               <a:t>“More</a:t>
             </a:r>
             <a:r>
-              <a:rPr lang="zh-CN" altLang="en-US" dirty="0" smtClean="0"/>
-              <a:t> </a:t>
-            </a:r>
-            <a:r>
-              <a:rPr lang="en-US" altLang="zh-CN" dirty="0" smtClean="0"/>
+              <a:rPr lang="zh-CN" altLang="en-US" sz="2400" dirty="0" smtClean="0"/>
+              <a:t> </a:t>
+            </a:r>
+            <a:r>
+              <a:rPr lang="en-US" altLang="zh-CN" sz="2400" dirty="0" smtClean="0"/>
               <a:t>and</a:t>
             </a:r>
             <a:r>
-              <a:rPr lang="zh-CN" altLang="en-US" dirty="0" smtClean="0"/>
-              <a:t> </a:t>
-            </a:r>
-            <a:r>
-              <a:rPr lang="en-US" altLang="zh-CN" dirty="0" smtClean="0"/>
+              <a:rPr lang="zh-CN" altLang="en-US" sz="2400" dirty="0" smtClean="0"/>
+              <a:t> </a:t>
+            </a:r>
+            <a:r>
+              <a:rPr lang="en-US" altLang="zh-CN" sz="2400" dirty="0" smtClean="0"/>
               <a:t>more</a:t>
             </a:r>
             <a:r>
-              <a:rPr lang="zh-CN" altLang="en-US" dirty="0" smtClean="0"/>
-              <a:t> </a:t>
-            </a:r>
-            <a:r>
-              <a:rPr lang="en-US" altLang="zh-CN" dirty="0" smtClean="0"/>
+              <a:rPr lang="zh-CN" altLang="en-US" sz="2400" dirty="0" smtClean="0"/>
+              <a:t> </a:t>
+            </a:r>
+            <a:r>
+              <a:rPr lang="en-US" altLang="zh-CN" sz="2400" dirty="0" smtClean="0"/>
               <a:t>costumers</a:t>
             </a:r>
             <a:r>
-              <a:rPr lang="zh-CN" altLang="en-US" dirty="0" smtClean="0"/>
-              <a:t> </a:t>
-            </a:r>
-            <a:r>
-              <a:rPr lang="en-US" altLang="zh-CN" dirty="0" smtClean="0"/>
+              <a:rPr lang="zh-CN" altLang="en-US" sz="2400" dirty="0" smtClean="0"/>
+              <a:t> </a:t>
+            </a:r>
+            <a:r>
+              <a:rPr lang="en-US" altLang="zh-CN" sz="2400" dirty="0" smtClean="0"/>
               <a:t>like</a:t>
             </a:r>
             <a:r>
-              <a:rPr lang="zh-CN" altLang="en-US" dirty="0" smtClean="0"/>
-              <a:t> </a:t>
-            </a:r>
-            <a:r>
-              <a:rPr lang="en-US" altLang="zh-CN" dirty="0" smtClean="0"/>
+              <a:rPr lang="zh-CN" altLang="en-US" sz="2400" dirty="0" smtClean="0"/>
+              <a:t> </a:t>
+            </a:r>
+            <a:r>
+              <a:rPr lang="en-US" altLang="zh-CN" sz="2400" dirty="0" smtClean="0"/>
               <a:t>to</a:t>
             </a:r>
             <a:r>
-              <a:rPr lang="zh-CN" altLang="en-US" dirty="0" smtClean="0"/>
-              <a:t> </a:t>
-            </a:r>
-            <a:r>
-              <a:rPr lang="en-US" altLang="zh-CN" dirty="0" smtClean="0"/>
+              <a:rPr lang="zh-CN" altLang="en-US" sz="2400" dirty="0" smtClean="0"/>
+              <a:t> </a:t>
+            </a:r>
+            <a:r>
+              <a:rPr lang="en-US" altLang="zh-CN" sz="2400" dirty="0" smtClean="0"/>
               <a:t>use</a:t>
             </a:r>
             <a:r>
-              <a:rPr lang="zh-CN" altLang="en-US" dirty="0" smtClean="0"/>
-              <a:t> </a:t>
-            </a:r>
-            <a:r>
-              <a:rPr lang="en-US" altLang="zh-CN" dirty="0" smtClean="0"/>
+              <a:rPr lang="zh-CN" altLang="en-US" sz="2400" dirty="0" smtClean="0"/>
+              <a:t> </a:t>
+            </a:r>
+            <a:r>
+              <a:rPr lang="en-US" altLang="zh-CN" sz="2400" dirty="0" smtClean="0"/>
               <a:t>our</a:t>
             </a:r>
             <a:r>
-              <a:rPr lang="zh-CN" altLang="en-US" dirty="0" smtClean="0"/>
-              <a:t> </a:t>
-            </a:r>
-            <a:r>
-              <a:rPr lang="en-US" altLang="zh-CN" dirty="0" smtClean="0"/>
+              <a:rPr lang="zh-CN" altLang="en-US" sz="2400" dirty="0" smtClean="0"/>
+              <a:t> </a:t>
+            </a:r>
+            <a:r>
+              <a:rPr lang="en-US" altLang="zh-CN" sz="2400" dirty="0" smtClean="0"/>
               <a:t>product.</a:t>
             </a:r>
             <a:r>
-              <a:rPr lang="zh-CN" altLang="en-US" dirty="0" smtClean="0"/>
-              <a:t> </a:t>
-            </a:r>
-            <a:r>
-              <a:rPr lang="en-US" altLang="zh-CN" dirty="0" smtClean="0"/>
+              <a:rPr lang="zh-CN" altLang="en-US" sz="2400" dirty="0" smtClean="0"/>
+              <a:t> </a:t>
+            </a:r>
+            <a:r>
+              <a:rPr lang="en-US" altLang="zh-CN" sz="2400" dirty="0" smtClean="0"/>
               <a:t>But,</a:t>
             </a:r>
             <a:r>
-              <a:rPr lang="zh-CN" altLang="en-US" dirty="0" smtClean="0"/>
-              <a:t> </a:t>
-            </a:r>
-            <a:r>
-              <a:rPr lang="en-US" altLang="zh-CN" dirty="0" smtClean="0"/>
+              <a:rPr lang="zh-CN" altLang="en-US" sz="2400" dirty="0" smtClean="0"/>
+              <a:t> </a:t>
+            </a:r>
+            <a:r>
+              <a:rPr lang="en-US" altLang="zh-CN" sz="2400" dirty="0" smtClean="0"/>
               <a:t>at</a:t>
             </a:r>
             <a:r>
-              <a:rPr lang="zh-CN" altLang="en-US" dirty="0" smtClean="0"/>
-              <a:t> </a:t>
-            </a:r>
-            <a:r>
-              <a:rPr lang="en-US" altLang="zh-CN" dirty="0" smtClean="0"/>
+              <a:rPr lang="zh-CN" altLang="en-US" sz="2400" dirty="0" smtClean="0"/>
+              <a:t> </a:t>
+            </a:r>
+            <a:r>
+              <a:rPr lang="en-US" altLang="zh-CN" sz="2400" dirty="0" smtClean="0"/>
               <a:t>the</a:t>
             </a:r>
             <a:r>
-              <a:rPr lang="zh-CN" altLang="en-US" dirty="0" smtClean="0"/>
-              <a:t> </a:t>
-            </a:r>
-            <a:r>
-              <a:rPr lang="en-US" altLang="zh-CN" dirty="0" smtClean="0"/>
+              <a:rPr lang="zh-CN" altLang="en-US" sz="2400" dirty="0" smtClean="0"/>
+              <a:t> </a:t>
+            </a:r>
+            <a:r>
+              <a:rPr lang="en-US" altLang="zh-CN" sz="2400" dirty="0" smtClean="0"/>
               <a:t>same</a:t>
             </a:r>
             <a:r>
-              <a:rPr lang="zh-CN" altLang="en-US" dirty="0" smtClean="0"/>
-              <a:t> </a:t>
-            </a:r>
-            <a:r>
-              <a:rPr lang="en-US" altLang="zh-CN" dirty="0" smtClean="0"/>
+              <a:rPr lang="zh-CN" altLang="en-US" sz="2400" dirty="0" smtClean="0"/>
+              <a:t> </a:t>
+            </a:r>
+            <a:r>
+              <a:rPr lang="en-US" altLang="zh-CN" sz="2400" dirty="0" smtClean="0"/>
               <a:t>time,</a:t>
             </a:r>
             <a:r>
-              <a:rPr lang="zh-CN" altLang="en-US" dirty="0" smtClean="0"/>
-              <a:t> </a:t>
-            </a:r>
-            <a:r>
-              <a:rPr lang="en-US" altLang="zh-CN" dirty="0" smtClean="0"/>
+              <a:rPr lang="zh-CN" altLang="en-US" sz="2400" dirty="0" smtClean="0"/>
+              <a:t> </a:t>
+            </a:r>
+            <a:r>
+              <a:rPr lang="en-US" altLang="zh-CN" sz="2400" dirty="0" smtClean="0"/>
               <a:t>we</a:t>
             </a:r>
             <a:r>
-              <a:rPr lang="zh-CN" altLang="en-US" dirty="0" smtClean="0"/>
-              <a:t> </a:t>
-            </a:r>
-            <a:r>
-              <a:rPr lang="en-US" altLang="zh-CN" dirty="0" smtClean="0"/>
+              <a:rPr lang="zh-CN" altLang="en-US" sz="2400" dirty="0" smtClean="0"/>
+              <a:t> </a:t>
+            </a:r>
+            <a:r>
+              <a:rPr lang="en-US" altLang="zh-CN" sz="2400" dirty="0" smtClean="0"/>
               <a:t>will</a:t>
             </a:r>
             <a:r>
-              <a:rPr lang="zh-CN" altLang="en-US" dirty="0" smtClean="0"/>
-              <a:t> </a:t>
-            </a:r>
-            <a:r>
-              <a:rPr lang="en-US" altLang="zh-CN" dirty="0" smtClean="0"/>
+              <a:rPr lang="zh-CN" altLang="en-US" sz="2400" dirty="0" smtClean="0"/>
+              <a:t> </a:t>
+            </a:r>
+            <a:r>
+              <a:rPr lang="en-US" altLang="zh-CN" sz="2400" dirty="0" smtClean="0"/>
               <a:t>collect/process</a:t>
             </a:r>
             <a:r>
-              <a:rPr lang="zh-CN" altLang="en-US" dirty="0" smtClean="0"/>
-              <a:t> </a:t>
-            </a:r>
-            <a:r>
-              <a:rPr lang="en-US" altLang="zh-CN" dirty="0" smtClean="0"/>
+              <a:rPr lang="zh-CN" altLang="en-US" sz="2400" dirty="0" smtClean="0"/>
+              <a:t> </a:t>
+            </a:r>
+            <a:r>
+              <a:rPr lang="en-US" altLang="zh-CN" sz="2400" dirty="0" smtClean="0"/>
               <a:t>more</a:t>
             </a:r>
             <a:r>
-              <a:rPr lang="zh-CN" altLang="en-US" dirty="0" smtClean="0"/>
-              <a:t> </a:t>
-            </a:r>
-            <a:r>
-              <a:rPr lang="en-US" altLang="zh-CN" dirty="0"/>
+              <a:rPr lang="zh-CN" altLang="en-US" sz="2400" dirty="0" smtClean="0"/>
+              <a:t> </a:t>
+            </a:r>
+            <a:r>
+              <a:rPr lang="en-US" altLang="zh-CN" sz="2400" dirty="0"/>
               <a:t>customer data</a:t>
             </a:r>
             <a:r>
-              <a:rPr lang="en-US" altLang="zh-CN" dirty="0" smtClean="0"/>
+              <a:rPr lang="en-US" altLang="zh-CN" sz="2400" dirty="0" smtClean="0"/>
               <a:t>.</a:t>
             </a:r>
             <a:r>
-              <a:rPr lang="zh-CN" altLang="en-US" dirty="0" smtClean="0"/>
-              <a:t> </a:t>
-            </a:r>
-            <a:r>
-              <a:rPr lang="en-US" altLang="zh-CN" dirty="0" smtClean="0"/>
+              <a:rPr lang="zh-CN" altLang="en-US" sz="2400" dirty="0" smtClean="0"/>
+              <a:t> </a:t>
+            </a:r>
+            <a:r>
+              <a:rPr lang="en-US" altLang="zh-CN" sz="2400" dirty="0" smtClean="0"/>
               <a:t>How</a:t>
             </a:r>
             <a:r>
-              <a:rPr lang="zh-CN" altLang="en-US" dirty="0" smtClean="0"/>
-              <a:t> </a:t>
-            </a:r>
-            <a:r>
-              <a:rPr lang="en-US" altLang="zh-CN" dirty="0" smtClean="0"/>
+              <a:rPr lang="zh-CN" altLang="en-US" sz="2400" dirty="0" smtClean="0"/>
+              <a:t> </a:t>
+            </a:r>
+            <a:r>
+              <a:rPr lang="en-US" altLang="zh-CN" sz="2400" dirty="0" smtClean="0"/>
               <a:t>many</a:t>
             </a:r>
             <a:r>
-              <a:rPr lang="zh-CN" altLang="en-US" dirty="0" smtClean="0"/>
-              <a:t> </a:t>
-            </a:r>
-            <a:r>
-              <a:rPr lang="en-US" altLang="zh-CN" dirty="0" smtClean="0"/>
+              <a:rPr lang="zh-CN" altLang="en-US" sz="2400" dirty="0" smtClean="0"/>
+              <a:t> </a:t>
+            </a:r>
+            <a:r>
+              <a:rPr lang="en-US" altLang="zh-CN" sz="2400" dirty="0" smtClean="0"/>
               <a:t>new</a:t>
             </a:r>
             <a:r>
-              <a:rPr lang="zh-CN" altLang="en-US" dirty="0" smtClean="0"/>
-              <a:t> </a:t>
-            </a:r>
-            <a:r>
-              <a:rPr lang="en-US" altLang="zh-CN" dirty="0" smtClean="0"/>
+              <a:rPr lang="zh-CN" altLang="en-US" sz="2400" dirty="0" smtClean="0"/>
+              <a:t> </a:t>
+            </a:r>
+            <a:r>
+              <a:rPr lang="en-US" altLang="zh-CN" sz="2400" dirty="0" smtClean="0"/>
               <a:t>machines</a:t>
             </a:r>
             <a:r>
-              <a:rPr lang="zh-CN" altLang="en-US" dirty="0" smtClean="0"/>
-              <a:t> </a:t>
-            </a:r>
-            <a:r>
-              <a:rPr lang="en-US" altLang="zh-CN" dirty="0" smtClean="0"/>
+              <a:rPr lang="zh-CN" altLang="en-US" sz="2400" dirty="0" smtClean="0"/>
+              <a:t> </a:t>
+            </a:r>
+            <a:r>
+              <a:rPr lang="en-US" altLang="zh-CN" sz="2400" dirty="0" smtClean="0"/>
               <a:t>do</a:t>
             </a:r>
             <a:r>
-              <a:rPr lang="zh-CN" altLang="en-US" dirty="0" smtClean="0"/>
-              <a:t> </a:t>
-            </a:r>
-            <a:r>
-              <a:rPr lang="en-US" altLang="zh-CN" dirty="0" smtClean="0"/>
+              <a:rPr lang="zh-CN" altLang="en-US" sz="2400" dirty="0" smtClean="0"/>
+              <a:t> </a:t>
+            </a:r>
+            <a:r>
+              <a:rPr lang="en-US" altLang="zh-CN" sz="2400" dirty="0" smtClean="0"/>
               <a:t>we</a:t>
             </a:r>
             <a:r>
-              <a:rPr lang="zh-CN" altLang="en-US" dirty="0" smtClean="0"/>
-              <a:t> </a:t>
-            </a:r>
-            <a:r>
-              <a:rPr lang="en-US" altLang="zh-CN" dirty="0" smtClean="0"/>
+              <a:rPr lang="zh-CN" altLang="en-US" sz="2400" dirty="0" smtClean="0"/>
+              <a:t> </a:t>
+            </a:r>
+            <a:r>
+              <a:rPr lang="en-US" altLang="zh-CN" sz="2400" dirty="0" smtClean="0"/>
               <a:t>need</a:t>
             </a:r>
             <a:r>
-              <a:rPr lang="zh-CN" altLang="en-US" dirty="0" smtClean="0"/>
-              <a:t> </a:t>
-            </a:r>
-            <a:r>
-              <a:rPr lang="en-US" altLang="zh-CN" dirty="0" smtClean="0"/>
+              <a:rPr lang="zh-CN" altLang="en-US" sz="2400" dirty="0" smtClean="0"/>
+              <a:t> </a:t>
+            </a:r>
+            <a:r>
+              <a:rPr lang="en-US" altLang="zh-CN" sz="2400" dirty="0" smtClean="0"/>
               <a:t>to</a:t>
             </a:r>
             <a:r>
-              <a:rPr lang="zh-CN" altLang="en-US" dirty="0" smtClean="0"/>
-              <a:t> </a:t>
-            </a:r>
-            <a:r>
-              <a:rPr lang="en-US" altLang="zh-CN" dirty="0" smtClean="0"/>
+              <a:rPr lang="zh-CN" altLang="en-US" sz="2400" dirty="0" smtClean="0"/>
+              <a:t> </a:t>
+            </a:r>
+            <a:r>
+              <a:rPr lang="en-US" altLang="zh-CN" sz="2400" dirty="0" smtClean="0"/>
               <a:t>buy</a:t>
             </a:r>
             <a:r>
-              <a:rPr lang="zh-CN" altLang="en-US" dirty="0" smtClean="0"/>
-              <a:t> </a:t>
-            </a:r>
-            <a:r>
-              <a:rPr lang="en-US" altLang="zh-CN" dirty="0" smtClean="0"/>
+              <a:rPr lang="zh-CN" altLang="en-US" sz="2400" dirty="0" smtClean="0"/>
+              <a:t> </a:t>
+            </a:r>
+            <a:r>
+              <a:rPr lang="en-US" altLang="zh-CN" sz="2400" dirty="0" smtClean="0"/>
               <a:t>in</a:t>
             </a:r>
             <a:r>
-              <a:rPr lang="zh-CN" altLang="en-US" dirty="0" smtClean="0"/>
-              <a:t> </a:t>
-            </a:r>
-            <a:r>
-              <a:rPr lang="en-US" altLang="zh-CN" dirty="0" smtClean="0"/>
+              <a:rPr lang="zh-CN" altLang="en-US" sz="2400" dirty="0" smtClean="0"/>
+              <a:t> </a:t>
+            </a:r>
+            <a:r>
+              <a:rPr lang="en-US" altLang="zh-CN" sz="2400" dirty="0" smtClean="0"/>
               <a:t>order</a:t>
             </a:r>
             <a:r>
-              <a:rPr lang="zh-CN" altLang="en-US" dirty="0" smtClean="0"/>
-              <a:t> </a:t>
-            </a:r>
-            <a:r>
-              <a:rPr lang="en-US" altLang="zh-CN" dirty="0" smtClean="0"/>
+              <a:rPr lang="zh-CN" altLang="en-US" sz="2400" dirty="0" smtClean="0"/>
+              <a:t> </a:t>
+            </a:r>
+            <a:r>
+              <a:rPr lang="en-US" altLang="zh-CN" sz="2400" dirty="0" smtClean="0"/>
               <a:t>to</a:t>
             </a:r>
             <a:r>
-              <a:rPr lang="zh-CN" altLang="en-US" dirty="0" smtClean="0"/>
-              <a:t> </a:t>
-            </a:r>
-            <a:r>
-              <a:rPr lang="en-US" altLang="zh-CN" dirty="0" smtClean="0"/>
+              <a:rPr lang="zh-CN" altLang="en-US" sz="2400" dirty="0" smtClean="0"/>
+              <a:t> </a:t>
+            </a:r>
+            <a:r>
+              <a:rPr lang="en-US" altLang="zh-CN" sz="2400" dirty="0" smtClean="0"/>
               <a:t>keep</a:t>
             </a:r>
             <a:r>
-              <a:rPr lang="zh-CN" altLang="en-US" dirty="0" smtClean="0"/>
-              <a:t> </a:t>
-            </a:r>
-            <a:r>
-              <a:rPr lang="en-US" altLang="zh-CN" dirty="0" smtClean="0"/>
+              <a:rPr lang="zh-CN" altLang="en-US" sz="2400" dirty="0" smtClean="0"/>
+              <a:t> </a:t>
+            </a:r>
+            <a:r>
+              <a:rPr lang="en-US" altLang="zh-CN" sz="2400" dirty="0" smtClean="0"/>
               <a:t>the</a:t>
             </a:r>
             <a:r>
-              <a:rPr lang="zh-CN" altLang="en-US" dirty="0" smtClean="0"/>
-              <a:t> </a:t>
-            </a:r>
-            <a:r>
-              <a:rPr lang="en-US" altLang="zh-CN" dirty="0" smtClean="0"/>
+              <a:rPr lang="zh-CN" altLang="en-US" sz="2400" dirty="0" smtClean="0"/>
+              <a:t> </a:t>
+            </a:r>
+            <a:r>
+              <a:rPr lang="en-US" altLang="zh-CN" sz="2400" dirty="0" smtClean="0"/>
               <a:t>same</a:t>
             </a:r>
             <a:r>
-              <a:rPr lang="zh-CN" altLang="en-US" dirty="0" smtClean="0"/>
-              <a:t> </a:t>
-            </a:r>
-            <a:r>
-              <a:rPr lang="en-US" altLang="zh-CN" dirty="0" smtClean="0"/>
+              <a:rPr lang="zh-CN" altLang="en-US" sz="2400" dirty="0" smtClean="0"/>
+              <a:t> </a:t>
+            </a:r>
+            <a:r>
+              <a:rPr lang="en-US" altLang="zh-CN" sz="2400" dirty="0" smtClean="0"/>
               <a:t>speed?</a:t>
             </a:r>
             <a:r>
-              <a:rPr lang="zh-CN" altLang="en-US" dirty="0" smtClean="0"/>
-              <a:t> </a:t>
-            </a:r>
-            <a:r>
-              <a:rPr lang="en-US" altLang="zh-CN" dirty="0" smtClean="0"/>
+              <a:rPr lang="zh-CN" altLang="en-US" sz="2400" dirty="0" smtClean="0"/>
+              <a:t> </a:t>
+            </a:r>
+            <a:r>
+              <a:rPr lang="en-US" altLang="zh-CN" sz="2400" dirty="0" smtClean="0"/>
               <a:t>”</a:t>
             </a:r>
             <a:r>
-              <a:rPr lang="zh-CN" altLang="en-US" dirty="0" smtClean="0"/>
-              <a:t> </a:t>
-            </a:r>
-            <a:endParaRPr lang="en-US" dirty="0"/>
+              <a:rPr lang="zh-CN" altLang="en-US" sz="2400" dirty="0" smtClean="0"/>
+              <a:t> </a:t>
+            </a:r>
+            <a:endParaRPr lang="en-US" sz="2400" dirty="0"/>
           </a:p>
           <a:p>
             <a:pPr lvl="1">
@@ -6087,10 +6171,10 @@
           <a:bodyPr/>
           <a:lstStyle/>
           <a:p>
-            <a:r>
+            <a:fld id="{F20EC549-D4E5-3245-A520-E4111B481219}" type="datetime1">
               <a:rPr lang="en-US" smtClean="0"/>
-              <a:t>01/05/16</a:t>
-            </a:r>
+              <a:t>12/24/16</a:t>
+            </a:fld>
             <a:endParaRPr lang="en-US" dirty="0"/>
           </a:p>
         </p:txBody>
@@ -7044,23 +7128,23 @@
           <a:lstStyle/>
           <a:p>
             <a:r>
-              <a:rPr lang="en-US" altLang="zh-CN" b="1" dirty="0" smtClean="0"/>
+              <a:rPr lang="en-US" altLang="zh-CN" sz="2800" b="1" dirty="0" smtClean="0"/>
               <a:t>M</a:t>
             </a:r>
             <a:r>
-              <a:rPr lang="en-US" b="1" dirty="0" smtClean="0"/>
+              <a:rPr lang="en-US" sz="2800" b="1" dirty="0" smtClean="0"/>
               <a:t>ak</a:t>
             </a:r>
             <a:r>
-              <a:rPr lang="en-US" altLang="zh-CN" b="1" dirty="0" smtClean="0"/>
+              <a:rPr lang="en-US" altLang="zh-CN" sz="2800" b="1" dirty="0" smtClean="0"/>
               <a:t>ing</a:t>
             </a:r>
             <a:r>
-              <a:rPr lang="en-US" b="1" dirty="0" smtClean="0"/>
-              <a:t> </a:t>
-            </a:r>
-            <a:r>
-              <a:rPr lang="en-US" b="1" u="sng" dirty="0">
+              <a:rPr lang="en-US" sz="2800" b="1" dirty="0" smtClean="0"/>
+              <a:t> </a:t>
+            </a:r>
+            <a:r>
+              <a:rPr lang="en-US" sz="2800" b="1" u="sng" dirty="0">
                 <a:solidFill>
                   <a:schemeClr val="tx1"/>
                 </a:solidFill>
@@ -7068,7 +7152,7 @@
               <a:t>practical machine learning </a:t>
             </a:r>
             <a:r>
-              <a:rPr lang="en-US" b="1" dirty="0">
+              <a:rPr lang="en-US" sz="2800" b="1" dirty="0">
                 <a:solidFill>
                   <a:schemeClr val="accent1"/>
                 </a:solidFill>
@@ -7076,7 +7160,7 @@
               <a:t>scalable</a:t>
             </a:r>
             <a:r>
-              <a:rPr lang="en-US" b="1" dirty="0">
+              <a:rPr lang="en-US" sz="2800" b="1" dirty="0">
                 <a:solidFill>
                   <a:srgbClr val="FF0000"/>
                 </a:solidFill>
@@ -7084,18 +7168,18 @@
               <a:t> </a:t>
             </a:r>
             <a:r>
-              <a:rPr lang="en-US" b="1" dirty="0"/>
+              <a:rPr lang="en-US" sz="2800" b="1" dirty="0"/>
               <a:t>and </a:t>
             </a:r>
             <a:r>
-              <a:rPr lang="en-US" b="1" dirty="0" smtClean="0">
+              <a:rPr lang="en-US" sz="2800" b="1" dirty="0" smtClean="0">
                 <a:solidFill>
                   <a:srgbClr val="0070C0"/>
                 </a:solidFill>
               </a:rPr>
               <a:t>easy</a:t>
             </a:r>
-            <a:endParaRPr lang="zh-CN" altLang="en-US" b="1" dirty="0" smtClean="0">
+            <a:endParaRPr lang="zh-CN" altLang="en-US" sz="2800" b="1" dirty="0" smtClean="0">
               <a:solidFill>
                 <a:srgbClr val="0070C0"/>
               </a:solidFill>
@@ -7108,7 +7192,7 @@
               </a:buClr>
             </a:pPr>
             <a:r>
-              <a:rPr lang="en-US" altLang="zh-CN" dirty="0" smtClean="0">
+              <a:rPr lang="en-US" altLang="zh-CN" sz="2400" dirty="0" smtClean="0">
                 <a:solidFill>
                   <a:schemeClr val="tx1"/>
                 </a:solidFill>
@@ -7116,15 +7200,15 @@
               <a:t>Data</a:t>
             </a:r>
             <a:r>
-              <a:rPr lang="zh-CN" altLang="en-US" dirty="0" smtClean="0">
-                <a:solidFill>
-                  <a:schemeClr val="tx1"/>
-                </a:solidFill>
-              </a:rPr>
-              <a:t> </a:t>
-            </a:r>
-            <a:r>
-              <a:rPr lang="en-US" altLang="zh-CN" dirty="0" smtClean="0">
+              <a:rPr lang="zh-CN" altLang="en-US" sz="2400" dirty="0" smtClean="0">
+                <a:solidFill>
+                  <a:schemeClr val="tx1"/>
+                </a:solidFill>
+              </a:rPr>
+              <a:t> </a:t>
+            </a:r>
+            <a:r>
+              <a:rPr lang="en-US" altLang="zh-CN" sz="2400" dirty="0" smtClean="0">
                 <a:solidFill>
                   <a:schemeClr val="tx1"/>
                 </a:solidFill>
@@ -7132,15 +7216,15 @@
               <a:t>is</a:t>
             </a:r>
             <a:r>
-              <a:rPr lang="zh-CN" altLang="en-US" dirty="0" smtClean="0">
-                <a:solidFill>
-                  <a:schemeClr val="tx1"/>
-                </a:solidFill>
-              </a:rPr>
-              <a:t> </a:t>
-            </a:r>
-            <a:r>
-              <a:rPr lang="en-US" altLang="zh-CN" dirty="0" smtClean="0">
+              <a:rPr lang="zh-CN" altLang="en-US" sz="2400" dirty="0" smtClean="0">
+                <a:solidFill>
+                  <a:schemeClr val="tx1"/>
+                </a:solidFill>
+              </a:rPr>
+              <a:t> </a:t>
+            </a:r>
+            <a:r>
+              <a:rPr lang="en-US" altLang="zh-CN" sz="2400" dirty="0" smtClean="0">
                 <a:solidFill>
                   <a:schemeClr val="tx1"/>
                 </a:solidFill>
@@ -7148,15 +7232,15 @@
               <a:t>messy,</a:t>
             </a:r>
             <a:r>
-              <a:rPr lang="zh-CN" altLang="en-US" dirty="0" smtClean="0">
-                <a:solidFill>
-                  <a:schemeClr val="tx1"/>
-                </a:solidFill>
-              </a:rPr>
-              <a:t> </a:t>
-            </a:r>
-            <a:r>
-              <a:rPr lang="en-US" altLang="zh-CN" dirty="0" smtClean="0">
+              <a:rPr lang="zh-CN" altLang="en-US" sz="2400" dirty="0" smtClean="0">
+                <a:solidFill>
+                  <a:schemeClr val="tx1"/>
+                </a:solidFill>
+              </a:rPr>
+              <a:t> </a:t>
+            </a:r>
+            <a:r>
+              <a:rPr lang="en-US" altLang="zh-CN" sz="2400" dirty="0" smtClean="0">
                 <a:solidFill>
                   <a:schemeClr val="tx1"/>
                 </a:solidFill>
@@ -7164,15 +7248,15 @@
               <a:t>and</a:t>
             </a:r>
             <a:r>
-              <a:rPr lang="zh-CN" altLang="en-US" dirty="0" smtClean="0">
-                <a:solidFill>
-                  <a:schemeClr val="tx1"/>
-                </a:solidFill>
-              </a:rPr>
-              <a:t> </a:t>
-            </a:r>
-            <a:r>
-              <a:rPr lang="en-US" altLang="zh-CN" dirty="0" smtClean="0">
+              <a:rPr lang="zh-CN" altLang="en-US" sz="2400" dirty="0" smtClean="0">
+                <a:solidFill>
+                  <a:schemeClr val="tx1"/>
+                </a:solidFill>
+              </a:rPr>
+              <a:t> </a:t>
+            </a:r>
+            <a:r>
+              <a:rPr lang="en-US" altLang="zh-CN" sz="2400" dirty="0" smtClean="0">
                 <a:solidFill>
                   <a:schemeClr val="tx1"/>
                 </a:solidFill>
@@ -7180,15 +7264,15 @@
               <a:t>often</a:t>
             </a:r>
             <a:r>
-              <a:rPr lang="zh-CN" altLang="en-US" dirty="0" smtClean="0">
-                <a:solidFill>
-                  <a:schemeClr val="tx1"/>
-                </a:solidFill>
-              </a:rPr>
-              <a:t> </a:t>
-            </a:r>
-            <a:r>
-              <a:rPr lang="en-US" altLang="zh-CN" dirty="0" smtClean="0">
+              <a:rPr lang="zh-CN" altLang="en-US" sz="2400" dirty="0" smtClean="0">
+                <a:solidFill>
+                  <a:schemeClr val="tx1"/>
+                </a:solidFill>
+              </a:rPr>
+              <a:t> </a:t>
+            </a:r>
+            <a:r>
+              <a:rPr lang="en-US" altLang="zh-CN" sz="2400" dirty="0" smtClean="0">
                 <a:solidFill>
                   <a:schemeClr val="tx1"/>
                 </a:solidFill>
@@ -7196,15 +7280,15 @@
               <a:t>comes</a:t>
             </a:r>
             <a:r>
-              <a:rPr lang="zh-CN" altLang="en-US" dirty="0" smtClean="0">
-                <a:solidFill>
-                  <a:schemeClr val="tx1"/>
-                </a:solidFill>
-              </a:rPr>
-              <a:t> </a:t>
-            </a:r>
-            <a:r>
-              <a:rPr lang="en-US" altLang="zh-CN" dirty="0" smtClean="0">
+              <a:rPr lang="zh-CN" altLang="en-US" sz="2400" dirty="0" smtClean="0">
+                <a:solidFill>
+                  <a:schemeClr val="tx1"/>
+                </a:solidFill>
+              </a:rPr>
+              <a:t> </a:t>
+            </a:r>
+            <a:r>
+              <a:rPr lang="en-US" altLang="zh-CN" sz="2400" dirty="0" smtClean="0">
                 <a:solidFill>
                   <a:schemeClr val="tx1"/>
                 </a:solidFill>
@@ -7212,15 +7296,15 @@
               <a:t>from</a:t>
             </a:r>
             <a:r>
-              <a:rPr lang="zh-CN" altLang="en-US" dirty="0" smtClean="0">
-                <a:solidFill>
-                  <a:schemeClr val="tx1"/>
-                </a:solidFill>
-              </a:rPr>
-              <a:t> </a:t>
-            </a:r>
-            <a:r>
-              <a:rPr lang="en-US" altLang="zh-CN" dirty="0" smtClean="0">
+              <a:rPr lang="zh-CN" altLang="en-US" sz="2400" dirty="0" smtClean="0">
+                <a:solidFill>
+                  <a:schemeClr val="tx1"/>
+                </a:solidFill>
+              </a:rPr>
+              <a:t> </a:t>
+            </a:r>
+            <a:r>
+              <a:rPr lang="en-US" altLang="zh-CN" sz="2400" dirty="0" smtClean="0">
                 <a:solidFill>
                   <a:schemeClr val="tx1"/>
                 </a:solidFill>
@@ -7228,22 +7312,22 @@
               <a:t>multiple</a:t>
             </a:r>
             <a:r>
-              <a:rPr lang="zh-CN" altLang="en-US" dirty="0" smtClean="0">
-                <a:solidFill>
-                  <a:schemeClr val="tx1"/>
-                </a:solidFill>
-              </a:rPr>
-              <a:t> </a:t>
-            </a:r>
-            <a:r>
-              <a:rPr lang="en-US" altLang="zh-CN" dirty="0" smtClean="0">
+              <a:rPr lang="zh-CN" altLang="en-US" sz="2400" dirty="0" smtClean="0">
+                <a:solidFill>
+                  <a:schemeClr val="tx1"/>
+                </a:solidFill>
+              </a:rPr>
+              <a:t> </a:t>
+            </a:r>
+            <a:r>
+              <a:rPr lang="en-US" altLang="zh-CN" sz="2400" dirty="0" smtClean="0">
                 <a:solidFill>
                   <a:schemeClr val="tx1"/>
                 </a:solidFill>
               </a:rPr>
               <a:t>sources</a:t>
             </a:r>
-            <a:endParaRPr lang="zh-CN" altLang="en-US" dirty="0" smtClean="0">
+            <a:endParaRPr lang="zh-CN" altLang="en-US" sz="2400" dirty="0" smtClean="0">
               <a:solidFill>
                 <a:schemeClr val="tx1"/>
               </a:solidFill>
@@ -7256,7 +7340,7 @@
               </a:buClr>
             </a:pPr>
             <a:r>
-              <a:rPr lang="en-US" altLang="zh-CN" dirty="0" smtClean="0">
+              <a:rPr lang="en-US" altLang="zh-CN" sz="2400" dirty="0" smtClean="0">
                 <a:solidFill>
                   <a:schemeClr val="tx1"/>
                 </a:solidFill>
@@ -7264,15 +7348,15 @@
               <a:t>Feature selection</a:t>
             </a:r>
             <a:r>
-              <a:rPr lang="zh-CN" altLang="en-US" dirty="0" smtClean="0">
-                <a:solidFill>
-                  <a:schemeClr val="tx1"/>
-                </a:solidFill>
-              </a:rPr>
-              <a:t> </a:t>
-            </a:r>
-            <a:r>
-              <a:rPr lang="en-US" altLang="zh-CN" dirty="0" smtClean="0">
+              <a:rPr lang="zh-CN" altLang="en-US" sz="2400" dirty="0" smtClean="0">
+                <a:solidFill>
+                  <a:schemeClr val="tx1"/>
+                </a:solidFill>
+              </a:rPr>
+              <a:t> </a:t>
+            </a:r>
+            <a:r>
+              <a:rPr lang="en-US" altLang="zh-CN" sz="2400" dirty="0" smtClean="0">
                 <a:solidFill>
                   <a:schemeClr val="tx1"/>
                 </a:solidFill>
@@ -7280,15 +7364,15 @@
               <a:t>and</a:t>
             </a:r>
             <a:r>
-              <a:rPr lang="zh-CN" altLang="en-US" dirty="0" smtClean="0">
-                <a:solidFill>
-                  <a:schemeClr val="tx1"/>
-                </a:solidFill>
-              </a:rPr>
-              <a:t> </a:t>
-            </a:r>
-            <a:r>
-              <a:rPr lang="en-US" altLang="zh-CN" dirty="0" smtClean="0">
+              <a:rPr lang="zh-CN" altLang="en-US" sz="2400" dirty="0" smtClean="0">
+                <a:solidFill>
+                  <a:schemeClr val="tx1"/>
+                </a:solidFill>
+              </a:rPr>
+              <a:t> </a:t>
+            </a:r>
+            <a:r>
+              <a:rPr lang="en-US" altLang="zh-CN" sz="2400" dirty="0" smtClean="0">
                 <a:solidFill>
                   <a:schemeClr val="tx1"/>
                 </a:solidFill>
@@ -7296,15 +7380,15 @@
               <a:t>parameter tuning are</a:t>
             </a:r>
             <a:r>
-              <a:rPr lang="zh-CN" altLang="en-US" dirty="0" smtClean="0">
-                <a:solidFill>
-                  <a:schemeClr val="tx1"/>
-                </a:solidFill>
-              </a:rPr>
-              <a:t> </a:t>
-            </a:r>
-            <a:r>
-              <a:rPr lang="en-US" altLang="zh-CN" dirty="0" smtClean="0">
+              <a:rPr lang="zh-CN" altLang="en-US" sz="2400" dirty="0" smtClean="0">
+                <a:solidFill>
+                  <a:schemeClr val="tx1"/>
+                </a:solidFill>
+              </a:rPr>
+              <a:t> </a:t>
+            </a:r>
+            <a:r>
+              <a:rPr lang="en-US" altLang="zh-CN" sz="2400" dirty="0" smtClean="0">
                 <a:solidFill>
                   <a:schemeClr val="tx1"/>
                 </a:solidFill>
@@ -7312,22 +7396,22 @@
               <a:t>quite</a:t>
             </a:r>
             <a:r>
-              <a:rPr lang="zh-CN" altLang="en-US" dirty="0" smtClean="0">
-                <a:solidFill>
-                  <a:schemeClr val="tx1"/>
-                </a:solidFill>
-              </a:rPr>
-              <a:t> </a:t>
-            </a:r>
-            <a:r>
-              <a:rPr lang="en-US" altLang="zh-CN" dirty="0" smtClean="0">
+              <a:rPr lang="zh-CN" altLang="en-US" sz="2400" dirty="0" smtClean="0">
+                <a:solidFill>
+                  <a:schemeClr val="tx1"/>
+                </a:solidFill>
+              </a:rPr>
+              <a:t> </a:t>
+            </a:r>
+            <a:r>
+              <a:rPr lang="en-US" altLang="zh-CN" sz="2400" dirty="0" smtClean="0">
                 <a:solidFill>
                   <a:schemeClr val="tx1"/>
                 </a:solidFill>
               </a:rPr>
               <a:t>important</a:t>
             </a:r>
-            <a:endParaRPr lang="zh-CN" altLang="en-US" dirty="0" smtClean="0">
+            <a:endParaRPr lang="zh-CN" altLang="en-US" sz="2400" dirty="0" smtClean="0">
               <a:solidFill>
                 <a:schemeClr val="tx1"/>
               </a:solidFill>
@@ -7340,7 +7424,7 @@
               </a:buClr>
             </a:pPr>
             <a:r>
-              <a:rPr lang="en-US" altLang="zh-CN" dirty="0" smtClean="0">
+              <a:rPr lang="en-US" altLang="zh-CN" sz="2400" dirty="0" smtClean="0">
                 <a:solidFill>
                   <a:schemeClr val="tx1"/>
                 </a:solidFill>
@@ -7348,15 +7432,15 @@
               <a:t>A model</a:t>
             </a:r>
             <a:r>
-              <a:rPr lang="zh-CN" altLang="en-US" dirty="0" smtClean="0">
-                <a:solidFill>
-                  <a:schemeClr val="tx1"/>
-                </a:solidFill>
-              </a:rPr>
-              <a:t> </a:t>
-            </a:r>
-            <a:r>
-              <a:rPr lang="en-US" altLang="zh-CN" dirty="0" smtClean="0">
+              <a:rPr lang="zh-CN" altLang="en-US" sz="2400" dirty="0" smtClean="0">
+                <a:solidFill>
+                  <a:schemeClr val="tx1"/>
+                </a:solidFill>
+              </a:rPr>
+              <a:t> </a:t>
+            </a:r>
+            <a:r>
+              <a:rPr lang="en-US" altLang="zh-CN" sz="2400" dirty="0" smtClean="0">
                 <a:solidFill>
                   <a:schemeClr val="tx1"/>
                 </a:solidFill>
@@ -7364,15 +7448,15 @@
               <a:t>should</a:t>
             </a:r>
             <a:r>
-              <a:rPr lang="zh-CN" altLang="en-US" dirty="0" smtClean="0">
-                <a:solidFill>
-                  <a:schemeClr val="tx1"/>
-                </a:solidFill>
-              </a:rPr>
-              <a:t> </a:t>
-            </a:r>
-            <a:r>
-              <a:rPr lang="en-US" altLang="zh-CN" dirty="0" smtClean="0">
+              <a:rPr lang="zh-CN" altLang="en-US" sz="2400" dirty="0" smtClean="0">
+                <a:solidFill>
+                  <a:schemeClr val="tx1"/>
+                </a:solidFill>
+              </a:rPr>
+              <a:t> </a:t>
+            </a:r>
+            <a:r>
+              <a:rPr lang="en-US" altLang="zh-CN" sz="2400" dirty="0" smtClean="0">
                 <a:solidFill>
                   <a:schemeClr val="tx1"/>
                 </a:solidFill>
@@ -7380,15 +7464,15 @@
               <a:t>have</a:t>
             </a:r>
             <a:r>
-              <a:rPr lang="zh-CN" altLang="en-US" dirty="0" smtClean="0">
-                <a:solidFill>
-                  <a:schemeClr val="tx1"/>
-                </a:solidFill>
-              </a:rPr>
-              <a:t> </a:t>
-            </a:r>
-            <a:r>
-              <a:rPr lang="en-US" altLang="zh-CN" dirty="0" smtClean="0">
+              <a:rPr lang="zh-CN" altLang="en-US" sz="2400" dirty="0" smtClean="0">
+                <a:solidFill>
+                  <a:schemeClr val="tx1"/>
+                </a:solidFill>
+              </a:rPr>
+              <a:t> </a:t>
+            </a:r>
+            <a:r>
+              <a:rPr lang="en-US" altLang="zh-CN" sz="2400" dirty="0" smtClean="0">
                 <a:solidFill>
                   <a:schemeClr val="tx1"/>
                 </a:solidFill>
@@ -7396,15 +7480,15 @@
               <a:t>good</a:t>
             </a:r>
             <a:r>
-              <a:rPr lang="zh-CN" altLang="en-US" dirty="0" smtClean="0">
-                <a:solidFill>
-                  <a:schemeClr val="tx1"/>
-                </a:solidFill>
-              </a:rPr>
-              <a:t> </a:t>
-            </a:r>
-            <a:r>
-              <a:rPr lang="en-US" altLang="zh-CN" dirty="0" smtClean="0">
+              <a:rPr lang="zh-CN" altLang="en-US" sz="2400" dirty="0" smtClean="0">
+                <a:solidFill>
+                  <a:schemeClr val="tx1"/>
+                </a:solidFill>
+              </a:rPr>
+              <a:t> </a:t>
+            </a:r>
+            <a:r>
+              <a:rPr lang="en-US" altLang="zh-CN" sz="2400" dirty="0" smtClean="0">
                 <a:solidFill>
                   <a:schemeClr val="tx1"/>
                 </a:solidFill>
@@ -7412,15 +7496,15 @@
               <a:t>performance</a:t>
             </a:r>
             <a:r>
-              <a:rPr lang="zh-CN" altLang="en-US" dirty="0" smtClean="0">
-                <a:solidFill>
-                  <a:schemeClr val="tx1"/>
-                </a:solidFill>
-              </a:rPr>
-              <a:t> </a:t>
-            </a:r>
-            <a:r>
-              <a:rPr lang="en-US" altLang="zh-CN" dirty="0" smtClean="0">
+              <a:rPr lang="zh-CN" altLang="en-US" sz="2400" dirty="0" smtClean="0">
+                <a:solidFill>
+                  <a:schemeClr val="tx1"/>
+                </a:solidFill>
+              </a:rPr>
+              <a:t> </a:t>
+            </a:r>
+            <a:r>
+              <a:rPr lang="en-US" altLang="zh-CN" sz="2400" dirty="0" smtClean="0">
                 <a:solidFill>
                   <a:schemeClr val="tx1"/>
                 </a:solidFill>
@@ -7428,22 +7512,22 @@
               <a:t>in</a:t>
             </a:r>
             <a:r>
-              <a:rPr lang="zh-CN" altLang="en-US" dirty="0" smtClean="0">
-                <a:solidFill>
-                  <a:schemeClr val="tx1"/>
-                </a:solidFill>
-              </a:rPr>
-              <a:t> </a:t>
-            </a:r>
-            <a:r>
-              <a:rPr lang="en-US" altLang="zh-CN" dirty="0" smtClean="0">
+              <a:rPr lang="zh-CN" altLang="en-US" sz="2400" dirty="0" smtClean="0">
+                <a:solidFill>
+                  <a:schemeClr val="tx1"/>
+                </a:solidFill>
+              </a:rPr>
+              <a:t> </a:t>
+            </a:r>
+            <a:r>
+              <a:rPr lang="en-US" altLang="zh-CN" sz="2400" dirty="0" smtClean="0">
                 <a:solidFill>
                   <a:schemeClr val="tx1"/>
                 </a:solidFill>
               </a:rPr>
               <a:t>productions</a:t>
             </a:r>
-            <a:endParaRPr lang="zh-CN" altLang="en-US" dirty="0" smtClean="0">
+            <a:endParaRPr lang="zh-CN" altLang="en-US" sz="2400" dirty="0" smtClean="0">
               <a:solidFill>
                 <a:schemeClr val="tx1"/>
               </a:solidFill>
@@ -7456,7 +7540,7 @@
               </a:buClr>
             </a:pPr>
             <a:r>
-              <a:rPr lang="en-US" altLang="zh-CN" b="1" dirty="0" smtClean="0">
+              <a:rPr lang="en-US" altLang="zh-CN" sz="2800" b="1" dirty="0" smtClean="0">
                 <a:solidFill>
                   <a:schemeClr val="accent1"/>
                 </a:solidFill>
@@ -7464,7 +7548,7 @@
               <a:t>How</a:t>
             </a:r>
             <a:r>
-              <a:rPr lang="zh-CN" altLang="en-US" b="1" dirty="0" smtClean="0">
+              <a:rPr lang="zh-CN" altLang="en-US" sz="2800" b="1" dirty="0" smtClean="0">
                 <a:solidFill>
                   <a:schemeClr val="accent1"/>
                 </a:solidFill>
@@ -7472,7 +7556,7 @@
               <a:t> </a:t>
             </a:r>
             <a:r>
-              <a:rPr lang="en-US" altLang="zh-CN" b="1" dirty="0" smtClean="0">
+              <a:rPr lang="en-US" altLang="zh-CN" sz="2800" b="1" dirty="0" smtClean="0">
                 <a:solidFill>
                   <a:schemeClr val="accent1"/>
                 </a:solidFill>
@@ -7480,7 +7564,7 @@
               <a:t>did</a:t>
             </a:r>
             <a:r>
-              <a:rPr lang="zh-CN" altLang="en-US" b="1" dirty="0" smtClean="0">
+              <a:rPr lang="zh-CN" altLang="en-US" sz="2800" b="1" dirty="0" smtClean="0">
                 <a:solidFill>
                   <a:schemeClr val="accent1"/>
                 </a:solidFill>
@@ -7488,7 +7572,7 @@
               <a:t> </a:t>
             </a:r>
             <a:r>
-              <a:rPr lang="en-US" altLang="zh-CN" b="1" dirty="0" err="1" smtClean="0">
+              <a:rPr lang="en-US" altLang="zh-CN" sz="2800" b="1" dirty="0" err="1" smtClean="0">
                 <a:solidFill>
                   <a:schemeClr val="accent1"/>
                 </a:solidFill>
@@ -7496,7 +7580,7 @@
               <a:t>MLlib</a:t>
             </a:r>
             <a:r>
-              <a:rPr lang="zh-CN" altLang="en-US" b="1" dirty="0" smtClean="0">
+              <a:rPr lang="zh-CN" altLang="en-US" sz="2800" b="1" dirty="0" smtClean="0">
                 <a:solidFill>
                   <a:schemeClr val="accent1"/>
                 </a:solidFill>
@@ -7504,7 +7588,7 @@
               <a:t> </a:t>
             </a:r>
             <a:r>
-              <a:rPr lang="en-US" altLang="zh-CN" b="1" dirty="0" smtClean="0">
+              <a:rPr lang="en-US" altLang="zh-CN" sz="2800" b="1" dirty="0" smtClean="0">
                 <a:solidFill>
                   <a:schemeClr val="accent1"/>
                 </a:solidFill>
@@ -7512,7 +7596,7 @@
               <a:t>achieve</a:t>
             </a:r>
             <a:r>
-              <a:rPr lang="zh-CN" altLang="en-US" b="1" dirty="0" smtClean="0">
+              <a:rPr lang="zh-CN" altLang="en-US" sz="2800" b="1" dirty="0" smtClean="0">
                 <a:solidFill>
                   <a:schemeClr val="accent1"/>
                 </a:solidFill>
@@ -7520,7 +7604,7 @@
               <a:t> </a:t>
             </a:r>
             <a:r>
-              <a:rPr lang="en-US" altLang="zh-CN" b="1" dirty="0" smtClean="0">
+              <a:rPr lang="en-US" altLang="zh-CN" sz="2800" b="1" dirty="0" smtClean="0">
                 <a:solidFill>
                   <a:schemeClr val="accent1"/>
                 </a:solidFill>
@@ -7528,7 +7612,7 @@
               <a:t>the</a:t>
             </a:r>
             <a:r>
-              <a:rPr lang="zh-CN" altLang="en-US" b="1" dirty="0" smtClean="0">
+              <a:rPr lang="zh-CN" altLang="en-US" sz="2800" b="1" dirty="0" smtClean="0">
                 <a:solidFill>
                   <a:schemeClr val="accent1"/>
                 </a:solidFill>
@@ -7536,7 +7620,7 @@
               <a:t> </a:t>
             </a:r>
             <a:r>
-              <a:rPr lang="en-US" altLang="zh-CN" b="1" dirty="0" smtClean="0">
+              <a:rPr lang="en-US" altLang="zh-CN" sz="2800" b="1" dirty="0" smtClean="0">
                 <a:solidFill>
                   <a:schemeClr val="accent1"/>
                 </a:solidFill>
@@ -7544,7 +7628,7 @@
               <a:t>goal</a:t>
             </a:r>
             <a:r>
-              <a:rPr lang="zh-CN" altLang="en-US" b="1" dirty="0" smtClean="0">
+              <a:rPr lang="zh-CN" altLang="en-US" sz="2800" b="1" dirty="0" smtClean="0">
                 <a:solidFill>
                   <a:schemeClr val="accent1"/>
                 </a:solidFill>
@@ -7552,7 +7636,7 @@
               <a:t> </a:t>
             </a:r>
             <a:r>
-              <a:rPr lang="en-US" altLang="zh-CN" b="1" dirty="0" smtClean="0">
+              <a:rPr lang="en-US" altLang="zh-CN" sz="2800" b="1" dirty="0" smtClean="0">
                 <a:solidFill>
                   <a:schemeClr val="accent1"/>
                 </a:solidFill>
@@ -7560,7 +7644,7 @@
               <a:t>of</a:t>
             </a:r>
             <a:r>
-              <a:rPr lang="zh-CN" altLang="en-US" b="1" dirty="0" smtClean="0">
+              <a:rPr lang="zh-CN" altLang="en-US" sz="2800" b="1" dirty="0" smtClean="0">
                 <a:solidFill>
                   <a:schemeClr val="accent1"/>
                 </a:solidFill>
@@ -7568,14 +7652,14 @@
               <a:t> </a:t>
             </a:r>
             <a:r>
-              <a:rPr lang="en-US" altLang="zh-CN" b="1" dirty="0" smtClean="0">
+              <a:rPr lang="en-US" altLang="zh-CN" sz="2800" b="1" dirty="0" smtClean="0">
                 <a:solidFill>
                   <a:schemeClr val="accent1"/>
                 </a:solidFill>
               </a:rPr>
               <a:t>scalability?</a:t>
             </a:r>
-            <a:endParaRPr lang="zh-CN" altLang="en-US" b="1" dirty="0" smtClean="0">
+            <a:endParaRPr lang="zh-CN" altLang="en-US" sz="2800" b="1" dirty="0" smtClean="0">
               <a:solidFill>
                 <a:schemeClr val="accent1"/>
               </a:solidFill>
@@ -7588,7 +7672,7 @@
               </a:buClr>
             </a:pPr>
             <a:r>
-              <a:rPr lang="en-US" altLang="zh-CN" dirty="0" smtClean="0">
+              <a:rPr lang="en-US" altLang="zh-CN" sz="2400" dirty="0" smtClean="0">
                 <a:solidFill>
                   <a:schemeClr val="accent1"/>
                 </a:solidFill>
@@ -7596,7 +7680,7 @@
               <a:t>Implementing</a:t>
             </a:r>
             <a:r>
-              <a:rPr lang="zh-CN" altLang="en-US" dirty="0" smtClean="0">
+              <a:rPr lang="zh-CN" altLang="en-US" sz="2400" dirty="0" smtClean="0">
                 <a:solidFill>
                   <a:schemeClr val="accent1"/>
                 </a:solidFill>
@@ -7604,7 +7688,7 @@
               <a:t> </a:t>
             </a:r>
             <a:r>
-              <a:rPr lang="en-US" altLang="zh-CN" dirty="0" smtClean="0">
+              <a:rPr lang="en-US" altLang="zh-CN" sz="2400" dirty="0" smtClean="0">
                 <a:solidFill>
                   <a:schemeClr val="accent1"/>
                 </a:solidFill>
@@ -7612,7 +7696,7 @@
               <a:t>distributed</a:t>
             </a:r>
             <a:r>
-              <a:rPr lang="zh-CN" altLang="en-US" dirty="0" smtClean="0">
+              <a:rPr lang="zh-CN" altLang="en-US" sz="2400" dirty="0" smtClean="0">
                 <a:solidFill>
                   <a:schemeClr val="accent1"/>
                 </a:solidFill>
@@ -7620,7 +7704,7 @@
               <a:t> </a:t>
             </a:r>
             <a:r>
-              <a:rPr lang="en-US" altLang="zh-CN" dirty="0" smtClean="0">
+              <a:rPr lang="en-US" altLang="zh-CN" sz="2400" dirty="0" smtClean="0">
                 <a:solidFill>
                   <a:schemeClr val="accent1"/>
                 </a:solidFill>
@@ -7628,7 +7712,7 @@
               <a:t>machine</a:t>
             </a:r>
             <a:r>
-              <a:rPr lang="zh-CN" altLang="en-US" dirty="0" smtClean="0">
+              <a:rPr lang="zh-CN" altLang="en-US" sz="2400" dirty="0" smtClean="0">
                 <a:solidFill>
                   <a:schemeClr val="accent1"/>
                 </a:solidFill>
@@ -7636,7 +7720,7 @@
               <a:t> </a:t>
             </a:r>
             <a:r>
-              <a:rPr lang="en-US" altLang="zh-CN" dirty="0" smtClean="0">
+              <a:rPr lang="en-US" altLang="zh-CN" sz="2400" dirty="0" smtClean="0">
                 <a:solidFill>
                   <a:schemeClr val="accent1"/>
                 </a:solidFill>
@@ -7644,7 +7728,7 @@
               <a:t>learning</a:t>
             </a:r>
             <a:r>
-              <a:rPr lang="zh-CN" altLang="en-US" dirty="0" smtClean="0">
+              <a:rPr lang="zh-CN" altLang="en-US" sz="2400" dirty="0" smtClean="0">
                 <a:solidFill>
                   <a:schemeClr val="accent1"/>
                 </a:solidFill>
@@ -7652,7 +7736,7 @@
               <a:t> </a:t>
             </a:r>
             <a:r>
-              <a:rPr lang="en-US" altLang="zh-CN" dirty="0" smtClean="0">
+              <a:rPr lang="en-US" altLang="zh-CN" sz="2400" dirty="0" smtClean="0">
                 <a:solidFill>
                   <a:schemeClr val="accent1"/>
                 </a:solidFill>
@@ -7660,7 +7744,7 @@
               <a:t>algorithms</a:t>
             </a:r>
             <a:r>
-              <a:rPr lang="zh-CN" altLang="en-US" dirty="0" smtClean="0">
+              <a:rPr lang="zh-CN" altLang="en-US" sz="2400" dirty="0" smtClean="0">
                 <a:solidFill>
                   <a:schemeClr val="accent1"/>
                 </a:solidFill>
@@ -7668,7 +7752,7 @@
               <a:t> </a:t>
             </a:r>
             <a:r>
-              <a:rPr lang="en-US" altLang="zh-CN" dirty="0" smtClean="0">
+              <a:rPr lang="en-US" altLang="zh-CN" sz="2400" dirty="0" smtClean="0">
                 <a:solidFill>
                   <a:schemeClr val="accent1"/>
                 </a:solidFill>
@@ -7676,7 +7760,7 @@
               <a:t>using</a:t>
             </a:r>
             <a:r>
-              <a:rPr lang="zh-CN" altLang="en-US" dirty="0" smtClean="0">
+              <a:rPr lang="zh-CN" altLang="en-US" sz="2400" dirty="0" smtClean="0">
                 <a:solidFill>
                   <a:schemeClr val="accent1"/>
                 </a:solidFill>
@@ -7684,14 +7768,14 @@
               <a:t> </a:t>
             </a:r>
             <a:r>
-              <a:rPr lang="en-US" altLang="zh-CN" dirty="0" smtClean="0">
+              <a:rPr lang="en-US" altLang="zh-CN" sz="2400" dirty="0" smtClean="0">
                 <a:solidFill>
                   <a:schemeClr val="accent1"/>
                 </a:solidFill>
               </a:rPr>
               <a:t>Spark</a:t>
             </a:r>
-            <a:endParaRPr lang="zh-CN" altLang="en-US" dirty="0" smtClean="0">
+            <a:endParaRPr lang="zh-CN" altLang="en-US" sz="2400" dirty="0" smtClean="0">
               <a:solidFill>
                 <a:schemeClr val="accent1"/>
               </a:solidFill>
@@ -7704,7 +7788,7 @@
               </a:buClr>
             </a:pPr>
             <a:r>
-              <a:rPr lang="en-US" altLang="zh-CN" b="1" dirty="0">
+              <a:rPr lang="en-US" altLang="zh-CN" sz="2800" b="1" dirty="0">
                 <a:solidFill>
                   <a:srgbClr val="0070C0"/>
                 </a:solidFill>
@@ -7712,7 +7796,7 @@
               <a:t>How</a:t>
             </a:r>
             <a:r>
-              <a:rPr lang="zh-CN" altLang="en-US" b="1" dirty="0">
+              <a:rPr lang="zh-CN" altLang="en-US" sz="2800" b="1" dirty="0">
                 <a:solidFill>
                   <a:srgbClr val="0070C0"/>
                 </a:solidFill>
@@ -7720,7 +7804,7 @@
               <a:t> </a:t>
             </a:r>
             <a:r>
-              <a:rPr lang="en-US" altLang="zh-CN" b="1" dirty="0">
+              <a:rPr lang="en-US" altLang="zh-CN" sz="2800" b="1" dirty="0">
                 <a:solidFill>
                   <a:srgbClr val="0070C0"/>
                 </a:solidFill>
@@ -7728,7 +7812,7 @@
               <a:t>did</a:t>
             </a:r>
             <a:r>
-              <a:rPr lang="zh-CN" altLang="en-US" b="1" dirty="0">
+              <a:rPr lang="zh-CN" altLang="en-US" sz="2800" b="1" dirty="0">
                 <a:solidFill>
                   <a:srgbClr val="0070C0"/>
                 </a:solidFill>
@@ -7736,7 +7820,7 @@
               <a:t> </a:t>
             </a:r>
             <a:r>
-              <a:rPr lang="en-US" altLang="zh-CN" b="1" dirty="0" err="1">
+              <a:rPr lang="en-US" altLang="zh-CN" sz="2800" b="1" dirty="0" err="1">
                 <a:solidFill>
                   <a:srgbClr val="0070C0"/>
                 </a:solidFill>
@@ -7744,7 +7828,7 @@
               <a:t>MLlib</a:t>
             </a:r>
             <a:r>
-              <a:rPr lang="zh-CN" altLang="en-US" b="1" dirty="0">
+              <a:rPr lang="zh-CN" altLang="en-US" sz="2800" b="1" dirty="0">
                 <a:solidFill>
                   <a:srgbClr val="0070C0"/>
                 </a:solidFill>
@@ -7752,7 +7836,7 @@
               <a:t> </a:t>
             </a:r>
             <a:r>
-              <a:rPr lang="en-US" altLang="zh-CN" b="1" dirty="0">
+              <a:rPr lang="en-US" altLang="zh-CN" sz="2800" b="1" dirty="0">
                 <a:solidFill>
                   <a:srgbClr val="0070C0"/>
                 </a:solidFill>
@@ -7760,7 +7844,7 @@
               <a:t>achieve</a:t>
             </a:r>
             <a:r>
-              <a:rPr lang="zh-CN" altLang="en-US" b="1" dirty="0">
+              <a:rPr lang="zh-CN" altLang="en-US" sz="2800" b="1" dirty="0">
                 <a:solidFill>
                   <a:srgbClr val="0070C0"/>
                 </a:solidFill>
@@ -7768,7 +7852,7 @@
               <a:t> </a:t>
             </a:r>
             <a:r>
-              <a:rPr lang="en-US" altLang="zh-CN" b="1" dirty="0">
+              <a:rPr lang="en-US" altLang="zh-CN" sz="2800" b="1" dirty="0">
                 <a:solidFill>
                   <a:srgbClr val="0070C0"/>
                 </a:solidFill>
@@ -7776,7 +7860,7 @@
               <a:t>the</a:t>
             </a:r>
             <a:r>
-              <a:rPr lang="zh-CN" altLang="en-US" b="1" dirty="0">
+              <a:rPr lang="zh-CN" altLang="en-US" sz="2800" b="1" dirty="0">
                 <a:solidFill>
                   <a:srgbClr val="0070C0"/>
                 </a:solidFill>
@@ -7784,7 +7868,7 @@
               <a:t> </a:t>
             </a:r>
             <a:r>
-              <a:rPr lang="en-US" altLang="zh-CN" b="1" dirty="0" smtClean="0">
+              <a:rPr lang="en-US" altLang="zh-CN" sz="2800" b="1" dirty="0" smtClean="0">
                 <a:solidFill>
                   <a:srgbClr val="0070C0"/>
                 </a:solidFill>
@@ -7792,7 +7876,7 @@
               <a:t>goal</a:t>
             </a:r>
             <a:r>
-              <a:rPr lang="zh-CN" altLang="en-US" b="1" dirty="0" smtClean="0">
+              <a:rPr lang="zh-CN" altLang="en-US" sz="2800" b="1" dirty="0" smtClean="0">
                 <a:solidFill>
                   <a:srgbClr val="0070C0"/>
                 </a:solidFill>
@@ -7800,7 +7884,7 @@
               <a:t> </a:t>
             </a:r>
             <a:r>
-              <a:rPr lang="en-US" altLang="zh-CN" b="1" dirty="0" smtClean="0">
+              <a:rPr lang="en-US" altLang="zh-CN" sz="2800" b="1" dirty="0" smtClean="0">
                 <a:solidFill>
                   <a:srgbClr val="0070C0"/>
                 </a:solidFill>
@@ -7808,7 +7892,7 @@
               <a:t>of</a:t>
             </a:r>
             <a:r>
-              <a:rPr lang="zh-CN" altLang="en-US" b="1" dirty="0" smtClean="0">
+              <a:rPr lang="zh-CN" altLang="en-US" sz="2800" b="1" dirty="0" smtClean="0">
                 <a:solidFill>
                   <a:srgbClr val="0070C0"/>
                 </a:solidFill>
@@ -7816,14 +7900,14 @@
               <a:t> </a:t>
             </a:r>
             <a:r>
-              <a:rPr lang="en-US" altLang="zh-CN" b="1" dirty="0">
+              <a:rPr lang="en-US" altLang="zh-CN" sz="2800" b="1" dirty="0">
                 <a:solidFill>
                   <a:srgbClr val="0070C0"/>
                 </a:solidFill>
               </a:rPr>
               <a:t>ease of use?</a:t>
             </a:r>
-            <a:endParaRPr lang="zh-CN" altLang="en-US" b="1" dirty="0">
+            <a:endParaRPr lang="zh-CN" altLang="en-US" sz="2800" b="1" dirty="0">
               <a:solidFill>
                 <a:srgbClr val="0070C0"/>
               </a:solidFill>
@@ -7836,7 +7920,7 @@
               </a:buClr>
             </a:pPr>
             <a:r>
-              <a:rPr lang="en-US" altLang="zh-CN" dirty="0" smtClean="0">
+              <a:rPr lang="en-US" altLang="zh-CN" sz="2400" dirty="0" smtClean="0">
                 <a:solidFill>
                   <a:srgbClr val="0070C0"/>
                 </a:solidFill>
@@ -7844,7 +7928,7 @@
               <a:t>The</a:t>
             </a:r>
             <a:r>
-              <a:rPr lang="zh-CN" altLang="en-US" dirty="0" smtClean="0">
+              <a:rPr lang="zh-CN" altLang="en-US" sz="2400" dirty="0" smtClean="0">
                 <a:solidFill>
                   <a:srgbClr val="0070C0"/>
                 </a:solidFill>
@@ -7852,7 +7936,7 @@
               <a:t> </a:t>
             </a:r>
             <a:r>
-              <a:rPr lang="en-US" altLang="zh-CN" dirty="0" smtClean="0">
+              <a:rPr lang="en-US" altLang="zh-CN" sz="2400" dirty="0" smtClean="0">
                 <a:solidFill>
                   <a:srgbClr val="0070C0"/>
                 </a:solidFill>
@@ -7860,7 +7944,7 @@
               <a:t>new ML</a:t>
             </a:r>
             <a:r>
-              <a:rPr lang="zh-CN" altLang="en-US" dirty="0" smtClean="0">
+              <a:rPr lang="zh-CN" altLang="en-US" sz="2400" dirty="0" smtClean="0">
                 <a:solidFill>
                   <a:srgbClr val="0070C0"/>
                 </a:solidFill>
@@ -7868,7 +7952,7 @@
               <a:t> </a:t>
             </a:r>
             <a:r>
-              <a:rPr lang="en-US" altLang="zh-CN" dirty="0">
+              <a:rPr lang="en-US" altLang="zh-CN" sz="2400" dirty="0">
                 <a:solidFill>
                   <a:srgbClr val="0070C0"/>
                 </a:solidFill>
@@ -7876,7 +7960,7 @@
               <a:t>Pipeline</a:t>
             </a:r>
             <a:r>
-              <a:rPr lang="zh-CN" altLang="en-US" dirty="0">
+              <a:rPr lang="zh-CN" altLang="en-US" sz="2400" dirty="0">
                 <a:solidFill>
                   <a:srgbClr val="0070C0"/>
                 </a:solidFill>
@@ -7884,7 +7968,7 @@
               <a:t> </a:t>
             </a:r>
             <a:r>
-              <a:rPr lang="en-US" altLang="zh-CN" dirty="0">
+              <a:rPr lang="en-US" altLang="zh-CN" sz="2400" dirty="0">
                 <a:solidFill>
                   <a:srgbClr val="0070C0"/>
                 </a:solidFill>
@@ -7892,7 +7976,7 @@
               <a:t>API</a:t>
             </a:r>
             <a:r>
-              <a:rPr lang="zh-CN" altLang="en-US" dirty="0">
+              <a:rPr lang="zh-CN" altLang="en-US" sz="2400" dirty="0">
                 <a:solidFill>
                   <a:srgbClr val="0070C0"/>
                 </a:solidFill>
@@ -7953,10 +8037,10 @@
           <a:bodyPr/>
           <a:lstStyle/>
           <a:p>
-            <a:r>
+            <a:fld id="{57441354-08F0-8C42-AA95-7F0361238094}" type="datetime1">
               <a:rPr lang="en-US" smtClean="0"/>
-              <a:t>01/05/16</a:t>
-            </a:r>
+              <a:t>12/24/16</a:t>
+            </a:fld>
             <a:endParaRPr lang="en-US" dirty="0"/>
           </a:p>
         </p:txBody>
@@ -8265,10 +8349,10 @@
           <a:bodyPr/>
           <a:lstStyle/>
           <a:p>
-            <a:r>
+            <a:fld id="{7F204A78-6119-3F4A-9256-D53AA9D2AD35}" type="datetime1">
               <a:rPr lang="en-US" smtClean="0"/>
-              <a:t>01/05/16</a:t>
-            </a:r>
+              <a:t>12/24/16</a:t>
+            </a:fld>
             <a:endParaRPr lang="en-US" dirty="0"/>
           </a:p>
         </p:txBody>
@@ -8994,10 +9078,10 @@
           <a:bodyPr/>
           <a:lstStyle/>
           <a:p>
-            <a:r>
+            <a:fld id="{CE2F0AB1-3B6B-6C4E-A36E-C6777FA24694}" type="datetime1">
               <a:rPr lang="en-US" smtClean="0"/>
-              <a:t>01/05/16</a:t>
-            </a:r>
+              <a:t>12/24/16</a:t>
+            </a:fld>
             <a:endParaRPr lang="en-US" dirty="0"/>
           </a:p>
         </p:txBody>
@@ -11435,10 +11519,10 @@
           <a:bodyPr/>
           <a:lstStyle/>
           <a:p>
-            <a:r>
+            <a:fld id="{A1D4165F-CFD8-D34C-84D1-2D072F1A3EC7}" type="datetime1">
               <a:rPr lang="en-US" smtClean="0"/>
-              <a:t>01/05/16</a:t>
-            </a:r>
+              <a:t>12/24/16</a:t>
+            </a:fld>
             <a:endParaRPr lang="en-US" dirty="0"/>
           </a:p>
         </p:txBody>
@@ -12003,10 +12087,10 @@
           <a:bodyPr/>
           <a:lstStyle/>
           <a:p>
-            <a:r>
+            <a:fld id="{2519F309-F115-144A-9CD1-B34A9D876E81}" type="datetime1">
               <a:rPr lang="en-US" smtClean="0"/>
-              <a:t>01/05/16</a:t>
-            </a:r>
+              <a:t>12/24/16</a:t>
+            </a:fld>
             <a:endParaRPr lang="en-US" dirty="0"/>
           </a:p>
         </p:txBody>
@@ -13343,10 +13427,10 @@
           <a:bodyPr/>
           <a:lstStyle/>
           <a:p>
-            <a:r>
+            <a:fld id="{9B77AB2C-DD47-CA43-8E23-78F27310ED4A}" type="datetime1">
               <a:rPr lang="en-US" smtClean="0"/>
-              <a:t>01/05/16</a:t>
-            </a:r>
+              <a:t>12/24/16</a:t>
+            </a:fld>
             <a:endParaRPr lang="en-US" dirty="0"/>
           </a:p>
         </p:txBody>
@@ -14475,30 +14559,32 @@
         </p:nvSpPr>
         <p:spPr/>
         <p:txBody>
-          <a:bodyPr/>
+          <a:bodyPr>
+            <a:normAutofit/>
+          </a:bodyPr>
           <a:lstStyle/>
           <a:p>
             <a:r>
-              <a:rPr lang="en-US" altLang="zh-CN" b="1" dirty="0" smtClean="0"/>
+              <a:rPr lang="en-US" altLang="zh-CN" sz="2800" b="1" dirty="0" smtClean="0"/>
               <a:t>Pain Point 3: </a:t>
             </a:r>
             <a:r>
-              <a:rPr lang="en-US" altLang="zh-CN" dirty="0" smtClean="0"/>
+              <a:rPr lang="en-US" altLang="zh-CN" sz="2800" dirty="0" smtClean="0"/>
               <a:t>Parameter tuning is painful.</a:t>
             </a:r>
-            <a:endParaRPr lang="zh-CN" altLang="en-US" dirty="0"/>
-          </a:p>
-          <a:p>
-            <a:r>
-              <a:rPr lang="en-US" b="1" dirty="0" smtClean="0"/>
+            <a:endParaRPr lang="zh-CN" altLang="en-US" sz="2800" dirty="0"/>
+          </a:p>
+          <a:p>
+            <a:r>
+              <a:rPr lang="en-US" sz="2800" b="1" dirty="0" smtClean="0"/>
               <a:t>Basic Idea: </a:t>
             </a:r>
             <a:r>
-              <a:rPr lang="en-US" dirty="0"/>
+              <a:rPr lang="en-US" sz="2800" dirty="0"/>
               <a:t>g</a:t>
             </a:r>
             <a:r>
-              <a:rPr lang="en-US" dirty="0" smtClean="0"/>
+              <a:rPr lang="en-US" sz="2800" dirty="0" smtClean="0"/>
               <a:t>rid search and cross validation</a:t>
             </a:r>
           </a:p>
@@ -14512,14 +14598,14 @@
               </a:buClr>
             </a:pPr>
             <a:r>
-              <a:rPr lang="en-US" altLang="zh-CN" dirty="0" smtClean="0">
+              <a:rPr lang="en-US" altLang="zh-CN" sz="2400" dirty="0" smtClean="0">
                 <a:solidFill>
                   <a:schemeClr val="tx1"/>
                 </a:solidFill>
               </a:rPr>
               <a:t>Grid search enumerates every possible combination of parameters</a:t>
             </a:r>
-            <a:endParaRPr lang="en-US" altLang="zh-CN" dirty="0">
+            <a:endParaRPr lang="en-US" altLang="zh-CN" sz="2400" dirty="0">
               <a:solidFill>
                 <a:schemeClr val="tx1"/>
               </a:solidFill>
@@ -14527,10 +14613,10 @@
           </a:p>
           <a:p>
             <a:r>
-              <a:rPr lang="en-US" dirty="0" smtClean="0"/>
-              <a:t> </a:t>
-            </a:r>
-            <a:endParaRPr lang="en-US" altLang="zh-CN" dirty="0" smtClean="0">
+              <a:rPr lang="en-US" sz="2800" dirty="0" smtClean="0"/>
+              <a:t> </a:t>
+            </a:r>
+            <a:endParaRPr lang="en-US" altLang="zh-CN" sz="2800" dirty="0" smtClean="0">
               <a:solidFill>
                 <a:srgbClr val="000000"/>
               </a:solidFill>
@@ -14542,14 +14628,14 @@
                 <a:srgbClr val="E48312"/>
               </a:buClr>
             </a:pPr>
-            <a:endParaRPr lang="zh-CN" altLang="en-US" dirty="0">
+            <a:endParaRPr lang="zh-CN" altLang="en-US" sz="2400" dirty="0">
               <a:solidFill>
                 <a:srgbClr val="000000"/>
               </a:solidFill>
             </a:endParaRPr>
           </a:p>
           <a:p>
-            <a:endParaRPr lang="en-US" b="1" dirty="0"/>
+            <a:endParaRPr lang="en-US" sz="2800" b="1" dirty="0"/>
           </a:p>
         </p:txBody>
       </p:sp>
@@ -14568,10 +14654,10 @@
           <a:bodyPr/>
           <a:lstStyle/>
           <a:p>
-            <a:r>
+            <a:fld id="{25096227-C500-8C48-9F5E-6E319D56ED43}" type="datetime1">
               <a:rPr lang="en-US" smtClean="0"/>
-              <a:t>01/05/16</a:t>
-            </a:r>
+              <a:t>12/24/16</a:t>
+            </a:fld>
             <a:endParaRPr lang="en-US" dirty="0"/>
           </a:p>
         </p:txBody>
@@ -15185,14 +15271,14 @@
           <a:lstStyle/>
           <a:p>
             <a:r>
-              <a:rPr lang="en-US" altLang="zh-CN" b="1" dirty="0" smtClean="0"/>
+              <a:rPr lang="en-US" altLang="zh-CN" sz="2800" b="1" dirty="0" smtClean="0"/>
               <a:t>Pain Point 3: </a:t>
             </a:r>
             <a:r>
-              <a:rPr lang="en-US" altLang="zh-CN" dirty="0" smtClean="0"/>
+              <a:rPr lang="en-US" altLang="zh-CN" sz="2800" dirty="0" smtClean="0"/>
               <a:t>Parameter tuning is painful.</a:t>
             </a:r>
-            <a:endParaRPr lang="zh-CN" altLang="en-US" dirty="0"/>
+            <a:endParaRPr lang="zh-CN" altLang="en-US" sz="2800" dirty="0"/>
           </a:p>
           <a:p>
             <a:pPr>
@@ -15201,15 +15287,15 @@
               </a:lnSpc>
             </a:pPr>
             <a:r>
-              <a:rPr lang="en-US" b="1" dirty="0" smtClean="0"/>
+              <a:rPr lang="en-US" sz="2800" b="1" dirty="0" smtClean="0"/>
               <a:t>Basic Idea: </a:t>
             </a:r>
             <a:r>
-              <a:rPr lang="en-US" dirty="0"/>
+              <a:rPr lang="en-US" sz="2800" dirty="0"/>
               <a:t>g</a:t>
             </a:r>
             <a:r>
-              <a:rPr lang="en-US" dirty="0" smtClean="0"/>
+              <a:rPr lang="en-US" sz="2800" dirty="0" smtClean="0"/>
               <a:t>rid search and cross validation</a:t>
             </a:r>
           </a:p>
@@ -15223,14 +15309,14 @@
               </a:buClr>
             </a:pPr>
             <a:r>
-              <a:rPr lang="en-US" altLang="zh-CN" dirty="0" smtClean="0">
+              <a:rPr lang="en-US" altLang="zh-CN" sz="2400" dirty="0" smtClean="0">
                 <a:solidFill>
                   <a:schemeClr val="tx1"/>
                 </a:solidFill>
               </a:rPr>
               <a:t>Grid search enumerates every possible combination of parameters</a:t>
             </a:r>
-            <a:endParaRPr lang="en-US" altLang="zh-CN" dirty="0">
+            <a:endParaRPr lang="en-US" altLang="zh-CN" sz="2400" dirty="0">
               <a:solidFill>
                 <a:schemeClr val="tx1"/>
               </a:solidFill>
@@ -15246,14 +15332,14 @@
               </a:buClr>
             </a:pPr>
             <a:r>
-              <a:rPr lang="en-US" altLang="zh-CN" dirty="0" smtClean="0">
+              <a:rPr lang="en-US" altLang="zh-CN" sz="2400" dirty="0" smtClean="0">
                 <a:solidFill>
                   <a:schemeClr val="tx1"/>
                 </a:solidFill>
               </a:rPr>
               <a:t>Cross validation evaluates which combination performs the best</a:t>
             </a:r>
-            <a:endParaRPr lang="en-US" altLang="zh-CN" dirty="0">
+            <a:endParaRPr lang="en-US" altLang="zh-CN" sz="2400" dirty="0">
               <a:solidFill>
                 <a:schemeClr val="tx1"/>
               </a:solidFill>
@@ -15302,10 +15388,10 @@
           <a:bodyPr/>
           <a:lstStyle/>
           <a:p>
-            <a:r>
+            <a:fld id="{0AA26CE6-14FF-BB4E-9C4D-BB317228703D}" type="datetime1">
               <a:rPr lang="en-US" smtClean="0"/>
-              <a:t>01/05/16</a:t>
-            </a:r>
+              <a:t>12/24/16</a:t>
+            </a:fld>
             <a:endParaRPr lang="en-US" dirty="0"/>
           </a:p>
         </p:txBody>
@@ -15364,7 +15450,7 @@
         </p:nvCxnSpPr>
         <p:spPr>
           <a:xfrm>
-            <a:off x="2643449" y="4788407"/>
+            <a:off x="2643449" y="4921408"/>
             <a:ext cx="1140319" cy="0"/>
           </a:xfrm>
           <a:prstGeom prst="straightConnector1">
@@ -15397,7 +15483,7 @@
         </p:nvSpPr>
         <p:spPr>
           <a:xfrm>
-            <a:off x="2419235" y="4135404"/>
+            <a:off x="2419235" y="4268405"/>
             <a:ext cx="1712456" cy="646331"/>
           </a:xfrm>
           <a:prstGeom prst="rect">
@@ -15447,7 +15533,7 @@
         </p:nvGrpSpPr>
         <p:grpSpPr>
           <a:xfrm>
-            <a:off x="4195463" y="4802347"/>
+            <a:off x="4195463" y="4935348"/>
             <a:ext cx="1942798" cy="560866"/>
             <a:chOff x="4195463" y="4802347"/>
             <a:chExt cx="1942798" cy="560866"/>
@@ -15533,7 +15619,7 @@
         </p:nvGrpSpPr>
         <p:grpSpPr>
           <a:xfrm>
-            <a:off x="6610524" y="4831236"/>
+            <a:off x="6610524" y="4964237"/>
             <a:ext cx="1945043" cy="560773"/>
             <a:chOff x="6610524" y="4831236"/>
             <a:chExt cx="1945043" cy="560773"/>
@@ -15619,7 +15705,7 @@
         </p:nvGrpSpPr>
         <p:grpSpPr>
           <a:xfrm>
-            <a:off x="8955724" y="4875886"/>
+            <a:off x="8955724" y="5008887"/>
             <a:ext cx="1942798" cy="539835"/>
             <a:chOff x="8955724" y="4875886"/>
             <a:chExt cx="1942798" cy="539835"/>
@@ -15705,7 +15791,7 @@
         </p:nvGrpSpPr>
         <p:grpSpPr>
           <a:xfrm>
-            <a:off x="1375580" y="4089237"/>
+            <a:off x="1375580" y="4222238"/>
             <a:ext cx="930741" cy="900433"/>
             <a:chOff x="2157912" y="4690360"/>
             <a:chExt cx="930741" cy="900433"/>
@@ -15898,7 +15984,7 @@
         </p:nvCxnSpPr>
         <p:spPr>
           <a:xfrm>
-            <a:off x="5223502" y="5342231"/>
+            <a:off x="5223502" y="5475232"/>
             <a:ext cx="2276876" cy="455382"/>
           </a:xfrm>
           <a:prstGeom prst="straightConnector1">
@@ -15934,7 +16020,7 @@
         </p:nvCxnSpPr>
         <p:spPr>
           <a:xfrm>
-            <a:off x="7618701" y="5342231"/>
+            <a:off x="7618701" y="5475232"/>
             <a:ext cx="0" cy="455382"/>
           </a:xfrm>
           <a:prstGeom prst="straightConnector1">
@@ -15970,7 +16056,7 @@
         </p:nvCxnSpPr>
         <p:spPr>
           <a:xfrm flipH="1">
-            <a:off x="7740889" y="5415721"/>
+            <a:off x="7740889" y="5548722"/>
             <a:ext cx="2231790" cy="381892"/>
           </a:xfrm>
           <a:prstGeom prst="straightConnector1">
@@ -16004,7 +16090,7 @@
         </p:nvSpPr>
         <p:spPr>
           <a:xfrm>
-            <a:off x="6819155" y="5797613"/>
+            <a:off x="6819155" y="5930614"/>
             <a:ext cx="1599092" cy="369332"/>
           </a:xfrm>
           <a:prstGeom prst="rect">
@@ -16042,7 +16128,7 @@
         </p:nvGrpSpPr>
         <p:grpSpPr>
           <a:xfrm>
-            <a:off x="4168673" y="3756309"/>
+            <a:off x="4168673" y="3889310"/>
             <a:ext cx="1950988" cy="1043019"/>
             <a:chOff x="4168673" y="3756309"/>
             <a:chExt cx="1950988" cy="1043019"/>
@@ -16314,7 +16400,7 @@
         </p:nvGrpSpPr>
         <p:grpSpPr>
           <a:xfrm>
-            <a:off x="6585978" y="3743458"/>
+            <a:off x="6585978" y="3876459"/>
             <a:ext cx="1950988" cy="1055870"/>
             <a:chOff x="6585978" y="3743458"/>
             <a:chExt cx="1950988" cy="1055870"/>
@@ -16586,7 +16672,7 @@
         </p:nvGrpSpPr>
         <p:grpSpPr>
           <a:xfrm>
-            <a:off x="8947534" y="3729038"/>
+            <a:off x="8947534" y="3862039"/>
             <a:ext cx="1950988" cy="1070290"/>
             <a:chOff x="8947534" y="3729038"/>
             <a:chExt cx="1950988" cy="1070290"/>
@@ -17607,7 +17693,7 @@
             </a:r>
             <a:r>
               <a:rPr lang="en-US" b="1" dirty="0" smtClean="0"/>
-              <a:t>easy </a:t>
+              <a:t>ease </a:t>
             </a:r>
             <a:r>
               <a:rPr lang="en-US" b="1" dirty="0"/>
@@ -17716,8 +17802,20 @@
               <a:t>spark.mllib</a:t>
             </a:r>
             <a:r>
+              <a:rPr lang="en-US" dirty="0"/>
+              <a:t> or </a:t>
+            </a:r>
+            <a:r>
+              <a:rPr lang="en-US" dirty="0" err="1"/>
+              <a:t>spark.ml</a:t>
+            </a:r>
+            <a:r>
+              <a:rPr lang="en-US" dirty="0"/>
+              <a:t> </a:t>
+            </a:r>
+            <a:r>
               <a:rPr lang="en-US" dirty="0" smtClean="0"/>
-              <a:t> in other Assignments</a:t>
+              <a:t>in other Assignments</a:t>
             </a:r>
           </a:p>
           <a:p>
@@ -17743,10 +17841,10 @@
           <a:bodyPr/>
           <a:lstStyle/>
           <a:p>
-            <a:r>
+            <a:fld id="{8D64E5F3-870D-B545-AD43-5ABF61966C58}" type="datetime1">
               <a:rPr lang="en-US" smtClean="0"/>
-              <a:t>01/05/16</a:t>
-            </a:r>
+              <a:t>12/25/16</a:t>
+            </a:fld>
             <a:endParaRPr lang="en-US" dirty="0"/>
           </a:p>
         </p:txBody>
@@ -18148,73 +18246,73 @@
           <a:lstStyle/>
           <a:p>
             <a:r>
-              <a:rPr lang="en-US" altLang="zh-CN" b="1" dirty="0" smtClean="0"/>
+              <a:rPr lang="en-US" altLang="zh-CN" sz="2800" b="1" dirty="0" smtClean="0"/>
               <a:t>Spark</a:t>
             </a:r>
             <a:r>
-              <a:rPr lang="zh-CN" altLang="en-US" b="1" dirty="0" smtClean="0"/>
-              <a:t> </a:t>
-            </a:r>
-            <a:r>
-              <a:rPr lang="en-US" altLang="zh-CN" b="1" dirty="0" smtClean="0"/>
+              <a:rPr lang="zh-CN" altLang="en-US" sz="2800" b="1" dirty="0" smtClean="0"/>
+              <a:t> </a:t>
+            </a:r>
+            <a:r>
+              <a:rPr lang="en-US" altLang="zh-CN" sz="2800" b="1" dirty="0" smtClean="0"/>
               <a:t>is</a:t>
             </a:r>
             <a:r>
-              <a:rPr lang="zh-CN" altLang="en-US" b="1" dirty="0" smtClean="0"/>
-              <a:t> </a:t>
-            </a:r>
-            <a:r>
-              <a:rPr lang="en-US" altLang="zh-CN" b="1" dirty="0" smtClean="0"/>
+              <a:rPr lang="zh-CN" altLang="en-US" sz="2800" b="1" dirty="0" smtClean="0"/>
+              <a:t> </a:t>
+            </a:r>
+            <a:r>
+              <a:rPr lang="en-US" altLang="zh-CN" sz="2800" b="1" dirty="0" smtClean="0"/>
               <a:t>a </a:t>
             </a:r>
             <a:r>
-              <a:rPr lang="en-US" altLang="zh-CN" b="1" dirty="0"/>
+              <a:rPr lang="en-US" altLang="zh-CN" sz="2800" b="1" dirty="0"/>
               <a:t>fast and general engine for large-scale data </a:t>
             </a:r>
             <a:r>
-              <a:rPr lang="en-US" altLang="zh-CN" b="1" dirty="0" smtClean="0"/>
+              <a:rPr lang="en-US" altLang="zh-CN" sz="2800" b="1" dirty="0" smtClean="0"/>
               <a:t>processing</a:t>
             </a:r>
-            <a:endParaRPr lang="zh-CN" altLang="en-US" b="1" dirty="0" smtClean="0"/>
-          </a:p>
-          <a:p>
-            <a:r>
-              <a:rPr lang="en-US" altLang="zh-CN" b="1" dirty="0" smtClean="0"/>
+            <a:endParaRPr lang="zh-CN" altLang="en-US" sz="2800" b="1" dirty="0" smtClean="0"/>
+          </a:p>
+          <a:p>
+            <a:r>
+              <a:rPr lang="en-US" altLang="zh-CN" sz="2800" b="1" dirty="0" smtClean="0"/>
               <a:t>Improving</a:t>
             </a:r>
             <a:r>
-              <a:rPr lang="zh-CN" altLang="en-US" b="1" dirty="0" smtClean="0"/>
-              <a:t> </a:t>
-            </a:r>
-            <a:r>
-              <a:rPr lang="en-US" altLang="zh-CN" b="1" dirty="0" err="1" smtClean="0"/>
+              <a:rPr lang="zh-CN" altLang="en-US" sz="2800" b="1" dirty="0" smtClean="0"/>
+              <a:t> </a:t>
+            </a:r>
+            <a:r>
+              <a:rPr lang="en-US" altLang="zh-CN" sz="2800" b="1" dirty="0" err="1" smtClean="0"/>
               <a:t>MapReduce</a:t>
             </a:r>
             <a:r>
-              <a:rPr lang="zh-CN" altLang="en-US" b="1" dirty="0" smtClean="0"/>
-              <a:t> </a:t>
-            </a:r>
-            <a:r>
-              <a:rPr lang="en-US" altLang="zh-CN" b="1" dirty="0" smtClean="0"/>
+              <a:rPr lang="zh-CN" altLang="en-US" sz="2800" b="1" dirty="0" smtClean="0"/>
+              <a:t> </a:t>
+            </a:r>
+            <a:r>
+              <a:rPr lang="en-US" altLang="zh-CN" sz="2800" b="1" dirty="0" smtClean="0"/>
               <a:t>from</a:t>
             </a:r>
             <a:r>
-              <a:rPr lang="zh-CN" altLang="en-US" b="1" dirty="0" smtClean="0"/>
-              <a:t> </a:t>
-            </a:r>
-            <a:r>
-              <a:rPr lang="en-US" altLang="zh-CN" b="1" dirty="0" smtClean="0"/>
+              <a:rPr lang="zh-CN" altLang="en-US" sz="2800" b="1" dirty="0" smtClean="0"/>
+              <a:t> </a:t>
+            </a:r>
+            <a:r>
+              <a:rPr lang="en-US" altLang="zh-CN" sz="2800" b="1" dirty="0" smtClean="0"/>
               <a:t>two</a:t>
             </a:r>
             <a:r>
-              <a:rPr lang="zh-CN" altLang="en-US" b="1" dirty="0" smtClean="0"/>
-              <a:t> </a:t>
-            </a:r>
-            <a:r>
-              <a:rPr lang="en-US" altLang="zh-CN" b="1" dirty="0" smtClean="0"/>
+              <a:rPr lang="zh-CN" altLang="en-US" sz="2800" b="1" dirty="0" smtClean="0"/>
+              <a:t> </a:t>
+            </a:r>
+            <a:r>
+              <a:rPr lang="en-US" altLang="zh-CN" sz="2800" b="1" dirty="0" smtClean="0"/>
               <a:t>aspects</a:t>
             </a:r>
-            <a:endParaRPr lang="zh-CN" altLang="en-US" b="1" dirty="0" smtClean="0"/>
+            <a:endParaRPr lang="zh-CN" altLang="en-US" sz="2800" b="1" dirty="0" smtClean="0"/>
           </a:p>
           <a:p>
             <a:pPr lvl="1">
@@ -18223,7 +18321,7 @@
               </a:buClr>
             </a:pPr>
             <a:r>
-              <a:rPr lang="en-US" altLang="zh-CN" dirty="0" smtClean="0">
+              <a:rPr lang="en-US" altLang="zh-CN" sz="2400" dirty="0" smtClean="0">
                 <a:solidFill>
                   <a:srgbClr val="000000">
                     <a:lumMod val="75000"/>
@@ -18234,7 +18332,7 @@
               <a:t>Efficiency:</a:t>
             </a:r>
             <a:r>
-              <a:rPr lang="zh-CN" altLang="en-US" dirty="0" smtClean="0">
+              <a:rPr lang="zh-CN" altLang="en-US" sz="2400" dirty="0" smtClean="0">
                 <a:solidFill>
                   <a:srgbClr val="000000">
                     <a:lumMod val="75000"/>
@@ -18245,7 +18343,7 @@
               <a:t> </a:t>
             </a:r>
             <a:r>
-              <a:rPr lang="en-US" altLang="zh-CN" dirty="0" smtClean="0">
+              <a:rPr lang="en-US" altLang="zh-CN" sz="2400" dirty="0" smtClean="0">
                 <a:solidFill>
                   <a:srgbClr val="000000">
                     <a:lumMod val="75000"/>
@@ -18256,7 +18354,7 @@
               <a:t>in-memory</a:t>
             </a:r>
             <a:r>
-              <a:rPr lang="zh-CN" altLang="en-US" dirty="0" smtClean="0">
+              <a:rPr lang="zh-CN" altLang="en-US" sz="2400" dirty="0" smtClean="0">
                 <a:solidFill>
                   <a:srgbClr val="000000">
                     <a:lumMod val="75000"/>
@@ -18267,7 +18365,7 @@
               <a:t> </a:t>
             </a:r>
             <a:r>
-              <a:rPr lang="en-US" altLang="zh-CN" dirty="0" smtClean="0">
+              <a:rPr lang="en-US" altLang="zh-CN" sz="2400" dirty="0" smtClean="0">
                 <a:solidFill>
                   <a:srgbClr val="000000">
                     <a:lumMod val="75000"/>
@@ -18277,7 +18375,7 @@
               </a:rPr>
               <a:t>computing</a:t>
             </a:r>
-            <a:endParaRPr lang="en-US" altLang="zh-CN" dirty="0">
+            <a:endParaRPr lang="en-US" altLang="zh-CN" sz="2400" dirty="0">
               <a:solidFill>
                 <a:srgbClr val="000000">
                   <a:lumMod val="75000"/>
@@ -18293,7 +18391,7 @@
               </a:buClr>
             </a:pPr>
             <a:r>
-              <a:rPr lang="en-US" altLang="zh-CN" dirty="0">
+              <a:rPr lang="en-US" altLang="zh-CN" sz="2400" dirty="0">
                 <a:solidFill>
                   <a:srgbClr val="000000">
                     <a:lumMod val="75000"/>
@@ -18324,10 +18422,10 @@
           <a:bodyPr/>
           <a:lstStyle/>
           <a:p>
-            <a:r>
+            <a:fld id="{A7D37BD4-4D7C-B84F-AE74-F24AFBF9F507}" type="datetime1">
               <a:rPr lang="en-US" smtClean="0"/>
-              <a:t>01/05/16</a:t>
-            </a:r>
+              <a:t>12/24/16</a:t>
+            </a:fld>
             <a:endParaRPr lang="en-US" dirty="0"/>
           </a:p>
         </p:txBody>
@@ -18718,7 +18816,11 @@
           <a:p>
             <a:r>
               <a:rPr lang="en-US" dirty="0" smtClean="0"/>
-              <a:t>Assignment 1</a:t>
+              <a:t>Assignment </a:t>
+            </a:r>
+            <a:r>
+              <a:rPr lang="en-US" dirty="0" smtClean="0"/>
+              <a:t>1</a:t>
             </a:r>
             <a:r>
               <a:rPr lang="zh-CN" altLang="en-US" dirty="0" smtClean="0"/>
@@ -18729,16 +18831,10 @@
               <a:t>(</a:t>
             </a:r>
             <a:r>
-              <a:rPr lang="en-US" altLang="zh-CN" sz="2400" dirty="0">
-                <a:hlinkClick r:id="rId2"/>
-              </a:rPr>
-              <a:t>http://</a:t>
-            </a:r>
-            <a:r>
               <a:rPr lang="en-US" altLang="zh-CN" sz="2400" dirty="0" smtClean="0">
-                <a:hlinkClick r:id="rId2"/>
-              </a:rPr>
-              <a:t>tiny.cc/cmpt733-sp16-a1</a:t>
+                <a:hlinkClick r:id="rId3"/>
+              </a:rPr>
+              <a:t>http://tiny.cc/cmpt733-a1</a:t>
             </a:r>
             <a:r>
               <a:rPr lang="en-US" altLang="zh-CN" sz="2400" dirty="0" smtClean="0"/>
@@ -18771,7 +18867,7 @@
           <a:lstStyle/>
           <a:p>
             <a:r>
-              <a:rPr lang="en-US" b="1" dirty="0" smtClean="0"/>
+              <a:rPr lang="en-US" sz="2800" b="1" dirty="0" smtClean="0"/>
               <a:t>Part 1. Matrix Multiplication</a:t>
             </a:r>
           </a:p>
@@ -18782,7 +18878,7 @@
               </a:buClr>
             </a:pPr>
             <a:r>
-              <a:rPr lang="en-US" altLang="zh-CN" dirty="0" smtClean="0">
+              <a:rPr lang="en-US" altLang="zh-CN" sz="2400" dirty="0" smtClean="0">
                 <a:solidFill>
                   <a:srgbClr val="000000">
                     <a:lumMod val="75000"/>
@@ -18794,7 +18890,7 @@
               <a:t>Dense</a:t>
             </a:r>
             <a:r>
-              <a:rPr lang="zh-CN" altLang="en-US" dirty="0" smtClean="0">
+              <a:rPr lang="zh-CN" altLang="en-US" sz="2400" dirty="0" smtClean="0">
                 <a:solidFill>
                   <a:srgbClr val="000000">
                     <a:lumMod val="75000"/>
@@ -18806,7 +18902,7 @@
               <a:t> </a:t>
             </a:r>
             <a:r>
-              <a:rPr lang="en-US" altLang="zh-CN" dirty="0" smtClean="0">
+              <a:rPr lang="en-US" altLang="zh-CN" sz="2400" dirty="0" smtClean="0">
                 <a:solidFill>
                   <a:srgbClr val="000000">
                     <a:lumMod val="75000"/>
@@ -18825,7 +18921,7 @@
               </a:buClr>
             </a:pPr>
             <a:r>
-              <a:rPr lang="en-US" altLang="zh-CN" dirty="0" smtClean="0">
+              <a:rPr lang="en-US" altLang="zh-CN" sz="2400" dirty="0" smtClean="0">
                 <a:solidFill>
                   <a:srgbClr val="000000">
                     <a:lumMod val="75000"/>
@@ -18837,7 +18933,7 @@
               <a:t>Sparse</a:t>
             </a:r>
             <a:r>
-              <a:rPr lang="zh-CN" altLang="en-US" dirty="0" smtClean="0">
+              <a:rPr lang="zh-CN" altLang="en-US" sz="2400" dirty="0" smtClean="0">
                 <a:solidFill>
                   <a:srgbClr val="000000">
                     <a:lumMod val="75000"/>
@@ -18849,7 +18945,7 @@
               <a:t> </a:t>
             </a:r>
             <a:r>
-              <a:rPr lang="en-US" altLang="zh-CN" dirty="0" smtClean="0">
+              <a:rPr lang="en-US" altLang="zh-CN" sz="2400" dirty="0" smtClean="0">
                 <a:solidFill>
                   <a:srgbClr val="000000">
                     <a:lumMod val="75000"/>
@@ -18895,10 +18991,10 @@
           </a:p>
           <a:p>
             <a:r>
-              <a:rPr lang="en-US" b="1" dirty="0" smtClean="0"/>
+              <a:rPr lang="en-US" sz="2800" b="1" dirty="0" smtClean="0"/>
               <a:t>Part 2. A simple ML pipeline</a:t>
             </a:r>
-            <a:endParaRPr lang="en-US" b="1" dirty="0"/>
+            <a:endParaRPr lang="en-US" sz="2800" b="1" dirty="0"/>
           </a:p>
           <a:p>
             <a:pPr lvl="1">
@@ -18907,7 +19003,7 @@
               </a:buClr>
             </a:pPr>
             <a:r>
-              <a:rPr lang="en-US" altLang="zh-CN" dirty="0" smtClean="0">
+              <a:rPr lang="en-US" altLang="zh-CN" sz="2400" dirty="0" smtClean="0">
                 <a:solidFill>
                   <a:srgbClr val="000000">
                     <a:lumMod val="75000"/>
@@ -18919,7 +19015,7 @@
               <a:t>Adding</a:t>
             </a:r>
             <a:r>
-              <a:rPr lang="zh-CN" altLang="en-US" dirty="0" smtClean="0">
+              <a:rPr lang="zh-CN" altLang="en-US" sz="2400" dirty="0" smtClean="0">
                 <a:solidFill>
                   <a:srgbClr val="000000">
                     <a:lumMod val="75000"/>
@@ -18931,7 +19027,7 @@
               <a:t> </a:t>
             </a:r>
             <a:r>
-              <a:rPr lang="en-US" altLang="zh-CN" dirty="0" smtClean="0">
+              <a:rPr lang="en-US" altLang="zh-CN" sz="2400" dirty="0" smtClean="0">
                 <a:solidFill>
                   <a:srgbClr val="000000">
                     <a:lumMod val="75000"/>
@@ -18943,7 +19039,7 @@
               <a:t>a</a:t>
             </a:r>
             <a:r>
-              <a:rPr lang="zh-CN" altLang="en-US" dirty="0" smtClean="0">
+              <a:rPr lang="zh-CN" altLang="en-US" sz="2400" dirty="0" smtClean="0">
                 <a:solidFill>
                   <a:srgbClr val="000000">
                     <a:lumMod val="75000"/>
@@ -18955,7 +19051,7 @@
               <a:t> </a:t>
             </a:r>
             <a:r>
-              <a:rPr lang="en-US" altLang="zh-CN" dirty="0" smtClean="0">
+              <a:rPr lang="en-US" altLang="zh-CN" sz="2400" dirty="0" smtClean="0">
                 <a:solidFill>
                   <a:srgbClr val="000000">
                     <a:lumMod val="75000"/>
@@ -18967,7 +19063,7 @@
               <a:t>parameter</a:t>
             </a:r>
             <a:r>
-              <a:rPr lang="zh-CN" altLang="en-US" dirty="0" smtClean="0">
+              <a:rPr lang="zh-CN" altLang="en-US" sz="2400" dirty="0" smtClean="0">
                 <a:solidFill>
                   <a:srgbClr val="000000">
                     <a:lumMod val="75000"/>
@@ -18979,7 +19075,7 @@
               <a:t> </a:t>
             </a:r>
             <a:r>
-              <a:rPr lang="en-US" altLang="zh-CN" dirty="0" smtClean="0">
+              <a:rPr lang="en-US" altLang="zh-CN" sz="2400" dirty="0" smtClean="0">
                 <a:solidFill>
                   <a:srgbClr val="000000">
                     <a:lumMod val="75000"/>
@@ -18991,7 +19087,7 @@
               <a:t>tuning</a:t>
             </a:r>
             <a:r>
-              <a:rPr lang="zh-CN" altLang="en-US" dirty="0" smtClean="0">
+              <a:rPr lang="zh-CN" altLang="en-US" sz="2400" dirty="0" smtClean="0">
                 <a:solidFill>
                   <a:srgbClr val="000000">
                     <a:lumMod val="75000"/>
@@ -19003,7 +19099,7 @@
               <a:t> </a:t>
             </a:r>
             <a:r>
-              <a:rPr lang="en-US" altLang="zh-CN" dirty="0" smtClean="0">
+              <a:rPr lang="en-US" altLang="zh-CN" sz="2400" dirty="0" smtClean="0">
                 <a:solidFill>
                   <a:srgbClr val="000000">
                     <a:lumMod val="75000"/>
@@ -19057,10 +19153,10 @@
           <a:bodyPr/>
           <a:lstStyle/>
           <a:p>
-            <a:r>
+            <a:fld id="{99377C5B-3081-594A-82AF-79A4DACB7898}" type="datetime1">
               <a:rPr lang="en-US" smtClean="0"/>
-              <a:t>01/05/16</a:t>
-            </a:r>
+              <a:t>12/25/16</a:t>
+            </a:fld>
             <a:endParaRPr lang="en-US" dirty="0"/>
           </a:p>
         </p:txBody>
@@ -19187,7 +19283,7 @@
                   <a:srgbClr val="FF0000"/>
                 </a:solidFill>
               </a:rPr>
-              <a:t>11</a:t>
+              <a:t>15</a:t>
             </a:r>
             <a:endParaRPr lang="zh-CN" altLang="en-US" sz="2400" b="1" dirty="0" smtClean="0">
               <a:solidFill>
@@ -19563,27 +19659,26 @@
         </p:nvSpPr>
         <p:spPr>
           <a:xfrm>
-            <a:off x="1097280" y="1845734"/>
-            <a:ext cx="6990278" cy="4377266"/>
+            <a:off x="1097279" y="1845734"/>
+            <a:ext cx="8075281" cy="4377266"/>
           </a:xfrm>
         </p:spPr>
         <p:txBody>
           <a:bodyPr>
-            <a:normAutofit/>
+            <a:normAutofit lnSpcReduction="10000"/>
           </a:bodyPr>
           <a:lstStyle/>
           <a:p>
             <a:r>
-              <a:rPr lang="en-US" altLang="zh-CN" sz="2400" b="1" dirty="0" smtClean="0">
+              <a:rPr lang="en-US" altLang="zh-CN" sz="2800" b="1" dirty="0" smtClean="0">
                 <a:hlinkClick r:id="rId3"/>
               </a:rPr>
               <a:t>Mlbase</a:t>
             </a:r>
             <a:r>
-              <a:rPr lang="en-US" altLang="zh-CN" sz="2400" b="1" dirty="0" smtClean="0"/>
+              <a:rPr lang="en-US" altLang="zh-CN" sz="2800" b="1" dirty="0" smtClean="0"/>
               <a:t> (2012)</a:t>
             </a:r>
-            <a:endParaRPr lang="en-US" altLang="zh-CN" b="1" dirty="0" smtClean="0"/>
           </a:p>
           <a:p>
             <a:pPr lvl="1">
@@ -19592,7 +19687,7 @@
               </a:buClr>
             </a:pPr>
             <a:r>
-              <a:rPr lang="en-US" altLang="zh-CN" dirty="0" smtClean="0">
+              <a:rPr lang="en-US" altLang="zh-CN" sz="2400" dirty="0" smtClean="0">
                 <a:solidFill>
                   <a:srgbClr val="000000">
                     <a:lumMod val="75000"/>
@@ -19603,7 +19698,7 @@
               <a:t>Started in the </a:t>
             </a:r>
             <a:r>
-              <a:rPr lang="en-US" altLang="zh-CN" dirty="0" err="1" smtClean="0">
+              <a:rPr lang="en-US" altLang="zh-CN" sz="2400" dirty="0" err="1" smtClean="0">
                 <a:solidFill>
                   <a:srgbClr val="000000">
                     <a:lumMod val="75000"/>
@@ -19613,7 +19708,7 @@
               </a:rPr>
               <a:t>AMPLab</a:t>
             </a:r>
-            <a:endParaRPr lang="en-US" altLang="zh-CN" dirty="0" smtClean="0">
+            <a:endParaRPr lang="en-US" altLang="zh-CN" sz="2400" dirty="0" smtClean="0">
               <a:solidFill>
                 <a:srgbClr val="000000">
                   <a:lumMod val="75000"/>
@@ -19629,7 +19724,7 @@
               </a:buClr>
             </a:pPr>
             <a:r>
-              <a:rPr lang="en-US" altLang="zh-CN" dirty="0" smtClean="0">
+              <a:rPr lang="en-US" altLang="zh-CN" sz="2400" dirty="0" smtClean="0">
                 <a:solidFill>
                   <a:srgbClr val="000000">
                     <a:lumMod val="75000"/>
@@ -19640,7 +19735,7 @@
               <a:t>Goal: making</a:t>
             </a:r>
             <a:r>
-              <a:rPr lang="zh-CN" altLang="en-US" dirty="0" smtClean="0">
+              <a:rPr lang="zh-CN" altLang="en-US" sz="2400" dirty="0" smtClean="0">
                 <a:solidFill>
                   <a:srgbClr val="000000">
                     <a:lumMod val="75000"/>
@@ -19651,7 +19746,7 @@
               <a:t> </a:t>
             </a:r>
             <a:r>
-              <a:rPr lang="en-US" altLang="zh-CN" dirty="0" smtClean="0">
+              <a:rPr lang="en-US" altLang="zh-CN" sz="2400" dirty="0" smtClean="0">
                 <a:solidFill>
                   <a:srgbClr val="000000">
                     <a:lumMod val="75000"/>
@@ -19662,7 +19757,7 @@
               <a:t>distributed machine learning</a:t>
             </a:r>
             <a:r>
-              <a:rPr lang="zh-CN" altLang="en-US" dirty="0" smtClean="0">
+              <a:rPr lang="zh-CN" altLang="en-US" sz="2400" dirty="0" smtClean="0">
                 <a:solidFill>
                   <a:srgbClr val="000000">
                     <a:lumMod val="75000"/>
@@ -19673,7 +19768,7 @@
               <a:t> </a:t>
             </a:r>
             <a:r>
-              <a:rPr lang="en-US" altLang="zh-CN" dirty="0" smtClean="0">
+              <a:rPr lang="en-US" altLang="zh-CN" sz="2400" dirty="0" smtClean="0">
                 <a:solidFill>
                   <a:srgbClr val="000000">
                     <a:lumMod val="75000"/>
@@ -19702,14 +19797,14 @@
           </a:p>
           <a:p>
             <a:r>
-              <a:rPr lang="en-US" altLang="zh-CN" b="1" dirty="0" err="1" smtClean="0"/>
+              <a:rPr lang="en-US" altLang="zh-CN" sz="2800" b="1" dirty="0" err="1" smtClean="0"/>
               <a:t>MLlib</a:t>
             </a:r>
             <a:r>
-              <a:rPr lang="en-US" altLang="zh-CN" b="1" dirty="0" smtClean="0"/>
+              <a:rPr lang="en-US" altLang="zh-CN" sz="2800" b="1" dirty="0" smtClean="0"/>
               <a:t> enters Spark v0.8   (2013)</a:t>
             </a:r>
-            <a:endParaRPr lang="en-US" altLang="zh-CN" b="1" dirty="0"/>
+            <a:endParaRPr lang="en-US" altLang="zh-CN" sz="2800" b="1" dirty="0"/>
           </a:p>
           <a:p>
             <a:pPr lvl="1">
@@ -19718,7 +19813,7 @@
               </a:buClr>
             </a:pPr>
             <a:r>
-              <a:rPr lang="en-US" altLang="zh-CN" dirty="0" smtClean="0">
+              <a:rPr lang="en-US" altLang="zh-CN" sz="2400" dirty="0" smtClean="0">
                 <a:solidFill>
                   <a:srgbClr val="000000">
                     <a:lumMod val="75000"/>
@@ -19728,7 +19823,7 @@
               </a:rPr>
               <a:t>One of the four big libraries built on top of Spark</a:t>
             </a:r>
-            <a:endParaRPr lang="zh-CN" altLang="en-US" dirty="0" smtClean="0">
+            <a:endParaRPr lang="zh-CN" altLang="en-US" sz="2400" dirty="0" smtClean="0">
               <a:solidFill>
                 <a:srgbClr val="000000">
                   <a:lumMod val="75000"/>
@@ -19744,7 +19839,7 @@
               </a:buClr>
             </a:pPr>
             <a:r>
-              <a:rPr lang="en-US" altLang="zh-CN" dirty="0" smtClean="0">
+              <a:rPr lang="en-US" altLang="zh-CN" sz="2400" dirty="0" smtClean="0">
                 <a:solidFill>
                   <a:srgbClr val="000000">
                     <a:lumMod val="75000"/>
@@ -19755,7 +19850,7 @@
               <a:t>A</a:t>
             </a:r>
             <a:r>
-              <a:rPr lang="zh-CN" altLang="en-US" dirty="0" smtClean="0">
+              <a:rPr lang="zh-CN" altLang="en-US" sz="2400" dirty="0" smtClean="0">
                 <a:solidFill>
                   <a:srgbClr val="000000">
                     <a:lumMod val="75000"/>
@@ -19766,7 +19861,7 @@
               <a:t> </a:t>
             </a:r>
             <a:r>
-              <a:rPr lang="en-US" altLang="zh-CN" dirty="0" smtClean="0">
+              <a:rPr lang="en-US" altLang="zh-CN" sz="2400" dirty="0" smtClean="0">
                 <a:solidFill>
                   <a:srgbClr val="000000">
                     <a:lumMod val="75000"/>
@@ -19777,7 +19872,7 @@
               <a:t>good</a:t>
             </a:r>
             <a:r>
-              <a:rPr lang="zh-CN" altLang="en-US" dirty="0" smtClean="0">
+              <a:rPr lang="zh-CN" altLang="en-US" sz="2400" dirty="0" smtClean="0">
                 <a:solidFill>
                   <a:srgbClr val="000000">
                     <a:lumMod val="75000"/>
@@ -19788,7 +19883,7 @@
               <a:t> </a:t>
             </a:r>
             <a:r>
-              <a:rPr lang="en-US" altLang="zh-CN" dirty="0" smtClean="0">
+              <a:rPr lang="en-US" altLang="zh-CN" sz="2400" dirty="0" smtClean="0">
                 <a:solidFill>
                   <a:srgbClr val="000000">
                     <a:lumMod val="75000"/>
@@ -19799,7 +19894,7 @@
               <a:t>coverage</a:t>
             </a:r>
             <a:r>
-              <a:rPr lang="zh-CN" altLang="en-US" dirty="0" smtClean="0">
+              <a:rPr lang="zh-CN" altLang="en-US" sz="2400" dirty="0" smtClean="0">
                 <a:solidFill>
                   <a:srgbClr val="000000">
                     <a:lumMod val="75000"/>
@@ -19810,7 +19905,7 @@
               <a:t> </a:t>
             </a:r>
             <a:r>
-              <a:rPr lang="en-US" altLang="zh-CN" dirty="0" smtClean="0">
+              <a:rPr lang="en-US" altLang="zh-CN" sz="2400" dirty="0" smtClean="0">
                 <a:solidFill>
                   <a:srgbClr val="000000">
                     <a:lumMod val="75000"/>
@@ -19821,7 +19916,7 @@
               <a:t>of</a:t>
             </a:r>
             <a:r>
-              <a:rPr lang="zh-CN" altLang="en-US" dirty="0" smtClean="0">
+              <a:rPr lang="zh-CN" altLang="en-US" sz="2400" dirty="0" smtClean="0">
                 <a:solidFill>
                   <a:srgbClr val="000000">
                     <a:lumMod val="75000"/>
@@ -19832,7 +19927,7 @@
               <a:t> </a:t>
             </a:r>
             <a:r>
-              <a:rPr lang="en-US" altLang="zh-CN" dirty="0" smtClean="0">
+              <a:rPr lang="en-US" altLang="zh-CN" sz="2400" dirty="0" smtClean="0">
                 <a:solidFill>
                   <a:srgbClr val="000000">
                     <a:lumMod val="75000"/>
@@ -19843,7 +19938,7 @@
               <a:t>distributed</a:t>
             </a:r>
             <a:r>
-              <a:rPr lang="zh-CN" altLang="en-US" dirty="0" smtClean="0">
+              <a:rPr lang="zh-CN" altLang="en-US" sz="2400" dirty="0" smtClean="0">
                 <a:solidFill>
                   <a:srgbClr val="000000">
                     <a:lumMod val="75000"/>
@@ -19854,7 +19949,7 @@
               <a:t> </a:t>
             </a:r>
             <a:r>
-              <a:rPr lang="en-US" altLang="zh-CN" dirty="0" smtClean="0">
+              <a:rPr lang="en-US" altLang="zh-CN" sz="2400" dirty="0" smtClean="0">
                 <a:solidFill>
                   <a:srgbClr val="000000">
                     <a:lumMod val="75000"/>
@@ -19865,7 +19960,7 @@
               <a:t>machine</a:t>
             </a:r>
             <a:r>
-              <a:rPr lang="zh-CN" altLang="en-US" dirty="0" smtClean="0">
+              <a:rPr lang="zh-CN" altLang="en-US" sz="2400" dirty="0" smtClean="0">
                 <a:solidFill>
                   <a:srgbClr val="000000">
                     <a:lumMod val="75000"/>
@@ -19876,7 +19971,7 @@
               <a:t> </a:t>
             </a:r>
             <a:r>
-              <a:rPr lang="en-US" altLang="zh-CN" dirty="0" smtClean="0">
+              <a:rPr lang="en-US" altLang="zh-CN" sz="2400" dirty="0" smtClean="0">
                 <a:solidFill>
                   <a:srgbClr val="000000">
                     <a:lumMod val="75000"/>
@@ -19887,7 +19982,7 @@
               <a:t>learning</a:t>
             </a:r>
             <a:r>
-              <a:rPr lang="zh-CN" altLang="en-US" dirty="0" smtClean="0">
+              <a:rPr lang="zh-CN" altLang="en-US" sz="2400" dirty="0" smtClean="0">
                 <a:solidFill>
                   <a:srgbClr val="000000">
                     <a:lumMod val="75000"/>
@@ -19898,7 +19993,7 @@
               <a:t> </a:t>
             </a:r>
             <a:r>
-              <a:rPr lang="en-US" altLang="zh-CN" dirty="0" smtClean="0">
+              <a:rPr lang="en-US" altLang="zh-CN" sz="2400" dirty="0" smtClean="0">
                 <a:solidFill>
                   <a:srgbClr val="000000">
                     <a:lumMod val="75000"/>
@@ -19926,26 +20021,26 @@
           </a:p>
           <a:p>
             <a:r>
-              <a:rPr lang="en-US" altLang="zh-CN" b="1" dirty="0"/>
+              <a:rPr lang="en-US" altLang="zh-CN" sz="2800" b="1" dirty="0"/>
               <a:t>A New High-Level API for </a:t>
             </a:r>
             <a:r>
-              <a:rPr lang="en-US" altLang="zh-CN" b="1" dirty="0" err="1" smtClean="0"/>
+              <a:rPr lang="en-US" altLang="zh-CN" sz="2800" b="1" dirty="0" err="1" smtClean="0"/>
               <a:t>MLlib</a:t>
             </a:r>
             <a:r>
-              <a:rPr lang="en-US" altLang="zh-CN" b="1" dirty="0" smtClean="0"/>
+              <a:rPr lang="en-US" altLang="zh-CN" sz="2800" b="1" dirty="0" smtClean="0"/>
               <a:t>  </a:t>
             </a:r>
             <a:r>
-              <a:rPr lang="en-US" altLang="zh-CN" b="1" dirty="0"/>
+              <a:rPr lang="en-US" altLang="zh-CN" sz="2800" b="1" dirty="0"/>
               <a:t>(</a:t>
             </a:r>
             <a:r>
-              <a:rPr lang="en-US" altLang="zh-CN" b="1" dirty="0" smtClean="0"/>
+              <a:rPr lang="en-US" altLang="zh-CN" sz="2800" b="1" dirty="0" smtClean="0"/>
               <a:t>2015)</a:t>
             </a:r>
-            <a:endParaRPr lang="en-US" altLang="zh-CN" b="1" dirty="0"/>
+            <a:endParaRPr lang="en-US" altLang="zh-CN" sz="2800" b="1" dirty="0"/>
           </a:p>
           <a:p>
             <a:pPr lvl="1">
@@ -19954,24 +20049,24 @@
               </a:buClr>
             </a:pPr>
             <a:r>
-              <a:rPr lang="en-US" altLang="zh-CN" dirty="0">
+              <a:rPr lang="en-US" altLang="zh-CN" sz="2400" dirty="0">
                 <a:hlinkClick r:id="rId4"/>
               </a:rPr>
               <a:t>spark.ml</a:t>
             </a:r>
             <a:r>
-              <a:rPr lang="en-US" altLang="zh-CN" dirty="0"/>
+              <a:rPr lang="en-US" altLang="zh-CN" sz="2400" dirty="0"/>
               <a:t> provides higher-level API built on top of </a:t>
             </a:r>
             <a:r>
-              <a:rPr lang="en-US" altLang="zh-CN" dirty="0" err="1"/>
+              <a:rPr lang="en-US" altLang="zh-CN" sz="2400" dirty="0" err="1"/>
               <a:t>DataFrames</a:t>
             </a:r>
             <a:r>
-              <a:rPr lang="en-US" altLang="zh-CN" dirty="0"/>
+              <a:rPr lang="en-US" altLang="zh-CN" sz="2400" dirty="0"/>
               <a:t> for constructing ML pipelines</a:t>
             </a:r>
-            <a:endParaRPr lang="zh-CN" altLang="en-US" sz="2400" dirty="0" smtClean="0"/>
+            <a:endParaRPr lang="zh-CN" altLang="en-US" sz="2800" dirty="0" smtClean="0"/>
           </a:p>
           <a:p>
             <a:endParaRPr lang="zh-CN" altLang="en-US" dirty="0"/>
@@ -19996,10 +20091,10 @@
           <a:bodyPr/>
           <a:lstStyle/>
           <a:p>
-            <a:r>
+            <a:fld id="{AE3540D5-8B68-1F4A-ACDD-0FF2796EBE57}" type="datetime1">
               <a:rPr lang="en-US" smtClean="0"/>
-              <a:t>01/05/16</a:t>
-            </a:r>
+              <a:t>12/24/16</a:t>
+            </a:fld>
             <a:endParaRPr lang="en-US" dirty="0"/>
           </a:p>
         </p:txBody>
@@ -20072,7 +20167,7 @@
         </p:blipFill>
         <p:spPr>
           <a:xfrm>
-            <a:off x="8223974" y="1845734"/>
+            <a:off x="9248517" y="1845734"/>
             <a:ext cx="1521750" cy="1176561"/>
           </a:xfrm>
           <a:prstGeom prst="rect">
@@ -20102,7 +20197,7 @@
         </p:blipFill>
         <p:spPr>
           <a:xfrm>
-            <a:off x="6807564" y="1962879"/>
+            <a:off x="7845418" y="1974145"/>
             <a:ext cx="1327142" cy="888695"/>
           </a:xfrm>
           <a:prstGeom prst="rect">
@@ -20118,8 +20213,8 @@
         </p:nvGrpSpPr>
         <p:grpSpPr>
           <a:xfrm>
-            <a:off x="8508989" y="3780260"/>
-            <a:ext cx="2450293" cy="1240179"/>
+            <a:off x="8912141" y="3259080"/>
+            <a:ext cx="3019440" cy="1673990"/>
             <a:chOff x="7444539" y="3740244"/>
             <a:chExt cx="2450293" cy="1240179"/>
           </a:xfrm>
@@ -20695,23 +20790,23 @@
           <a:lstStyle/>
           <a:p>
             <a:r>
-              <a:rPr lang="en-US" altLang="zh-CN" b="1" dirty="0" smtClean="0"/>
+              <a:rPr lang="en-US" altLang="zh-CN" sz="3200" b="1" dirty="0" smtClean="0"/>
               <a:t>M</a:t>
             </a:r>
             <a:r>
-              <a:rPr lang="en-US" b="1" dirty="0" smtClean="0"/>
+              <a:rPr lang="en-US" sz="3200" b="1" dirty="0" smtClean="0"/>
               <a:t>ak</a:t>
             </a:r>
             <a:r>
-              <a:rPr lang="en-US" altLang="zh-CN" b="1" dirty="0" smtClean="0"/>
+              <a:rPr lang="en-US" altLang="zh-CN" sz="3200" b="1" dirty="0" smtClean="0"/>
               <a:t>ing</a:t>
             </a:r>
             <a:r>
-              <a:rPr lang="en-US" b="1" dirty="0" smtClean="0"/>
-              <a:t> </a:t>
-            </a:r>
-            <a:r>
-              <a:rPr lang="en-US" b="1" u="sng" dirty="0">
+              <a:rPr lang="en-US" sz="3200" b="1" dirty="0" smtClean="0"/>
+              <a:t> </a:t>
+            </a:r>
+            <a:r>
+              <a:rPr lang="en-US" sz="3200" b="1" u="sng" dirty="0">
                 <a:solidFill>
                   <a:schemeClr val="tx1"/>
                 </a:solidFill>
@@ -20719,7 +20814,7 @@
               <a:t>practical machine learning </a:t>
             </a:r>
             <a:r>
-              <a:rPr lang="en-US" b="1" dirty="0">
+              <a:rPr lang="en-US" sz="3200" b="1" dirty="0">
                 <a:solidFill>
                   <a:schemeClr val="accent1"/>
                 </a:solidFill>
@@ -20727,7 +20822,7 @@
               <a:t>scalable</a:t>
             </a:r>
             <a:r>
-              <a:rPr lang="en-US" b="1" dirty="0">
+              <a:rPr lang="en-US" sz="3200" b="1" dirty="0">
                 <a:solidFill>
                   <a:srgbClr val="FF0000"/>
                 </a:solidFill>
@@ -20735,18 +20830,18 @@
               <a:t> </a:t>
             </a:r>
             <a:r>
-              <a:rPr lang="en-US" b="1" dirty="0"/>
+              <a:rPr lang="en-US" sz="3200" b="1" dirty="0"/>
               <a:t>and </a:t>
             </a:r>
             <a:r>
-              <a:rPr lang="en-US" b="1" dirty="0" smtClean="0">
+              <a:rPr lang="en-US" sz="3200" b="1" dirty="0" smtClean="0">
                 <a:solidFill>
                   <a:srgbClr val="0070C0"/>
                 </a:solidFill>
               </a:rPr>
               <a:t>easy</a:t>
             </a:r>
-            <a:endParaRPr lang="zh-CN" altLang="en-US" b="1" dirty="0" smtClean="0">
+            <a:endParaRPr lang="zh-CN" altLang="en-US" sz="3200" b="1" dirty="0" smtClean="0">
               <a:solidFill>
                 <a:srgbClr val="0070C0"/>
               </a:solidFill>
@@ -20759,7 +20854,7 @@
               </a:buClr>
             </a:pPr>
             <a:r>
-              <a:rPr lang="en-US" altLang="zh-CN" dirty="0">
+              <a:rPr lang="en-US" altLang="zh-CN" sz="2800" dirty="0">
                 <a:solidFill>
                   <a:schemeClr val="tx1"/>
                 </a:solidFill>
@@ -20767,15 +20862,15 @@
               <a:t>Data</a:t>
             </a:r>
             <a:r>
-              <a:rPr lang="zh-CN" altLang="en-US" dirty="0">
-                <a:solidFill>
-                  <a:schemeClr val="tx1"/>
-                </a:solidFill>
-              </a:rPr>
-              <a:t> </a:t>
-            </a:r>
-            <a:r>
-              <a:rPr lang="en-US" altLang="zh-CN" dirty="0">
+              <a:rPr lang="zh-CN" altLang="en-US" sz="2800" dirty="0">
+                <a:solidFill>
+                  <a:schemeClr val="tx1"/>
+                </a:solidFill>
+              </a:rPr>
+              <a:t> </a:t>
+            </a:r>
+            <a:r>
+              <a:rPr lang="en-US" altLang="zh-CN" sz="2800" dirty="0">
                 <a:solidFill>
                   <a:schemeClr val="tx1"/>
                 </a:solidFill>
@@ -20783,15 +20878,15 @@
               <a:t>is</a:t>
             </a:r>
             <a:r>
-              <a:rPr lang="zh-CN" altLang="en-US" dirty="0">
-                <a:solidFill>
-                  <a:schemeClr val="tx1"/>
-                </a:solidFill>
-              </a:rPr>
-              <a:t> </a:t>
-            </a:r>
-            <a:r>
-              <a:rPr lang="en-US" altLang="zh-CN" dirty="0">
+              <a:rPr lang="zh-CN" altLang="en-US" sz="2800" dirty="0">
+                <a:solidFill>
+                  <a:schemeClr val="tx1"/>
+                </a:solidFill>
+              </a:rPr>
+              <a:t> </a:t>
+            </a:r>
+            <a:r>
+              <a:rPr lang="en-US" altLang="zh-CN" sz="2800" dirty="0">
                 <a:solidFill>
                   <a:schemeClr val="tx1"/>
                 </a:solidFill>
@@ -20799,15 +20894,15 @@
               <a:t>messy,</a:t>
             </a:r>
             <a:r>
-              <a:rPr lang="zh-CN" altLang="en-US" dirty="0">
-                <a:solidFill>
-                  <a:schemeClr val="tx1"/>
-                </a:solidFill>
-              </a:rPr>
-              <a:t> </a:t>
-            </a:r>
-            <a:r>
-              <a:rPr lang="en-US" altLang="zh-CN" dirty="0">
+              <a:rPr lang="zh-CN" altLang="en-US" sz="2800" dirty="0">
+                <a:solidFill>
+                  <a:schemeClr val="tx1"/>
+                </a:solidFill>
+              </a:rPr>
+              <a:t> </a:t>
+            </a:r>
+            <a:r>
+              <a:rPr lang="en-US" altLang="zh-CN" sz="2800" dirty="0">
                 <a:solidFill>
                   <a:schemeClr val="tx1"/>
                 </a:solidFill>
@@ -20815,15 +20910,15 @@
               <a:t>and</a:t>
             </a:r>
             <a:r>
-              <a:rPr lang="zh-CN" altLang="en-US" dirty="0">
-                <a:solidFill>
-                  <a:schemeClr val="tx1"/>
-                </a:solidFill>
-              </a:rPr>
-              <a:t> </a:t>
-            </a:r>
-            <a:r>
-              <a:rPr lang="en-US" altLang="zh-CN" dirty="0">
+              <a:rPr lang="zh-CN" altLang="en-US" sz="2800" dirty="0">
+                <a:solidFill>
+                  <a:schemeClr val="tx1"/>
+                </a:solidFill>
+              </a:rPr>
+              <a:t> </a:t>
+            </a:r>
+            <a:r>
+              <a:rPr lang="en-US" altLang="zh-CN" sz="2800" dirty="0">
                 <a:solidFill>
                   <a:schemeClr val="tx1"/>
                 </a:solidFill>
@@ -20831,15 +20926,15 @@
               <a:t>often</a:t>
             </a:r>
             <a:r>
-              <a:rPr lang="zh-CN" altLang="en-US" dirty="0">
-                <a:solidFill>
-                  <a:schemeClr val="tx1"/>
-                </a:solidFill>
-              </a:rPr>
-              <a:t> </a:t>
-            </a:r>
-            <a:r>
-              <a:rPr lang="en-US" altLang="zh-CN" dirty="0">
+              <a:rPr lang="zh-CN" altLang="en-US" sz="2800" dirty="0">
+                <a:solidFill>
+                  <a:schemeClr val="tx1"/>
+                </a:solidFill>
+              </a:rPr>
+              <a:t> </a:t>
+            </a:r>
+            <a:r>
+              <a:rPr lang="en-US" altLang="zh-CN" sz="2800" dirty="0">
                 <a:solidFill>
                   <a:schemeClr val="tx1"/>
                 </a:solidFill>
@@ -20847,15 +20942,15 @@
               <a:t>comes</a:t>
             </a:r>
             <a:r>
-              <a:rPr lang="zh-CN" altLang="en-US" dirty="0">
-                <a:solidFill>
-                  <a:schemeClr val="tx1"/>
-                </a:solidFill>
-              </a:rPr>
-              <a:t> </a:t>
-            </a:r>
-            <a:r>
-              <a:rPr lang="en-US" altLang="zh-CN" dirty="0">
+              <a:rPr lang="zh-CN" altLang="en-US" sz="2800" dirty="0">
+                <a:solidFill>
+                  <a:schemeClr val="tx1"/>
+                </a:solidFill>
+              </a:rPr>
+              <a:t> </a:t>
+            </a:r>
+            <a:r>
+              <a:rPr lang="en-US" altLang="zh-CN" sz="2800" dirty="0">
                 <a:solidFill>
                   <a:schemeClr val="tx1"/>
                 </a:solidFill>
@@ -20863,15 +20958,15 @@
               <a:t>from</a:t>
             </a:r>
             <a:r>
-              <a:rPr lang="zh-CN" altLang="en-US" dirty="0">
-                <a:solidFill>
-                  <a:schemeClr val="tx1"/>
-                </a:solidFill>
-              </a:rPr>
-              <a:t> </a:t>
-            </a:r>
-            <a:r>
-              <a:rPr lang="en-US" altLang="zh-CN" dirty="0">
+              <a:rPr lang="zh-CN" altLang="en-US" sz="2800" dirty="0">
+                <a:solidFill>
+                  <a:schemeClr val="tx1"/>
+                </a:solidFill>
+              </a:rPr>
+              <a:t> </a:t>
+            </a:r>
+            <a:r>
+              <a:rPr lang="en-US" altLang="zh-CN" sz="2800" dirty="0">
                 <a:solidFill>
                   <a:schemeClr val="tx1"/>
                 </a:solidFill>
@@ -20879,22 +20974,22 @@
               <a:t>multiple</a:t>
             </a:r>
             <a:r>
-              <a:rPr lang="zh-CN" altLang="en-US" dirty="0">
-                <a:solidFill>
-                  <a:schemeClr val="tx1"/>
-                </a:solidFill>
-              </a:rPr>
-              <a:t> </a:t>
-            </a:r>
-            <a:r>
-              <a:rPr lang="en-US" altLang="zh-CN" dirty="0">
+              <a:rPr lang="zh-CN" altLang="en-US" sz="2800" dirty="0">
+                <a:solidFill>
+                  <a:schemeClr val="tx1"/>
+                </a:solidFill>
+              </a:rPr>
+              <a:t> </a:t>
+            </a:r>
+            <a:r>
+              <a:rPr lang="en-US" altLang="zh-CN" sz="2800" dirty="0">
                 <a:solidFill>
                   <a:schemeClr val="tx1"/>
                 </a:solidFill>
               </a:rPr>
               <a:t>sources</a:t>
             </a:r>
-            <a:endParaRPr lang="zh-CN" altLang="en-US" dirty="0">
+            <a:endParaRPr lang="zh-CN" altLang="en-US" sz="2800" dirty="0">
               <a:solidFill>
                 <a:schemeClr val="tx1"/>
               </a:solidFill>
@@ -20907,7 +21002,7 @@
               </a:buClr>
             </a:pPr>
             <a:r>
-              <a:rPr lang="en-US" altLang="zh-CN" dirty="0" smtClean="0">
+              <a:rPr lang="en-US" altLang="zh-CN" sz="2800" dirty="0" smtClean="0">
                 <a:solidFill>
                   <a:schemeClr val="tx1"/>
                 </a:solidFill>
@@ -20915,15 +21010,15 @@
               <a:t>Feature selection</a:t>
             </a:r>
             <a:r>
-              <a:rPr lang="zh-CN" altLang="en-US" dirty="0" smtClean="0">
-                <a:solidFill>
-                  <a:schemeClr val="tx1"/>
-                </a:solidFill>
-              </a:rPr>
-              <a:t> </a:t>
-            </a:r>
-            <a:r>
-              <a:rPr lang="en-US" altLang="zh-CN" dirty="0" smtClean="0">
+              <a:rPr lang="zh-CN" altLang="en-US" sz="2800" dirty="0" smtClean="0">
+                <a:solidFill>
+                  <a:schemeClr val="tx1"/>
+                </a:solidFill>
+              </a:rPr>
+              <a:t> </a:t>
+            </a:r>
+            <a:r>
+              <a:rPr lang="en-US" altLang="zh-CN" sz="2800" dirty="0" smtClean="0">
                 <a:solidFill>
                   <a:schemeClr val="tx1"/>
                 </a:solidFill>
@@ -20931,15 +21026,15 @@
               <a:t>and</a:t>
             </a:r>
             <a:r>
-              <a:rPr lang="zh-CN" altLang="en-US" dirty="0" smtClean="0">
-                <a:solidFill>
-                  <a:schemeClr val="tx1"/>
-                </a:solidFill>
-              </a:rPr>
-              <a:t> </a:t>
-            </a:r>
-            <a:r>
-              <a:rPr lang="en-US" altLang="zh-CN" dirty="0" smtClean="0">
+              <a:rPr lang="zh-CN" altLang="en-US" sz="2800" dirty="0" smtClean="0">
+                <a:solidFill>
+                  <a:schemeClr val="tx1"/>
+                </a:solidFill>
+              </a:rPr>
+              <a:t> </a:t>
+            </a:r>
+            <a:r>
+              <a:rPr lang="en-US" altLang="zh-CN" sz="2800" dirty="0" smtClean="0">
                 <a:solidFill>
                   <a:schemeClr val="tx1"/>
                 </a:solidFill>
@@ -20947,15 +21042,15 @@
               <a:t>parameter tuning are</a:t>
             </a:r>
             <a:r>
-              <a:rPr lang="zh-CN" altLang="en-US" dirty="0" smtClean="0">
-                <a:solidFill>
-                  <a:schemeClr val="tx1"/>
-                </a:solidFill>
-              </a:rPr>
-              <a:t> </a:t>
-            </a:r>
-            <a:r>
-              <a:rPr lang="en-US" altLang="zh-CN" dirty="0" smtClean="0">
+              <a:rPr lang="zh-CN" altLang="en-US" sz="2800" dirty="0" smtClean="0">
+                <a:solidFill>
+                  <a:schemeClr val="tx1"/>
+                </a:solidFill>
+              </a:rPr>
+              <a:t> </a:t>
+            </a:r>
+            <a:r>
+              <a:rPr lang="en-US" altLang="zh-CN" sz="2800" dirty="0" smtClean="0">
                 <a:solidFill>
                   <a:schemeClr val="tx1"/>
                 </a:solidFill>
@@ -20963,22 +21058,22 @@
               <a:t>quite</a:t>
             </a:r>
             <a:r>
-              <a:rPr lang="zh-CN" altLang="en-US" dirty="0" smtClean="0">
-                <a:solidFill>
-                  <a:schemeClr val="tx1"/>
-                </a:solidFill>
-              </a:rPr>
-              <a:t> </a:t>
-            </a:r>
-            <a:r>
-              <a:rPr lang="en-US" altLang="zh-CN" dirty="0" smtClean="0">
+              <a:rPr lang="zh-CN" altLang="en-US" sz="2800" dirty="0" smtClean="0">
+                <a:solidFill>
+                  <a:schemeClr val="tx1"/>
+                </a:solidFill>
+              </a:rPr>
+              <a:t> </a:t>
+            </a:r>
+            <a:r>
+              <a:rPr lang="en-US" altLang="zh-CN" sz="2800" dirty="0" smtClean="0">
                 <a:solidFill>
                   <a:schemeClr val="tx1"/>
                 </a:solidFill>
               </a:rPr>
               <a:t>important</a:t>
             </a:r>
-            <a:endParaRPr lang="zh-CN" altLang="en-US" dirty="0" smtClean="0">
+            <a:endParaRPr lang="zh-CN" altLang="en-US" sz="2800" dirty="0" smtClean="0">
               <a:solidFill>
                 <a:schemeClr val="tx1"/>
               </a:solidFill>
@@ -20991,7 +21086,7 @@
               </a:buClr>
             </a:pPr>
             <a:r>
-              <a:rPr lang="en-US" altLang="zh-CN" dirty="0" smtClean="0">
+              <a:rPr lang="en-US" altLang="zh-CN" sz="2800" dirty="0" smtClean="0">
                 <a:solidFill>
                   <a:schemeClr val="tx1"/>
                 </a:solidFill>
@@ -20999,15 +21094,15 @@
               <a:t>A model</a:t>
             </a:r>
             <a:r>
-              <a:rPr lang="zh-CN" altLang="en-US" dirty="0" smtClean="0">
-                <a:solidFill>
-                  <a:schemeClr val="tx1"/>
-                </a:solidFill>
-              </a:rPr>
-              <a:t> </a:t>
-            </a:r>
-            <a:r>
-              <a:rPr lang="en-US" altLang="zh-CN" dirty="0" smtClean="0">
+              <a:rPr lang="zh-CN" altLang="en-US" sz="2800" dirty="0" smtClean="0">
+                <a:solidFill>
+                  <a:schemeClr val="tx1"/>
+                </a:solidFill>
+              </a:rPr>
+              <a:t> </a:t>
+            </a:r>
+            <a:r>
+              <a:rPr lang="en-US" altLang="zh-CN" sz="2800" dirty="0" smtClean="0">
                 <a:solidFill>
                   <a:schemeClr val="tx1"/>
                 </a:solidFill>
@@ -21015,15 +21110,15 @@
               <a:t>should</a:t>
             </a:r>
             <a:r>
-              <a:rPr lang="zh-CN" altLang="en-US" dirty="0" smtClean="0">
-                <a:solidFill>
-                  <a:schemeClr val="tx1"/>
-                </a:solidFill>
-              </a:rPr>
-              <a:t> </a:t>
-            </a:r>
-            <a:r>
-              <a:rPr lang="en-US" altLang="zh-CN" dirty="0" smtClean="0">
+              <a:rPr lang="zh-CN" altLang="en-US" sz="2800" dirty="0" smtClean="0">
+                <a:solidFill>
+                  <a:schemeClr val="tx1"/>
+                </a:solidFill>
+              </a:rPr>
+              <a:t> </a:t>
+            </a:r>
+            <a:r>
+              <a:rPr lang="en-US" altLang="zh-CN" sz="2800" dirty="0" smtClean="0">
                 <a:solidFill>
                   <a:schemeClr val="tx1"/>
                 </a:solidFill>
@@ -21031,15 +21126,15 @@
               <a:t>have</a:t>
             </a:r>
             <a:r>
-              <a:rPr lang="zh-CN" altLang="en-US" dirty="0" smtClean="0">
-                <a:solidFill>
-                  <a:schemeClr val="tx1"/>
-                </a:solidFill>
-              </a:rPr>
-              <a:t> </a:t>
-            </a:r>
-            <a:r>
-              <a:rPr lang="en-US" altLang="zh-CN" dirty="0" smtClean="0">
+              <a:rPr lang="zh-CN" altLang="en-US" sz="2800" dirty="0" smtClean="0">
+                <a:solidFill>
+                  <a:schemeClr val="tx1"/>
+                </a:solidFill>
+              </a:rPr>
+              <a:t> </a:t>
+            </a:r>
+            <a:r>
+              <a:rPr lang="en-US" altLang="zh-CN" sz="2800" dirty="0" smtClean="0">
                 <a:solidFill>
                   <a:schemeClr val="tx1"/>
                 </a:solidFill>
@@ -21047,15 +21142,15 @@
               <a:t>good</a:t>
             </a:r>
             <a:r>
-              <a:rPr lang="zh-CN" altLang="en-US" dirty="0" smtClean="0">
-                <a:solidFill>
-                  <a:schemeClr val="tx1"/>
-                </a:solidFill>
-              </a:rPr>
-              <a:t> </a:t>
-            </a:r>
-            <a:r>
-              <a:rPr lang="en-US" altLang="zh-CN" dirty="0" smtClean="0">
+              <a:rPr lang="zh-CN" altLang="en-US" sz="2800" dirty="0" smtClean="0">
+                <a:solidFill>
+                  <a:schemeClr val="tx1"/>
+                </a:solidFill>
+              </a:rPr>
+              <a:t> </a:t>
+            </a:r>
+            <a:r>
+              <a:rPr lang="en-US" altLang="zh-CN" sz="2800" dirty="0" smtClean="0">
                 <a:solidFill>
                   <a:schemeClr val="tx1"/>
                 </a:solidFill>
@@ -21063,15 +21158,15 @@
               <a:t>performance</a:t>
             </a:r>
             <a:r>
-              <a:rPr lang="zh-CN" altLang="en-US" dirty="0" smtClean="0">
-                <a:solidFill>
-                  <a:schemeClr val="tx1"/>
-                </a:solidFill>
-              </a:rPr>
-              <a:t> </a:t>
-            </a:r>
-            <a:r>
-              <a:rPr lang="en-US" altLang="zh-CN" dirty="0" smtClean="0">
+              <a:rPr lang="zh-CN" altLang="en-US" sz="2800" dirty="0" smtClean="0">
+                <a:solidFill>
+                  <a:schemeClr val="tx1"/>
+                </a:solidFill>
+              </a:rPr>
+              <a:t> </a:t>
+            </a:r>
+            <a:r>
+              <a:rPr lang="en-US" altLang="zh-CN" sz="2800" dirty="0" smtClean="0">
                 <a:solidFill>
                   <a:schemeClr val="tx1"/>
                 </a:solidFill>
@@ -21079,22 +21174,29 @@
               <a:t>in</a:t>
             </a:r>
             <a:r>
-              <a:rPr lang="zh-CN" altLang="en-US" dirty="0" smtClean="0">
-                <a:solidFill>
-                  <a:schemeClr val="tx1"/>
-                </a:solidFill>
-              </a:rPr>
-              <a:t> </a:t>
-            </a:r>
-            <a:r>
-              <a:rPr lang="en-US" altLang="zh-CN" dirty="0" smtClean="0">
+              <a:rPr lang="zh-CN" altLang="en-US" sz="2800" dirty="0" smtClean="0">
+                <a:solidFill>
+                  <a:schemeClr val="tx1"/>
+                </a:solidFill>
+              </a:rPr>
+              <a:t> </a:t>
+            </a:r>
+            <a:r>
+              <a:rPr lang="en-US" altLang="zh-CN" sz="2800" dirty="0" smtClean="0">
                 <a:solidFill>
                   <a:schemeClr val="tx1"/>
                 </a:solidFill>
               </a:rPr>
               <a:t>productions</a:t>
             </a:r>
-            <a:endParaRPr lang="zh-CN" altLang="en-US" dirty="0" smtClean="0">
+          </a:p>
+          <a:p>
+            <a:pPr lvl="1">
+              <a:buClr>
+                <a:srgbClr val="E48312"/>
+              </a:buClr>
+            </a:pPr>
+            <a:endParaRPr lang="zh-CN" altLang="en-US" sz="2400" dirty="0" smtClean="0">
               <a:solidFill>
                 <a:schemeClr val="tx1"/>
               </a:solidFill>
@@ -21107,7 +21209,7 @@
               </a:buClr>
             </a:pPr>
             <a:r>
-              <a:rPr lang="en-US" altLang="zh-CN" b="1" dirty="0" smtClean="0">
+              <a:rPr lang="en-US" altLang="zh-CN" sz="3200" b="1" dirty="0" smtClean="0">
                 <a:solidFill>
                   <a:schemeClr val="accent1"/>
                 </a:solidFill>
@@ -21115,7 +21217,7 @@
               <a:t>How</a:t>
             </a:r>
             <a:r>
-              <a:rPr lang="zh-CN" altLang="en-US" b="1" dirty="0" smtClean="0">
+              <a:rPr lang="zh-CN" altLang="en-US" sz="3200" b="1" dirty="0" smtClean="0">
                 <a:solidFill>
                   <a:schemeClr val="accent1"/>
                 </a:solidFill>
@@ -21123,7 +21225,7 @@
               <a:t> </a:t>
             </a:r>
             <a:r>
-              <a:rPr lang="en-US" altLang="zh-CN" b="1" dirty="0" smtClean="0">
+              <a:rPr lang="en-US" altLang="zh-CN" sz="3200" b="1" dirty="0" smtClean="0">
                 <a:solidFill>
                   <a:schemeClr val="accent1"/>
                 </a:solidFill>
@@ -21131,7 +21233,7 @@
               <a:t>did</a:t>
             </a:r>
             <a:r>
-              <a:rPr lang="zh-CN" altLang="en-US" b="1" dirty="0" smtClean="0">
+              <a:rPr lang="zh-CN" altLang="en-US" sz="3200" b="1" dirty="0" smtClean="0">
                 <a:solidFill>
                   <a:schemeClr val="accent1"/>
                 </a:solidFill>
@@ -21139,7 +21241,7 @@
               <a:t> </a:t>
             </a:r>
             <a:r>
-              <a:rPr lang="en-US" altLang="zh-CN" b="1" dirty="0" err="1" smtClean="0">
+              <a:rPr lang="en-US" altLang="zh-CN" sz="3200" b="1" dirty="0" err="1" smtClean="0">
                 <a:solidFill>
                   <a:schemeClr val="accent1"/>
                 </a:solidFill>
@@ -21147,7 +21249,7 @@
               <a:t>MLlib</a:t>
             </a:r>
             <a:r>
-              <a:rPr lang="zh-CN" altLang="en-US" b="1" dirty="0" smtClean="0">
+              <a:rPr lang="zh-CN" altLang="en-US" sz="3200" b="1" dirty="0" smtClean="0">
                 <a:solidFill>
                   <a:schemeClr val="accent1"/>
                 </a:solidFill>
@@ -21155,7 +21257,7 @@
               <a:t> </a:t>
             </a:r>
             <a:r>
-              <a:rPr lang="en-US" altLang="zh-CN" b="1" dirty="0" smtClean="0">
+              <a:rPr lang="en-US" altLang="zh-CN" sz="3200" b="1" dirty="0" smtClean="0">
                 <a:solidFill>
                   <a:schemeClr val="accent1"/>
                 </a:solidFill>
@@ -21163,7 +21265,7 @@
               <a:t>achieve</a:t>
             </a:r>
             <a:r>
-              <a:rPr lang="zh-CN" altLang="en-US" b="1" dirty="0" smtClean="0">
+              <a:rPr lang="zh-CN" altLang="en-US" sz="3200" b="1" dirty="0" smtClean="0">
                 <a:solidFill>
                   <a:schemeClr val="accent1"/>
                 </a:solidFill>
@@ -21171,7 +21273,7 @@
               <a:t> </a:t>
             </a:r>
             <a:r>
-              <a:rPr lang="en-US" altLang="zh-CN" b="1" dirty="0" smtClean="0">
+              <a:rPr lang="en-US" altLang="zh-CN" sz="3200" b="1" dirty="0" smtClean="0">
                 <a:solidFill>
                   <a:schemeClr val="accent1"/>
                 </a:solidFill>
@@ -21179,7 +21281,7 @@
               <a:t>the</a:t>
             </a:r>
             <a:r>
-              <a:rPr lang="zh-CN" altLang="en-US" b="1" dirty="0" smtClean="0">
+              <a:rPr lang="zh-CN" altLang="en-US" sz="3200" b="1" dirty="0" smtClean="0">
                 <a:solidFill>
                   <a:schemeClr val="accent1"/>
                 </a:solidFill>
@@ -21187,7 +21289,7 @@
               <a:t> </a:t>
             </a:r>
             <a:r>
-              <a:rPr lang="en-US" altLang="zh-CN" b="1" dirty="0" smtClean="0">
+              <a:rPr lang="en-US" altLang="zh-CN" sz="3200" b="1" dirty="0" smtClean="0">
                 <a:solidFill>
                   <a:schemeClr val="accent1"/>
                 </a:solidFill>
@@ -21195,7 +21297,7 @@
               <a:t>goal</a:t>
             </a:r>
             <a:r>
-              <a:rPr lang="zh-CN" altLang="en-US" b="1" dirty="0" smtClean="0">
+              <a:rPr lang="zh-CN" altLang="en-US" sz="3200" b="1" dirty="0" smtClean="0">
                 <a:solidFill>
                   <a:schemeClr val="accent1"/>
                 </a:solidFill>
@@ -21203,7 +21305,7 @@
               <a:t> </a:t>
             </a:r>
             <a:r>
-              <a:rPr lang="en-US" altLang="zh-CN" b="1" dirty="0" smtClean="0">
+              <a:rPr lang="en-US" altLang="zh-CN" sz="3200" b="1" dirty="0" smtClean="0">
                 <a:solidFill>
                   <a:schemeClr val="accent1"/>
                 </a:solidFill>
@@ -21211,7 +21313,7 @@
               <a:t>of</a:t>
             </a:r>
             <a:r>
-              <a:rPr lang="zh-CN" altLang="en-US" b="1" dirty="0" smtClean="0">
+              <a:rPr lang="zh-CN" altLang="en-US" sz="3200" b="1" dirty="0" smtClean="0">
                 <a:solidFill>
                   <a:schemeClr val="accent1"/>
                 </a:solidFill>
@@ -21219,7 +21321,7 @@
               <a:t> </a:t>
             </a:r>
             <a:r>
-              <a:rPr lang="en-US" altLang="zh-CN" b="1" dirty="0">
+              <a:rPr lang="en-US" altLang="zh-CN" sz="3200" b="1" dirty="0">
                 <a:solidFill>
                   <a:schemeClr val="accent1"/>
                 </a:solidFill>
@@ -21227,14 +21329,14 @@
               <a:t>s</a:t>
             </a:r>
             <a:r>
-              <a:rPr lang="en-US" altLang="zh-CN" b="1" dirty="0" smtClean="0">
+              <a:rPr lang="en-US" altLang="zh-CN" sz="3200" b="1" dirty="0" smtClean="0">
                 <a:solidFill>
                   <a:schemeClr val="accent1"/>
                 </a:solidFill>
               </a:rPr>
               <a:t>calability?</a:t>
             </a:r>
-            <a:endParaRPr lang="zh-CN" altLang="en-US" b="1" dirty="0">
+            <a:endParaRPr lang="zh-CN" altLang="en-US" sz="3200" b="1" dirty="0">
               <a:solidFill>
                 <a:schemeClr val="accent1"/>
               </a:solidFill>
@@ -21247,7 +21349,7 @@
               </a:buClr>
             </a:pPr>
             <a:r>
-              <a:rPr lang="en-US" altLang="zh-CN" dirty="0" smtClean="0">
+              <a:rPr lang="en-US" altLang="zh-CN" sz="2800" dirty="0" smtClean="0">
                 <a:solidFill>
                   <a:schemeClr val="accent1"/>
                 </a:solidFill>
@@ -21255,7 +21357,7 @@
               <a:t>Implementing</a:t>
             </a:r>
             <a:r>
-              <a:rPr lang="zh-CN" altLang="en-US" dirty="0" smtClean="0">
+              <a:rPr lang="zh-CN" altLang="en-US" sz="2800" dirty="0" smtClean="0">
                 <a:solidFill>
                   <a:schemeClr val="accent1"/>
                 </a:solidFill>
@@ -21263,7 +21365,7 @@
               <a:t> </a:t>
             </a:r>
             <a:r>
-              <a:rPr lang="en-US" altLang="zh-CN" dirty="0" smtClean="0">
+              <a:rPr lang="en-US" altLang="zh-CN" sz="2800" dirty="0" smtClean="0">
                 <a:solidFill>
                   <a:schemeClr val="accent1"/>
                 </a:solidFill>
@@ -21271,7 +21373,7 @@
               <a:t>distributed</a:t>
             </a:r>
             <a:r>
-              <a:rPr lang="zh-CN" altLang="en-US" dirty="0" smtClean="0">
+              <a:rPr lang="zh-CN" altLang="en-US" sz="2800" dirty="0" smtClean="0">
                 <a:solidFill>
                   <a:schemeClr val="accent1"/>
                 </a:solidFill>
@@ -21279,7 +21381,7 @@
               <a:t> </a:t>
             </a:r>
             <a:r>
-              <a:rPr lang="en-US" altLang="zh-CN" dirty="0" smtClean="0">
+              <a:rPr lang="en-US" altLang="zh-CN" sz="2800" dirty="0" smtClean="0">
                 <a:solidFill>
                   <a:schemeClr val="accent1"/>
                 </a:solidFill>
@@ -21287,7 +21389,7 @@
               <a:t>ML</a:t>
             </a:r>
             <a:r>
-              <a:rPr lang="zh-CN" altLang="en-US" dirty="0" smtClean="0">
+              <a:rPr lang="zh-CN" altLang="en-US" sz="2800" dirty="0" smtClean="0">
                 <a:solidFill>
                   <a:schemeClr val="accent1"/>
                 </a:solidFill>
@@ -21295,7 +21397,7 @@
               <a:t> </a:t>
             </a:r>
             <a:r>
-              <a:rPr lang="en-US" altLang="zh-CN" dirty="0" smtClean="0">
+              <a:rPr lang="en-US" altLang="zh-CN" sz="2800" dirty="0" smtClean="0">
                 <a:solidFill>
                   <a:schemeClr val="accent1"/>
                 </a:solidFill>
@@ -21303,7 +21405,7 @@
               <a:t>algorithms</a:t>
             </a:r>
             <a:r>
-              <a:rPr lang="zh-CN" altLang="en-US" dirty="0" smtClean="0">
+              <a:rPr lang="zh-CN" altLang="en-US" sz="2800" dirty="0" smtClean="0">
                 <a:solidFill>
                   <a:schemeClr val="accent1"/>
                 </a:solidFill>
@@ -21311,7 +21413,7 @@
               <a:t> </a:t>
             </a:r>
             <a:r>
-              <a:rPr lang="en-US" altLang="zh-CN" dirty="0" smtClean="0">
+              <a:rPr lang="en-US" altLang="zh-CN" sz="2800" dirty="0" smtClean="0">
                 <a:solidFill>
                   <a:schemeClr val="accent1"/>
                 </a:solidFill>
@@ -21319,7 +21421,7 @@
               <a:t>using</a:t>
             </a:r>
             <a:r>
-              <a:rPr lang="zh-CN" altLang="en-US" dirty="0" smtClean="0">
+              <a:rPr lang="zh-CN" altLang="en-US" sz="2800" dirty="0" smtClean="0">
                 <a:solidFill>
                   <a:schemeClr val="accent1"/>
                 </a:solidFill>
@@ -21327,7 +21429,7 @@
               <a:t> </a:t>
             </a:r>
             <a:r>
-              <a:rPr lang="en-US" altLang="zh-CN" dirty="0" smtClean="0">
+              <a:rPr lang="en-US" altLang="zh-CN" sz="2800" dirty="0" smtClean="0">
                 <a:solidFill>
                   <a:schemeClr val="accent1"/>
                 </a:solidFill>
@@ -21335,7 +21437,7 @@
               <a:t>Spark</a:t>
             </a:r>
             <a:r>
-              <a:rPr lang="zh-CN" altLang="en-US" dirty="0" smtClean="0">
+              <a:rPr lang="zh-CN" altLang="en-US" sz="2800" dirty="0" smtClean="0">
                 <a:solidFill>
                   <a:schemeClr val="accent1"/>
                 </a:solidFill>
@@ -21384,10 +21486,10 @@
           <a:bodyPr/>
           <a:lstStyle/>
           <a:p>
-            <a:r>
+            <a:fld id="{1C4F52F5-2D6A-7048-8345-7F2E703B3CF6}" type="datetime1">
               <a:rPr lang="en-US" smtClean="0"/>
-              <a:t>01/05/16</a:t>
-            </a:r>
+              <a:t>12/24/16</a:t>
+            </a:fld>
             <a:endParaRPr lang="en-US" dirty="0"/>
           </a:p>
         </p:txBody>
@@ -21595,7 +21697,7 @@
                                         <p:tgtEl>
                                           <p:spTgt spid="3">
                                             <p:txEl>
-                                              <p:pRg st="4" end="4"/>
+                                              <p:pRg st="5" end="5"/>
                                             </p:txEl>
                                           </p:spTgt>
                                         </p:tgtEl>
@@ -21626,7 +21728,7 @@
                                         <p:tgtEl>
                                           <p:spTgt spid="3">
                                             <p:txEl>
-                                              <p:pRg st="5" end="5"/>
+                                              <p:pRg st="6" end="6"/>
                                             </p:txEl>
                                           </p:spTgt>
                                         </p:tgtEl>
@@ -21794,7 +21896,7 @@
         </p:nvSpPr>
         <p:spPr>
           <a:xfrm>
-            <a:off x="1097280" y="1845733"/>
+            <a:off x="1154083" y="1766609"/>
             <a:ext cx="10058400" cy="4614051"/>
           </a:xfrm>
         </p:spPr>
@@ -21810,30 +21912,54 @@
               </a:lnSpc>
             </a:pPr>
             <a:r>
-              <a:rPr lang="en-US" b="1" dirty="0"/>
-              <a:t>Feature extraction and transformation</a:t>
-            </a:r>
-            <a:r>
-              <a:rPr lang="en-US" altLang="zh-CN" b="1" dirty="0"/>
-              <a:t>:</a:t>
-            </a:r>
-            <a:r>
-              <a:rPr lang="zh-CN" altLang="en-US" b="1" dirty="0"/>
-              <a:t> </a:t>
-            </a:r>
-            <a:r>
-              <a:rPr lang="en-US" altLang="zh-CN" dirty="0"/>
-              <a:t>TF-IDF,</a:t>
-            </a:r>
-            <a:r>
-              <a:rPr lang="zh-CN" altLang="en-US" dirty="0"/>
-              <a:t> </a:t>
-            </a:r>
-            <a:r>
-              <a:rPr lang="en-US" altLang="zh-CN" dirty="0" smtClean="0"/>
-              <a:t>Word2Vec</a:t>
-            </a:r>
-            <a:endParaRPr lang="zh-CN" altLang="en-US" b="1" dirty="0" smtClean="0"/>
+              <a:rPr lang="en-US" sz="2800" b="1" dirty="0" smtClean="0">
+                <a:solidFill>
+                  <a:srgbClr val="DA600D"/>
+                </a:solidFill>
+              </a:rPr>
+              <a:t>Week 2. </a:t>
+            </a:r>
+            <a:r>
+              <a:rPr lang="en-US" sz="3200" b="1" dirty="0" smtClean="0"/>
+              <a:t>Feature engineering </a:t>
+            </a:r>
+            <a:r>
+              <a:rPr lang="en-US" sz="3200" b="1" dirty="0"/>
+              <a:t>and </a:t>
+            </a:r>
+            <a:r>
+              <a:rPr lang="en-US" sz="3200" b="1" dirty="0" smtClean="0"/>
+              <a:t>Classification</a:t>
+            </a:r>
+            <a:endParaRPr lang="en-US" b="1" dirty="0"/>
+          </a:p>
+          <a:p>
+            <a:pPr lvl="1">
+              <a:lnSpc>
+                <a:spcPct val="100000"/>
+              </a:lnSpc>
+            </a:pPr>
+            <a:r>
+              <a:rPr lang="en-US" altLang="zh-CN" sz="2800" dirty="0" smtClean="0"/>
+              <a:t>TF-IDF</a:t>
+            </a:r>
+            <a:r>
+              <a:rPr lang="en-US" altLang="zh-CN" sz="2800" dirty="0"/>
+              <a:t>,</a:t>
+            </a:r>
+            <a:r>
+              <a:rPr lang="zh-CN" altLang="en-US" sz="2800" dirty="0"/>
+              <a:t> </a:t>
+            </a:r>
+            <a:r>
+              <a:rPr lang="en-US" altLang="zh-CN" sz="2800" dirty="0"/>
+              <a:t>Word2Vec, </a:t>
+            </a:r>
+            <a:r>
+              <a:rPr lang="en-US" altLang="zh-CN" sz="2800" dirty="0" smtClean="0"/>
+              <a:t>SVMs</a:t>
+            </a:r>
+            <a:endParaRPr lang="zh-CN" altLang="en-US" sz="2400" dirty="0" smtClean="0"/>
           </a:p>
           <a:p>
             <a:pPr>
@@ -21842,34 +21968,22 @@
               </a:lnSpc>
             </a:pPr>
             <a:r>
-              <a:rPr lang="en-US" b="1" dirty="0" smtClean="0"/>
-              <a:t>Classification </a:t>
-            </a:r>
-            <a:r>
-              <a:rPr lang="en-US" b="1" dirty="0"/>
-              <a:t>and </a:t>
-            </a:r>
-            <a:r>
-              <a:rPr lang="en-US" b="1" dirty="0" smtClean="0"/>
-              <a:t>regression</a:t>
-            </a:r>
-            <a:r>
-              <a:rPr lang="en-US" altLang="zh-CN" b="1" dirty="0" smtClean="0"/>
-              <a:t>:</a:t>
-            </a:r>
-            <a:r>
-              <a:rPr lang="zh-CN" altLang="en-US" dirty="0" smtClean="0"/>
-              <a:t> </a:t>
-            </a:r>
-            <a:r>
-              <a:rPr lang="en-US" altLang="zh-CN" dirty="0"/>
-              <a:t>SVMs, logistic regression, linear </a:t>
-            </a:r>
-            <a:r>
-              <a:rPr lang="en-US" altLang="zh-CN" dirty="0" smtClean="0"/>
-              <a:t>regression</a:t>
-            </a:r>
-            <a:endParaRPr lang="zh-CN" altLang="en-US" dirty="0" smtClean="0"/>
+              <a:rPr lang="en-US" sz="3200" b="1" dirty="0" smtClean="0"/>
+              <a:t>              Clustering</a:t>
+            </a:r>
+            <a:endParaRPr lang="en-US" sz="3200" b="1" dirty="0"/>
+          </a:p>
+          <a:p>
+            <a:pPr lvl="1">
+              <a:lnSpc>
+                <a:spcPct val="100000"/>
+              </a:lnSpc>
+            </a:pPr>
+            <a:r>
+              <a:rPr lang="en-US" altLang="zh-CN" sz="2800" dirty="0" smtClean="0"/>
+              <a:t>k-means</a:t>
+            </a:r>
+            <a:endParaRPr lang="zh-CN" altLang="en-US" sz="2400" dirty="0" smtClean="0"/>
           </a:p>
           <a:p>
             <a:pPr>
@@ -21878,114 +21992,54 @@
               </a:lnSpc>
             </a:pPr>
             <a:r>
-              <a:rPr lang="en-US" b="1" dirty="0"/>
-              <a:t>Optimization</a:t>
-            </a:r>
-            <a:r>
-              <a:rPr lang="en-US" altLang="zh-CN" b="1" dirty="0"/>
-              <a:t>:</a:t>
-            </a:r>
-            <a:r>
-              <a:rPr lang="zh-CN" altLang="en-US" b="1" dirty="0"/>
-              <a:t> </a:t>
-            </a:r>
-            <a:r>
-              <a:rPr lang="en-US" altLang="zh-CN" dirty="0"/>
-              <a:t>limited-memory BFGS (L-BFGS</a:t>
-            </a:r>
-            <a:r>
-              <a:rPr lang="en-US" altLang="zh-CN" dirty="0" smtClean="0"/>
-              <a:t>)</a:t>
-            </a:r>
-            <a:endParaRPr lang="zh-CN" altLang="en-US" b="1" dirty="0" smtClean="0"/>
-          </a:p>
-          <a:p>
-            <a:pPr>
+              <a:rPr lang="en-US" sz="2800" b="1" dirty="0" smtClean="0"/>
+              <a:t>                </a:t>
+            </a:r>
+            <a:r>
+              <a:rPr lang="en-US" sz="3200" b="1" dirty="0" smtClean="0"/>
+              <a:t>Collaborative filtering</a:t>
+            </a:r>
+            <a:endParaRPr lang="en-US" sz="2800" b="1" dirty="0"/>
+          </a:p>
+          <a:p>
+            <a:pPr lvl="1">
               <a:lnSpc>
-                <a:spcPct val="150000"/>
+                <a:spcPct val="100000"/>
               </a:lnSpc>
             </a:pPr>
             <a:r>
-              <a:rPr lang="en-US" b="1" dirty="0" smtClean="0"/>
-              <a:t>Clustering</a:t>
-            </a:r>
-            <a:r>
-              <a:rPr lang="en-US" altLang="zh-CN" b="1" dirty="0" smtClean="0"/>
-              <a:t>:</a:t>
-            </a:r>
-            <a:r>
-              <a:rPr lang="zh-CN" altLang="en-US" b="1" dirty="0" smtClean="0"/>
-              <a:t> </a:t>
-            </a:r>
-            <a:r>
-              <a:rPr lang="en-US" altLang="zh-CN" dirty="0"/>
-              <a:t>k-means</a:t>
-            </a:r>
-            <a:endParaRPr lang="zh-CN" altLang="en-US" dirty="0" smtClean="0"/>
-          </a:p>
-          <a:p>
-            <a:pPr>
-              <a:lnSpc>
-                <a:spcPct val="150000"/>
-              </a:lnSpc>
-            </a:pPr>
-            <a:r>
-              <a:rPr lang="en-US" b="1" dirty="0"/>
-              <a:t>Dimensionality </a:t>
-            </a:r>
-            <a:r>
-              <a:rPr lang="en-US" b="1" dirty="0" smtClean="0"/>
-              <a:t>reduction</a:t>
-            </a:r>
-            <a:r>
-              <a:rPr lang="en-US" altLang="zh-CN" b="1" dirty="0" smtClean="0"/>
-              <a:t>:</a:t>
-            </a:r>
-            <a:r>
-              <a:rPr lang="zh-CN" altLang="en-US" b="1" dirty="0" smtClean="0"/>
-              <a:t> </a:t>
-            </a:r>
-            <a:r>
-              <a:rPr lang="en-US" altLang="zh-CN" dirty="0" smtClean="0"/>
-              <a:t>principal </a:t>
-            </a:r>
-            <a:r>
-              <a:rPr lang="en-US" altLang="zh-CN" dirty="0"/>
-              <a:t>component analysis (PCA</a:t>
-            </a:r>
-            <a:r>
-              <a:rPr lang="en-US" altLang="zh-CN" dirty="0" smtClean="0"/>
+              <a:rPr lang="en-US" altLang="zh-CN" sz="2800" dirty="0"/>
+              <a:t>A</a:t>
+            </a:r>
+            <a:r>
+              <a:rPr lang="en-US" altLang="zh-CN" sz="2800" dirty="0" smtClean="0"/>
+              <a:t>lternating </a:t>
+            </a:r>
+            <a:r>
+              <a:rPr lang="en-US" altLang="zh-CN" sz="2800" dirty="0"/>
+              <a:t>L</a:t>
+            </a:r>
+            <a:r>
+              <a:rPr lang="en-US" altLang="zh-CN" sz="2800" dirty="0" smtClean="0"/>
+              <a:t>east </a:t>
+            </a:r>
+            <a:r>
+              <a:rPr lang="en-US" altLang="zh-CN" sz="2800" dirty="0"/>
+              <a:t>S</a:t>
+            </a:r>
+            <a:r>
+              <a:rPr lang="en-US" altLang="zh-CN" sz="2800" dirty="0" smtClean="0"/>
+              <a:t>quares </a:t>
+            </a:r>
+            <a:r>
+              <a:rPr lang="en-US" altLang="zh-CN" sz="2800" dirty="0"/>
+              <a:t>(ALS</a:t>
+            </a:r>
+            <a:r>
+              <a:rPr lang="en-US" altLang="zh-CN" sz="2800" dirty="0" smtClean="0"/>
               <a:t>)</a:t>
             </a:r>
-            <a:endParaRPr lang="zh-CN" altLang="en-US" dirty="0" smtClean="0"/>
-          </a:p>
-          <a:p>
-            <a:pPr>
-              <a:lnSpc>
-                <a:spcPct val="150000"/>
-              </a:lnSpc>
-            </a:pPr>
-            <a:r>
-              <a:rPr lang="en-US" b="1" dirty="0"/>
-              <a:t>Collaborative filtering</a:t>
-            </a:r>
-            <a:r>
-              <a:rPr lang="en-US" altLang="zh-CN" b="1" dirty="0"/>
-              <a:t>:</a:t>
-            </a:r>
-            <a:r>
-              <a:rPr lang="zh-CN" altLang="en-US" dirty="0"/>
-              <a:t> </a:t>
-            </a:r>
-            <a:r>
-              <a:rPr lang="en-US" altLang="zh-CN" dirty="0"/>
-              <a:t>alternating least squares (ALS</a:t>
-            </a:r>
-            <a:r>
-              <a:rPr lang="en-US" altLang="zh-CN" dirty="0" smtClean="0"/>
-              <a:t>)</a:t>
-            </a:r>
-            <a:endParaRPr lang="zh-CN" altLang="en-US" dirty="0" smtClean="0"/>
+            <a:endParaRPr lang="zh-CN" altLang="en-US" sz="2800" dirty="0" smtClean="0"/>
           </a:p>
           <a:p>
             <a:endParaRPr lang="en-US" b="1" dirty="0"/>
@@ -22007,10 +22061,10 @@
           <a:bodyPr/>
           <a:lstStyle/>
           <a:p>
-            <a:r>
+            <a:fld id="{B7997DC5-11A0-E942-8E81-8F3CCC6C74BE}" type="datetime1">
               <a:rPr lang="en-US" smtClean="0"/>
-              <a:t>01/05/16</a:t>
-            </a:r>
+              <a:t>12/24/16</a:t>
+            </a:fld>
             <a:endParaRPr lang="en-US" dirty="0"/>
           </a:p>
         </p:txBody>
@@ -22069,8 +22123,64 @@
         </p:nvSpPr>
         <p:spPr>
           <a:xfrm>
-            <a:off x="240830" y="1976212"/>
-            <a:ext cx="886461" cy="369332"/>
+            <a:off x="1214069" y="2055053"/>
+            <a:ext cx="1219095" cy="461665"/>
+          </a:xfrm>
+          <a:prstGeom prst="rect">
+            <a:avLst/>
+          </a:prstGeom>
+          <a:solidFill>
+            <a:schemeClr val="accent1"/>
+          </a:solidFill>
+        </p:spPr>
+        <p:txBody>
+          <a:bodyPr wrap="square" rtlCol="0">
+            <a:spAutoFit/>
+          </a:bodyPr>
+          <a:lstStyle/>
+          <a:p>
+            <a:r>
+              <a:rPr lang="en-US" altLang="zh-CN" sz="2400" dirty="0" smtClean="0">
+                <a:solidFill>
+                  <a:schemeClr val="bg1"/>
+                </a:solidFill>
+              </a:rPr>
+              <a:t>Week</a:t>
+            </a:r>
+            <a:r>
+              <a:rPr lang="zh-CN" altLang="en-US" sz="2400" dirty="0" smtClean="0">
+                <a:solidFill>
+                  <a:schemeClr val="bg1"/>
+                </a:solidFill>
+              </a:rPr>
+              <a:t> </a:t>
+            </a:r>
+            <a:r>
+              <a:rPr lang="en-US" altLang="zh-CN" sz="2400" dirty="0" smtClean="0">
+                <a:solidFill>
+                  <a:schemeClr val="bg1"/>
+                </a:solidFill>
+              </a:rPr>
+              <a:t>2</a:t>
+            </a:r>
+            <a:endParaRPr lang="en-US" sz="2400" dirty="0">
+              <a:solidFill>
+                <a:schemeClr val="bg1"/>
+              </a:solidFill>
+            </a:endParaRPr>
+          </a:p>
+        </p:txBody>
+      </p:sp>
+      <p:sp>
+        <p:nvSpPr>
+          <p:cNvPr id="8" name="TextBox 7"/>
+          <p:cNvSpPr txBox="1"/>
+          <p:nvPr/>
+        </p:nvSpPr>
+        <p:spPr>
+          <a:xfrm>
+            <a:off x="1214070" y="3438498"/>
+            <a:ext cx="1119345" cy="461665"/>
           </a:xfrm>
           <a:prstGeom prst="rect">
             <a:avLst/>
@@ -22086,7 +22196,7 @@
           <a:lstStyle/>
           <a:p>
             <a:r>
-              <a:rPr lang="en-US" altLang="zh-CN" dirty="0" smtClean="0">
+              <a:rPr lang="en-US" altLang="zh-CN" sz="2400" dirty="0" smtClean="0">
                 <a:solidFill>
                   <a:schemeClr val="bg1"/>
                 </a:solidFill>
@@ -22094,7 +22204,7 @@
               <a:t>Week</a:t>
             </a:r>
             <a:r>
-              <a:rPr lang="zh-CN" altLang="en-US" dirty="0" smtClean="0">
+              <a:rPr lang="zh-CN" altLang="en-US" sz="2400" dirty="0" smtClean="0">
                 <a:solidFill>
                   <a:schemeClr val="bg1"/>
                 </a:solidFill>
@@ -22102,14 +22212,14 @@
               <a:t> </a:t>
             </a:r>
             <a:r>
-              <a:rPr lang="en-US" altLang="zh-CN" dirty="0" smtClean="0">
+              <a:rPr lang="en-US" altLang="zh-CN" sz="2400" dirty="0" smtClean="0">
                 <a:solidFill>
                   <a:schemeClr val="bg1"/>
                 </a:solidFill>
               </a:rPr>
-              <a:t>2</a:t>
-            </a:r>
-            <a:endParaRPr lang="en-US" dirty="0">
+              <a:t>3</a:t>
+            </a:r>
+            <a:endParaRPr lang="en-US" sz="2400" dirty="0">
               <a:solidFill>
                 <a:schemeClr val="bg1"/>
               </a:solidFill>
@@ -22119,14 +22229,14 @@
       </p:sp>
       <p:sp>
         <p:nvSpPr>
-          <p:cNvPr id="8" name="TextBox 7"/>
+          <p:cNvPr id="10" name="TextBox 9"/>
           <p:cNvSpPr txBox="1"/>
           <p:nvPr/>
         </p:nvSpPr>
         <p:spPr>
           <a:xfrm>
-            <a:off x="240830" y="2758980"/>
-            <a:ext cx="886461" cy="369332"/>
+            <a:off x="1214069" y="4821943"/>
+            <a:ext cx="1119345" cy="461665"/>
           </a:xfrm>
           <a:prstGeom prst="rect">
             <a:avLst/>
@@ -22142,7 +22252,7 @@
           <a:lstStyle/>
           <a:p>
             <a:r>
-              <a:rPr lang="en-US" altLang="zh-CN" dirty="0" smtClean="0">
+              <a:rPr lang="en-US" altLang="zh-CN" sz="2400" dirty="0" smtClean="0">
                 <a:solidFill>
                   <a:schemeClr val="bg1"/>
                 </a:solidFill>
@@ -22150,7 +22260,7 @@
               <a:t>Week</a:t>
             </a:r>
             <a:r>
-              <a:rPr lang="zh-CN" altLang="en-US" dirty="0" smtClean="0">
+              <a:rPr lang="zh-CN" altLang="en-US" sz="2400" dirty="0" smtClean="0">
                 <a:solidFill>
                   <a:schemeClr val="bg1"/>
                 </a:solidFill>
@@ -22158,238 +22268,14 @@
               <a:t> </a:t>
             </a:r>
             <a:r>
-              <a:rPr lang="en-US" altLang="zh-CN" dirty="0" smtClean="0">
+              <a:rPr lang="en-US" altLang="zh-CN" sz="2400" dirty="0" smtClean="0">
                 <a:solidFill>
                   <a:schemeClr val="bg1"/>
                 </a:solidFill>
               </a:rPr>
-              <a:t>2</a:t>
-            </a:r>
-            <a:endParaRPr lang="en-US" dirty="0">
-              <a:solidFill>
-                <a:schemeClr val="bg1"/>
-              </a:solidFill>
-            </a:endParaRPr>
-          </a:p>
-        </p:txBody>
-      </p:sp>
-      <p:sp>
-        <p:nvSpPr>
-          <p:cNvPr id="9" name="TextBox 8"/>
-          <p:cNvSpPr txBox="1"/>
-          <p:nvPr/>
-        </p:nvSpPr>
-        <p:spPr>
-          <a:xfrm>
-            <a:off x="240830" y="3471037"/>
-            <a:ext cx="886461" cy="369332"/>
-          </a:xfrm>
-          <a:prstGeom prst="rect">
-            <a:avLst/>
-          </a:prstGeom>
-          <a:solidFill>
-            <a:schemeClr val="accent1"/>
-          </a:solidFill>
-        </p:spPr>
-        <p:txBody>
-          <a:bodyPr wrap="none" rtlCol="0">
-            <a:spAutoFit/>
-          </a:bodyPr>
-          <a:lstStyle/>
-          <a:p>
-            <a:r>
-              <a:rPr lang="en-US" altLang="zh-CN" dirty="0" smtClean="0">
-                <a:solidFill>
-                  <a:schemeClr val="bg1"/>
-                </a:solidFill>
-              </a:rPr>
-              <a:t>Week</a:t>
-            </a:r>
-            <a:r>
-              <a:rPr lang="zh-CN" altLang="en-US" dirty="0" smtClean="0">
-                <a:solidFill>
-                  <a:schemeClr val="bg1"/>
-                </a:solidFill>
-              </a:rPr>
-              <a:t> </a:t>
-            </a:r>
-            <a:r>
-              <a:rPr lang="en-US" altLang="zh-CN" dirty="0">
-                <a:solidFill>
-                  <a:schemeClr val="bg1"/>
-                </a:solidFill>
-              </a:rPr>
-              <a:t>3</a:t>
-            </a:r>
-            <a:endParaRPr lang="en-US" dirty="0">
-              <a:solidFill>
-                <a:schemeClr val="bg1"/>
-              </a:solidFill>
-            </a:endParaRPr>
-          </a:p>
-        </p:txBody>
-      </p:sp>
-      <p:sp>
-        <p:nvSpPr>
-          <p:cNvPr id="10" name="TextBox 9"/>
-          <p:cNvSpPr txBox="1"/>
-          <p:nvPr/>
-        </p:nvSpPr>
-        <p:spPr>
-          <a:xfrm>
-            <a:off x="240830" y="4230467"/>
-            <a:ext cx="886461" cy="369332"/>
-          </a:xfrm>
-          <a:prstGeom prst="rect">
-            <a:avLst/>
-          </a:prstGeom>
-          <a:solidFill>
-            <a:schemeClr val="accent1"/>
-          </a:solidFill>
-        </p:spPr>
-        <p:txBody>
-          <a:bodyPr wrap="none" rtlCol="0">
-            <a:spAutoFit/>
-          </a:bodyPr>
-          <a:lstStyle/>
-          <a:p>
-            <a:r>
-              <a:rPr lang="en-US" altLang="zh-CN" dirty="0" smtClean="0">
-                <a:solidFill>
-                  <a:schemeClr val="bg1"/>
-                </a:solidFill>
-              </a:rPr>
-              <a:t>Week</a:t>
-            </a:r>
-            <a:r>
-              <a:rPr lang="zh-CN" altLang="en-US" dirty="0" smtClean="0">
-                <a:solidFill>
-                  <a:schemeClr val="bg1"/>
-                </a:solidFill>
-              </a:rPr>
-              <a:t> </a:t>
-            </a:r>
-            <a:r>
-              <a:rPr lang="en-US" altLang="zh-CN" dirty="0" smtClean="0">
-                <a:solidFill>
-                  <a:schemeClr val="bg1"/>
-                </a:solidFill>
-              </a:rPr>
               <a:t>4</a:t>
             </a:r>
-            <a:endParaRPr lang="en-US" dirty="0">
-              <a:solidFill>
-                <a:schemeClr val="bg1"/>
-              </a:solidFill>
-            </a:endParaRPr>
-          </a:p>
-        </p:txBody>
-      </p:sp>
-      <p:sp>
-        <p:nvSpPr>
-          <p:cNvPr id="11" name="TextBox 10"/>
-          <p:cNvSpPr txBox="1"/>
-          <p:nvPr/>
-        </p:nvSpPr>
-        <p:spPr>
-          <a:xfrm>
-            <a:off x="240830" y="4899393"/>
-            <a:ext cx="886461" cy="369332"/>
-          </a:xfrm>
-          <a:prstGeom prst="rect">
-            <a:avLst/>
-          </a:prstGeom>
-          <a:solidFill>
-            <a:schemeClr val="accent1"/>
-          </a:solidFill>
-        </p:spPr>
-        <p:txBody>
-          <a:bodyPr wrap="none" rtlCol="0">
-            <a:spAutoFit/>
-          </a:bodyPr>
-          <a:lstStyle/>
-          <a:p>
-            <a:r>
-              <a:rPr lang="en-US" altLang="zh-CN" smtClean="0">
-                <a:solidFill>
-                  <a:schemeClr val="bg1"/>
-                </a:solidFill>
-              </a:rPr>
-              <a:t>Week</a:t>
-            </a:r>
-            <a:r>
-              <a:rPr lang="zh-CN" altLang="en-US" dirty="0" smtClean="0">
-                <a:solidFill>
-                  <a:schemeClr val="bg1"/>
-                </a:solidFill>
-              </a:rPr>
-              <a:t> </a:t>
-            </a:r>
-            <a:r>
-              <a:rPr lang="en-US" altLang="zh-CN" dirty="0" smtClean="0">
-                <a:solidFill>
-                  <a:schemeClr val="bg1"/>
-                </a:solidFill>
-              </a:rPr>
-              <a:t>4</a:t>
-            </a:r>
-            <a:endParaRPr lang="en-US" dirty="0">
-              <a:solidFill>
-                <a:schemeClr val="bg1"/>
-              </a:solidFill>
-            </a:endParaRPr>
-          </a:p>
-        </p:txBody>
-      </p:sp>
-      <p:sp>
-        <p:nvSpPr>
-          <p:cNvPr id="12" name="TextBox 11"/>
-          <p:cNvSpPr txBox="1"/>
-          <p:nvPr/>
-        </p:nvSpPr>
-        <p:spPr>
-          <a:xfrm>
-            <a:off x="240830" y="5679589"/>
-            <a:ext cx="886461" cy="369332"/>
-          </a:xfrm>
-          <a:prstGeom prst="rect">
-            <a:avLst/>
-          </a:prstGeom>
-          <a:solidFill>
-            <a:schemeClr val="accent1"/>
-          </a:solidFill>
-        </p:spPr>
-        <p:txBody>
-          <a:bodyPr wrap="none" rtlCol="0">
-            <a:spAutoFit/>
-          </a:bodyPr>
-          <a:lstStyle/>
-          <a:p>
-            <a:r>
-              <a:rPr lang="en-US" altLang="zh-CN" dirty="0" smtClean="0">
-                <a:solidFill>
-                  <a:schemeClr val="bg1"/>
-                </a:solidFill>
-              </a:rPr>
-              <a:t>Week</a:t>
-            </a:r>
-            <a:r>
-              <a:rPr lang="zh-CN" altLang="en-US" dirty="0" smtClean="0">
-                <a:solidFill>
-                  <a:schemeClr val="bg1"/>
-                </a:solidFill>
-              </a:rPr>
-              <a:t> </a:t>
-            </a:r>
-            <a:r>
-              <a:rPr lang="en-US" altLang="zh-CN" dirty="0" smtClean="0">
-                <a:solidFill>
-                  <a:schemeClr val="bg1"/>
-                </a:solidFill>
-              </a:rPr>
-              <a:t>5</a:t>
-            </a:r>
-            <a:endParaRPr lang="en-US" dirty="0">
+            <a:endParaRPr lang="en-US" sz="2400" dirty="0">
               <a:solidFill>
                 <a:schemeClr val="bg1"/>
               </a:solidFill>
@@ -22495,88 +22381,7 @@
                                           </p:stCondLst>
                                         </p:cTn>
                                         <p:tgtEl>
-                                          <p:spTgt spid="9"/>
-                                        </p:tgtEl>
-                                        <p:attrNameLst>
-                                          <p:attrName>style.visibility</p:attrName>
-                                        </p:attrNameLst>
-                                      </p:cBhvr>
-                                      <p:to>
-                                        <p:strVal val="visible"/>
-                                      </p:to>
-                                    </p:set>
-                                  </p:childTnLst>
-                                </p:cTn>
-                              </p:par>
-                              <p:par>
-                                <p:cTn id="11" presetID="1" presetClass="entr" presetSubtype="0" fill="hold" grpId="0" nodeType="withEffect">
-                                  <p:stCondLst>
-                                    <p:cond delay="0"/>
-                                  </p:stCondLst>
-                                  <p:childTnLst>
-                                    <p:set>
-                                      <p:cBhvr>
-                                        <p:cTn id="12" dur="1" fill="hold">
-                                          <p:stCondLst>
-                                            <p:cond delay="0"/>
-                                          </p:stCondLst>
-                                        </p:cTn>
-                                        <p:tgtEl>
                                           <p:spTgt spid="10"/>
-                                        </p:tgtEl>
-                                        <p:attrNameLst>
-                                          <p:attrName>style.visibility</p:attrName>
-                                        </p:attrNameLst>
-                                      </p:cBhvr>
-                                      <p:to>
-                                        <p:strVal val="visible"/>
-                                      </p:to>
-                                    </p:set>
-                                  </p:childTnLst>
-                                </p:cTn>
-                              </p:par>
-                              <p:par>
-                                <p:cTn id="13" presetID="1" presetClass="entr" presetSubtype="0" fill="hold" grpId="0" nodeType="withEffect">
-                                  <p:stCondLst>
-                                    <p:cond delay="0"/>
-                                  </p:stCondLst>
-                                  <p:childTnLst>
-                                    <p:set>
-                                      <p:cBhvr>
-                                        <p:cTn id="14" dur="1" fill="hold">
-                                          <p:stCondLst>
-                                            <p:cond delay="0"/>
-                                          </p:stCondLst>
-                                        </p:cTn>
-                                        <p:tgtEl>
-                                          <p:spTgt spid="11"/>
-                                        </p:tgtEl>
-                                        <p:attrNameLst>
-                                          <p:attrName>style.visibility</p:attrName>
-                                        </p:attrNameLst>
-                                      </p:cBhvr>
-                                      <p:to>
-                                        <p:strVal val="visible"/>
-                                      </p:to>
-                                    </p:set>
-                                  </p:childTnLst>
-                                </p:cTn>
-                              </p:par>
-                              <p:par>
-                                <p:cTn id="15" presetID="1" presetClass="entr" presetSubtype="0" fill="hold" grpId="0" nodeType="withEffect">
-                                  <p:stCondLst>
-                                    <p:cond delay="0"/>
-                                  </p:stCondLst>
-                                  <p:childTnLst>
-                                    <p:set>
-                                      <p:cBhvr>
-                                        <p:cTn id="16" dur="1" fill="hold">
-                                          <p:stCondLst>
-                                            <p:cond delay="0"/>
-                                          </p:stCondLst>
-                                        </p:cTn>
-                                        <p:tgtEl>
-                                          <p:spTgt spid="12"/>
                                         </p:tgtEl>
                                         <p:attrNameLst>
                                           <p:attrName>style.visibility</p:attrName>
@@ -22619,10 +22424,7 @@
     <p:bldLst>
       <p:bldP spid="7" grpId="0" animBg="1"/>
       <p:bldP spid="8" grpId="0" animBg="1"/>
-      <p:bldP spid="9" grpId="0" animBg="1"/>
       <p:bldP spid="10" grpId="0" animBg="1"/>
-      <p:bldP spid="11" grpId="0" animBg="1"/>
-      <p:bldP spid="12" grpId="0" animBg="1"/>
     </p:bldLst>
   </p:timing>
 </p:sld>
@@ -22702,177 +22504,188 @@
             <p:ph idx="1"/>
           </p:nvPr>
         </p:nvSpPr>
-        <p:spPr/>
+        <p:spPr>
+          <a:xfrm>
+            <a:off x="1097280" y="1845734"/>
+            <a:ext cx="10972800" cy="4023360"/>
+          </a:xfrm>
+        </p:spPr>
         <p:txBody>
           <a:bodyPr/>
           <a:lstStyle/>
           <a:p>
             <a:r>
-              <a:rPr lang="en-US" altLang="zh-CN" b="1" dirty="0" smtClean="0"/>
+              <a:rPr lang="en-US" altLang="zh-CN" sz="3200" b="1" dirty="0" smtClean="0"/>
               <a:t>What</a:t>
             </a:r>
             <a:r>
-              <a:rPr lang="zh-CN" altLang="en-US" b="1" dirty="0" smtClean="0"/>
-              <a:t> </a:t>
-            </a:r>
-            <a:r>
-              <a:rPr lang="en-US" altLang="zh-CN" b="1" dirty="0" smtClean="0"/>
+              <a:rPr lang="zh-CN" altLang="en-US" sz="3200" b="1" dirty="0" smtClean="0"/>
+              <a:t> </a:t>
+            </a:r>
+            <a:r>
+              <a:rPr lang="en-US" altLang="zh-CN" sz="3200" b="1" dirty="0" smtClean="0"/>
               <a:t>is</a:t>
             </a:r>
             <a:r>
-              <a:rPr lang="zh-CN" altLang="en-US" b="1" dirty="0" smtClean="0"/>
-              <a:t> </a:t>
-            </a:r>
-            <a:r>
-              <a:rPr lang="en-US" altLang="zh-CN" b="1" dirty="0" smtClean="0"/>
+              <a:rPr lang="zh-CN" altLang="en-US" sz="3200" b="1" dirty="0" smtClean="0"/>
+              <a:t> </a:t>
+            </a:r>
+            <a:r>
+              <a:rPr lang="en-US" altLang="zh-CN" sz="3200" b="1" dirty="0" smtClean="0"/>
               <a:t>distributed</a:t>
             </a:r>
             <a:r>
-              <a:rPr lang="zh-CN" altLang="en-US" b="1" dirty="0" smtClean="0"/>
-              <a:t> </a:t>
-            </a:r>
-            <a:r>
-              <a:rPr lang="en-US" altLang="zh-CN" b="1" dirty="0" smtClean="0"/>
+              <a:rPr lang="zh-CN" altLang="en-US" sz="3200" b="1" dirty="0" smtClean="0"/>
+              <a:t> </a:t>
+            </a:r>
+            <a:r>
+              <a:rPr lang="en-US" altLang="zh-CN" sz="3200" b="1" dirty="0" smtClean="0"/>
               <a:t>ML?</a:t>
             </a:r>
             <a:r>
-              <a:rPr lang="zh-CN" altLang="en-US" b="1" dirty="0" smtClean="0"/>
-              <a:t> </a:t>
-            </a:r>
-          </a:p>
-          <a:p>
-            <a:r>
-              <a:rPr lang="en-US" altLang="zh-CN" b="1" dirty="0" smtClean="0"/>
+              <a:rPr lang="zh-CN" altLang="en-US" sz="3200" b="1" dirty="0" smtClean="0"/>
+              <a:t> </a:t>
+            </a:r>
+            <a:endParaRPr lang="en-US" altLang="zh-CN" sz="3200" b="1" dirty="0" smtClean="0"/>
+          </a:p>
+          <a:p>
+            <a:endParaRPr lang="zh-CN" altLang="en-US" sz="3200" b="1" dirty="0" smtClean="0"/>
+          </a:p>
+          <a:p>
+            <a:r>
+              <a:rPr lang="en-US" altLang="zh-CN" sz="3200" b="1" dirty="0" smtClean="0"/>
               <a:t>How</a:t>
             </a:r>
             <a:r>
-              <a:rPr lang="zh-CN" altLang="en-US" b="1" dirty="0" smtClean="0"/>
-              <a:t> </a:t>
-            </a:r>
-            <a:r>
-              <a:rPr lang="en-US" altLang="zh-CN" b="1" dirty="0" smtClean="0"/>
+              <a:rPr lang="zh-CN" altLang="en-US" sz="3200" b="1" dirty="0" smtClean="0"/>
+              <a:t> </a:t>
+            </a:r>
+            <a:r>
+              <a:rPr lang="en-US" altLang="zh-CN" sz="3200" b="1" dirty="0" smtClean="0"/>
               <a:t>different</a:t>
             </a:r>
             <a:r>
-              <a:rPr lang="zh-CN" altLang="en-US" b="1" dirty="0" smtClean="0"/>
-              <a:t> </a:t>
-            </a:r>
-            <a:r>
-              <a:rPr lang="en-US" altLang="zh-CN" b="1" dirty="0" smtClean="0"/>
+              <a:rPr lang="zh-CN" altLang="en-US" sz="3200" b="1" dirty="0" smtClean="0"/>
+              <a:t> </a:t>
+            </a:r>
+            <a:r>
+              <a:rPr lang="en-US" altLang="zh-CN" sz="3200" b="1" dirty="0" smtClean="0"/>
               <a:t>is</a:t>
             </a:r>
             <a:r>
-              <a:rPr lang="zh-CN" altLang="en-US" b="1" dirty="0" smtClean="0"/>
-              <a:t> </a:t>
-            </a:r>
-            <a:r>
-              <a:rPr lang="en-US" altLang="zh-CN" b="1" dirty="0" smtClean="0"/>
+              <a:rPr lang="zh-CN" altLang="en-US" sz="3200" b="1" dirty="0" smtClean="0"/>
+              <a:t> </a:t>
+            </a:r>
+            <a:r>
+              <a:rPr lang="en-US" altLang="zh-CN" sz="3200" b="1" dirty="0" smtClean="0"/>
               <a:t>it</a:t>
             </a:r>
             <a:r>
-              <a:rPr lang="zh-CN" altLang="en-US" b="1" dirty="0" smtClean="0"/>
-              <a:t> </a:t>
-            </a:r>
-            <a:r>
-              <a:rPr lang="en-US" altLang="zh-CN" b="1" dirty="0" smtClean="0"/>
+              <a:rPr lang="zh-CN" altLang="en-US" sz="3200" b="1" dirty="0" smtClean="0"/>
+              <a:t> </a:t>
+            </a:r>
+            <a:r>
+              <a:rPr lang="en-US" altLang="zh-CN" sz="3200" b="1" dirty="0" smtClean="0"/>
               <a:t>from</a:t>
             </a:r>
             <a:r>
-              <a:rPr lang="zh-CN" altLang="en-US" b="1" dirty="0" smtClean="0"/>
-              <a:t> </a:t>
-            </a:r>
-            <a:r>
-              <a:rPr lang="en-US" altLang="zh-CN" b="1" dirty="0" smtClean="0"/>
+              <a:rPr lang="zh-CN" altLang="en-US" sz="3200" b="1" dirty="0" smtClean="0"/>
+              <a:t> </a:t>
+            </a:r>
+            <a:r>
+              <a:rPr lang="en-US" altLang="zh-CN" sz="3200" b="1" dirty="0" smtClean="0"/>
               <a:t>non-distributed</a:t>
             </a:r>
             <a:r>
-              <a:rPr lang="zh-CN" altLang="en-US" b="1" dirty="0" smtClean="0"/>
-              <a:t> </a:t>
-            </a:r>
-            <a:r>
-              <a:rPr lang="en-US" altLang="zh-CN" b="1" dirty="0" smtClean="0"/>
-              <a:t>ML?</a:t>
-            </a:r>
-            <a:endParaRPr lang="zh-CN" altLang="en-US" b="1" dirty="0" smtClean="0"/>
-          </a:p>
-          <a:p>
-            <a:r>
-              <a:rPr lang="en-US" altLang="zh-CN" b="1" dirty="0" smtClean="0"/>
+              <a:rPr lang="zh-CN" altLang="en-US" sz="3200" b="1" dirty="0" smtClean="0"/>
+              <a:t> </a:t>
+            </a:r>
+            <a:r>
+              <a:rPr lang="en-US" altLang="zh-CN" sz="3200" b="1" dirty="0" smtClean="0"/>
+              <a:t>ML</a:t>
+            </a:r>
+            <a:r>
+              <a:rPr lang="en-US" altLang="zh-CN" sz="3200" b="1" dirty="0" smtClean="0"/>
+              <a:t>?</a:t>
+            </a:r>
+          </a:p>
+          <a:p>
+            <a:endParaRPr lang="zh-CN" altLang="en-US" sz="3200" b="1" dirty="0" smtClean="0"/>
+          </a:p>
+          <a:p>
+            <a:r>
+              <a:rPr lang="en-US" altLang="zh-CN" sz="3200" b="1" dirty="0" smtClean="0"/>
               <a:t>How</a:t>
             </a:r>
             <a:r>
-              <a:rPr lang="zh-CN" altLang="en-US" b="1" dirty="0" smtClean="0"/>
-              <a:t> </a:t>
-            </a:r>
-            <a:r>
-              <a:rPr lang="en-US" altLang="zh-CN" b="1" dirty="0" smtClean="0"/>
+              <a:rPr lang="zh-CN" altLang="en-US" sz="3200" b="1" dirty="0" smtClean="0"/>
+              <a:t> </a:t>
+            </a:r>
+            <a:r>
+              <a:rPr lang="en-US" altLang="zh-CN" sz="3200" b="1" dirty="0" smtClean="0"/>
               <a:t>to</a:t>
             </a:r>
             <a:r>
-              <a:rPr lang="zh-CN" altLang="en-US" b="1" dirty="0" smtClean="0"/>
-              <a:t> </a:t>
-            </a:r>
-            <a:r>
-              <a:rPr lang="en-US" altLang="zh-CN" b="1" dirty="0" smtClean="0"/>
+              <a:rPr lang="zh-CN" altLang="en-US" sz="3200" b="1" dirty="0" smtClean="0"/>
+              <a:t> </a:t>
+            </a:r>
+            <a:r>
+              <a:rPr lang="en-US" altLang="zh-CN" sz="3200" b="1" dirty="0" smtClean="0"/>
               <a:t>evaluate</a:t>
             </a:r>
             <a:r>
-              <a:rPr lang="zh-CN" altLang="en-US" b="1" dirty="0" smtClean="0"/>
-              <a:t> </a:t>
-            </a:r>
-            <a:r>
-              <a:rPr lang="en-US" altLang="zh-CN" b="1" dirty="0" smtClean="0"/>
+              <a:rPr lang="zh-CN" altLang="en-US" sz="3200" b="1" dirty="0" smtClean="0"/>
+              <a:t> </a:t>
+            </a:r>
+            <a:r>
+              <a:rPr lang="en-US" altLang="zh-CN" sz="3200" b="1" dirty="0" smtClean="0"/>
               <a:t>the</a:t>
             </a:r>
             <a:r>
-              <a:rPr lang="zh-CN" altLang="en-US" b="1" dirty="0" smtClean="0"/>
-              <a:t> </a:t>
-            </a:r>
-            <a:r>
-              <a:rPr lang="en-US" altLang="zh-CN" b="1" dirty="0" smtClean="0"/>
+              <a:rPr lang="zh-CN" altLang="en-US" sz="3200" b="1" dirty="0" smtClean="0"/>
+              <a:t> </a:t>
+            </a:r>
+            <a:r>
+              <a:rPr lang="en-US" altLang="zh-CN" sz="3200" b="1" dirty="0" smtClean="0"/>
               <a:t>performance</a:t>
             </a:r>
             <a:r>
-              <a:rPr lang="zh-CN" altLang="en-US" b="1" dirty="0" smtClean="0"/>
-              <a:t> </a:t>
-            </a:r>
-            <a:r>
-              <a:rPr lang="en-US" altLang="zh-CN" b="1" dirty="0" smtClean="0"/>
+              <a:rPr lang="zh-CN" altLang="en-US" sz="3200" b="1" dirty="0" smtClean="0"/>
+              <a:t> </a:t>
+            </a:r>
+            <a:r>
+              <a:rPr lang="en-US" altLang="zh-CN" sz="3200" b="1" dirty="0" smtClean="0"/>
               <a:t>of</a:t>
             </a:r>
             <a:r>
-              <a:rPr lang="zh-CN" altLang="en-US" b="1" dirty="0" smtClean="0"/>
-              <a:t> </a:t>
-            </a:r>
-            <a:r>
-              <a:rPr lang="en-US" altLang="zh-CN" b="1" dirty="0" smtClean="0"/>
+              <a:rPr lang="zh-CN" altLang="en-US" sz="3200" b="1" dirty="0" smtClean="0"/>
+              <a:t> </a:t>
+            </a:r>
+            <a:r>
+              <a:rPr lang="en-US" altLang="zh-CN" sz="3200" b="1" dirty="0" smtClean="0"/>
               <a:t>distributed</a:t>
             </a:r>
             <a:r>
-              <a:rPr lang="zh-CN" altLang="en-US" b="1" dirty="0" smtClean="0"/>
-              <a:t> </a:t>
-            </a:r>
-            <a:r>
-              <a:rPr lang="en-US" altLang="zh-CN" b="1" dirty="0" smtClean="0"/>
+              <a:rPr lang="zh-CN" altLang="en-US" sz="3200" b="1" dirty="0" smtClean="0"/>
+              <a:t> </a:t>
+            </a:r>
+            <a:r>
+              <a:rPr lang="en-US" altLang="zh-CN" sz="3200" b="1" dirty="0" smtClean="0"/>
               <a:t>ML</a:t>
             </a:r>
             <a:r>
-              <a:rPr lang="zh-CN" altLang="en-US" b="1" dirty="0" smtClean="0"/>
-              <a:t> </a:t>
-            </a:r>
-            <a:r>
-              <a:rPr lang="en-US" altLang="zh-CN" b="1" smtClean="0"/>
-              <a:t>algorithms</a:t>
-            </a:r>
-            <a:r>
-              <a:rPr lang="en-US" altLang="zh-CN" b="1" dirty="0" smtClean="0"/>
-              <a:t>?</a:t>
-            </a:r>
-            <a:r>
-              <a:rPr lang="zh-CN" altLang="en-US" b="1" dirty="0" smtClean="0"/>
-              <a:t> </a:t>
-            </a:r>
-            <a:endParaRPr lang="zh-CN" altLang="en-US" b="1" dirty="0"/>
+              <a:rPr lang="zh-CN" altLang="en-US" sz="3200" b="1" dirty="0" smtClean="0"/>
+              <a:t> </a:t>
+            </a:r>
+            <a:r>
+              <a:rPr lang="en-US" altLang="zh-CN" sz="3200" b="1" dirty="0" smtClean="0"/>
+              <a:t>algorithms?</a:t>
+            </a:r>
+            <a:r>
+              <a:rPr lang="zh-CN" altLang="en-US" sz="3200" b="1" dirty="0" smtClean="0"/>
+              <a:t> </a:t>
+            </a:r>
+            <a:endParaRPr lang="zh-CN" altLang="en-US" sz="3200" b="1" dirty="0"/>
           </a:p>
           <a:p>
             <a:endParaRPr lang="en-US" dirty="0"/>
@@ -22894,10 +22707,10 @@
           <a:bodyPr/>
           <a:lstStyle/>
           <a:p>
-            <a:r>
+            <a:fld id="{141871CB-DCFA-2A4B-A42E-F15437DC9A11}" type="datetime1">
               <a:rPr lang="en-US" smtClean="0"/>
-              <a:t>01/05/16</a:t>
-            </a:r>
+              <a:t>12/24/16</a:t>
+            </a:fld>
             <a:endParaRPr lang="en-US" dirty="0"/>
           </a:p>
         </p:txBody>
@@ -23049,52 +22862,59 @@
             <p:ph idx="1"/>
           </p:nvPr>
         </p:nvSpPr>
-        <p:spPr/>
+        <p:spPr>
+          <a:xfrm>
+            <a:off x="1097279" y="1845734"/>
+            <a:ext cx="10956175" cy="4023360"/>
+          </a:xfrm>
+        </p:spPr>
         <p:txBody>
-          <a:bodyPr/>
+          <a:bodyPr>
+            <a:normAutofit/>
+          </a:bodyPr>
           <a:lstStyle/>
           <a:p>
             <a:r>
-              <a:rPr lang="en-US" altLang="zh-CN" b="1" dirty="0" smtClean="0"/>
+              <a:rPr lang="en-US" altLang="zh-CN" sz="3200" b="1" dirty="0" smtClean="0"/>
               <a:t>A</a:t>
             </a:r>
             <a:r>
-              <a:rPr lang="zh-CN" altLang="en-US" b="1" dirty="0" smtClean="0"/>
-              <a:t> </a:t>
-            </a:r>
-            <a:r>
-              <a:rPr lang="en-US" altLang="zh-CN" b="1" dirty="0" smtClean="0"/>
+              <a:rPr lang="zh-CN" altLang="en-US" sz="3200" b="1" dirty="0" smtClean="0"/>
+              <a:t> </a:t>
+            </a:r>
+            <a:r>
+              <a:rPr lang="en-US" altLang="zh-CN" sz="3200" b="1" dirty="0" smtClean="0"/>
               <a:t>Hot</a:t>
             </a:r>
             <a:r>
-              <a:rPr lang="zh-CN" altLang="en-US" b="1" dirty="0" smtClean="0"/>
-              <a:t> </a:t>
-            </a:r>
-            <a:r>
-              <a:rPr lang="en-US" altLang="zh-CN" b="1" dirty="0" smtClean="0"/>
+              <a:rPr lang="zh-CN" altLang="en-US" sz="3200" b="1" dirty="0" smtClean="0"/>
+              <a:t> </a:t>
+            </a:r>
+            <a:r>
+              <a:rPr lang="en-US" altLang="zh-CN" sz="3200" b="1" dirty="0" smtClean="0"/>
               <a:t>topic!</a:t>
             </a:r>
             <a:r>
-              <a:rPr lang="zh-CN" altLang="en-US" b="1" dirty="0" smtClean="0"/>
-              <a:t> </a:t>
-            </a:r>
-            <a:r>
-              <a:rPr lang="en-US" altLang="zh-CN" b="1" dirty="0" smtClean="0"/>
+              <a:rPr lang="zh-CN" altLang="en-US" sz="3200" b="1" dirty="0" smtClean="0"/>
+              <a:t> </a:t>
+            </a:r>
+            <a:r>
+              <a:rPr lang="en-US" altLang="zh-CN" sz="3200" b="1" dirty="0" smtClean="0"/>
               <a:t>Many</a:t>
             </a:r>
             <a:r>
-              <a:rPr lang="zh-CN" altLang="en-US" b="1" dirty="0" smtClean="0"/>
-              <a:t> </a:t>
-            </a:r>
-            <a:r>
-              <a:rPr lang="en-US" altLang="zh-CN" b="1" dirty="0" smtClean="0"/>
+              <a:rPr lang="zh-CN" altLang="en-US" sz="3200" b="1" dirty="0" smtClean="0"/>
+              <a:t> </a:t>
+            </a:r>
+            <a:r>
+              <a:rPr lang="en-US" altLang="zh-CN" sz="3200" b="1" dirty="0" smtClean="0"/>
               <a:t>Aliases</a:t>
             </a:r>
             <a:r>
-              <a:rPr lang="en-US" altLang="zh-CN" b="1" dirty="0"/>
+              <a:rPr lang="en-US" altLang="zh-CN" sz="3200" b="1" dirty="0"/>
               <a:t>:</a:t>
             </a:r>
-            <a:endParaRPr lang="zh-CN" altLang="en-US" b="1" dirty="0" smtClean="0"/>
+            <a:endParaRPr lang="zh-CN" altLang="en-US" sz="3200" b="1" dirty="0" smtClean="0"/>
           </a:p>
           <a:p>
             <a:pPr lvl="1">
@@ -23103,7 +22923,7 @@
               </a:buClr>
             </a:pPr>
             <a:r>
-              <a:rPr lang="en-US" altLang="zh-CN" dirty="0" smtClean="0">
+              <a:rPr lang="en-US" altLang="zh-CN" sz="2400" dirty="0" smtClean="0">
                 <a:solidFill>
                   <a:schemeClr val="tx1"/>
                 </a:solidFill>
@@ -23111,15 +22931,15 @@
               <a:t>Scalable</a:t>
             </a:r>
             <a:r>
-              <a:rPr lang="zh-CN" altLang="en-US" dirty="0" smtClean="0">
-                <a:solidFill>
-                  <a:schemeClr val="tx1"/>
-                </a:solidFill>
-              </a:rPr>
-              <a:t> </a:t>
-            </a:r>
-            <a:r>
-              <a:rPr lang="en-US" altLang="zh-CN" dirty="0" smtClean="0">
+              <a:rPr lang="zh-CN" altLang="en-US" sz="2400" dirty="0" smtClean="0">
+                <a:solidFill>
+                  <a:schemeClr val="tx1"/>
+                </a:solidFill>
+              </a:rPr>
+              <a:t> </a:t>
+            </a:r>
+            <a:r>
+              <a:rPr lang="en-US" altLang="zh-CN" sz="2400" dirty="0" smtClean="0">
                 <a:solidFill>
                   <a:schemeClr val="tx1"/>
                 </a:solidFill>
@@ -23127,22 +22947,22 @@
               <a:t>Machine</a:t>
             </a:r>
             <a:r>
-              <a:rPr lang="zh-CN" altLang="en-US" dirty="0" smtClean="0">
-                <a:solidFill>
-                  <a:schemeClr val="tx1"/>
-                </a:solidFill>
-              </a:rPr>
-              <a:t> </a:t>
-            </a:r>
-            <a:r>
-              <a:rPr lang="en-US" altLang="zh-CN" dirty="0" smtClean="0">
+              <a:rPr lang="zh-CN" altLang="en-US" sz="2400" dirty="0" smtClean="0">
+                <a:solidFill>
+                  <a:schemeClr val="tx1"/>
+                </a:solidFill>
+              </a:rPr>
+              <a:t> </a:t>
+            </a:r>
+            <a:r>
+              <a:rPr lang="en-US" altLang="zh-CN" sz="2400" dirty="0" smtClean="0">
                 <a:solidFill>
                   <a:schemeClr val="tx1"/>
                 </a:solidFill>
               </a:rPr>
               <a:t>Learning</a:t>
             </a:r>
-            <a:endParaRPr lang="zh-CN" altLang="en-US" dirty="0" smtClean="0">
+            <a:endParaRPr lang="zh-CN" altLang="en-US" sz="2400" dirty="0" smtClean="0">
               <a:solidFill>
                 <a:schemeClr val="tx1"/>
               </a:solidFill>
@@ -23155,7 +22975,7 @@
               </a:buClr>
             </a:pPr>
             <a:r>
-              <a:rPr lang="en-US" altLang="zh-CN" dirty="0" smtClean="0">
+              <a:rPr lang="en-US" altLang="zh-CN" sz="2400" dirty="0" smtClean="0">
                 <a:solidFill>
                   <a:schemeClr val="tx1"/>
                 </a:solidFill>
@@ -23163,15 +22983,15 @@
               <a:t>Large-scale</a:t>
             </a:r>
             <a:r>
-              <a:rPr lang="zh-CN" altLang="en-US" dirty="0" smtClean="0">
-                <a:solidFill>
-                  <a:schemeClr val="tx1"/>
-                </a:solidFill>
-              </a:rPr>
-              <a:t> </a:t>
-            </a:r>
-            <a:r>
-              <a:rPr lang="en-US" altLang="zh-CN" dirty="0" smtClean="0">
+              <a:rPr lang="zh-CN" altLang="en-US" sz="2400" dirty="0" smtClean="0">
+                <a:solidFill>
+                  <a:schemeClr val="tx1"/>
+                </a:solidFill>
+              </a:rPr>
+              <a:t> </a:t>
+            </a:r>
+            <a:r>
+              <a:rPr lang="en-US" altLang="zh-CN" sz="2400" dirty="0" smtClean="0">
                 <a:solidFill>
                   <a:schemeClr val="tx1"/>
                 </a:solidFill>
@@ -23179,22 +22999,22 @@
               <a:t>Machine</a:t>
             </a:r>
             <a:r>
-              <a:rPr lang="zh-CN" altLang="en-US" dirty="0" smtClean="0">
-                <a:solidFill>
-                  <a:schemeClr val="tx1"/>
-                </a:solidFill>
-              </a:rPr>
-              <a:t> </a:t>
-            </a:r>
-            <a:r>
-              <a:rPr lang="en-US" altLang="zh-CN" dirty="0" smtClean="0">
+              <a:rPr lang="zh-CN" altLang="en-US" sz="2400" dirty="0" smtClean="0">
+                <a:solidFill>
+                  <a:schemeClr val="tx1"/>
+                </a:solidFill>
+              </a:rPr>
+              <a:t> </a:t>
+            </a:r>
+            <a:r>
+              <a:rPr lang="en-US" altLang="zh-CN" sz="2400" dirty="0" smtClean="0">
                 <a:solidFill>
                   <a:schemeClr val="tx1"/>
                 </a:solidFill>
               </a:rPr>
               <a:t>Learning</a:t>
             </a:r>
-            <a:endParaRPr lang="zh-CN" altLang="en-US" dirty="0" smtClean="0">
+            <a:endParaRPr lang="zh-CN" altLang="en-US" sz="2400" dirty="0" smtClean="0">
               <a:solidFill>
                 <a:schemeClr val="tx1"/>
               </a:solidFill>
@@ -23207,7 +23027,7 @@
               </a:buClr>
             </a:pPr>
             <a:r>
-              <a:rPr lang="en-US" altLang="zh-CN" dirty="0" smtClean="0">
+              <a:rPr lang="en-US" altLang="zh-CN" sz="2400" dirty="0" smtClean="0">
                 <a:solidFill>
                   <a:schemeClr val="tx1"/>
                 </a:solidFill>
@@ -23215,15 +23035,15 @@
               <a:t>Machine</a:t>
             </a:r>
             <a:r>
-              <a:rPr lang="zh-CN" altLang="en-US" dirty="0" smtClean="0">
-                <a:solidFill>
-                  <a:schemeClr val="tx1"/>
-                </a:solidFill>
-              </a:rPr>
-              <a:t> </a:t>
-            </a:r>
-            <a:r>
-              <a:rPr lang="en-US" altLang="zh-CN" dirty="0" smtClean="0">
+              <a:rPr lang="zh-CN" altLang="en-US" sz="2400" dirty="0" smtClean="0">
+                <a:solidFill>
+                  <a:schemeClr val="tx1"/>
+                </a:solidFill>
+              </a:rPr>
+              <a:t> </a:t>
+            </a:r>
+            <a:r>
+              <a:rPr lang="en-US" altLang="zh-CN" sz="2400" dirty="0" smtClean="0">
                 <a:solidFill>
                   <a:schemeClr val="tx1"/>
                 </a:solidFill>
@@ -23231,15 +23051,15 @@
               <a:t>Learning</a:t>
             </a:r>
             <a:r>
-              <a:rPr lang="zh-CN" altLang="en-US" dirty="0" smtClean="0">
-                <a:solidFill>
-                  <a:schemeClr val="tx1"/>
-                </a:solidFill>
-              </a:rPr>
-              <a:t> </a:t>
-            </a:r>
-            <a:r>
-              <a:rPr lang="en-US" altLang="zh-CN" dirty="0" smtClean="0">
+              <a:rPr lang="zh-CN" altLang="en-US" sz="2400" dirty="0" smtClean="0">
+                <a:solidFill>
+                  <a:schemeClr val="tx1"/>
+                </a:solidFill>
+              </a:rPr>
+              <a:t> </a:t>
+            </a:r>
+            <a:r>
+              <a:rPr lang="en-US" altLang="zh-CN" sz="2400" dirty="0" smtClean="0">
                 <a:solidFill>
                   <a:schemeClr val="tx1"/>
                 </a:solidFill>
@@ -23247,15 +23067,15 @@
               <a:t>for</a:t>
             </a:r>
             <a:r>
-              <a:rPr lang="zh-CN" altLang="en-US" dirty="0" smtClean="0">
-                <a:solidFill>
-                  <a:schemeClr val="tx1"/>
-                </a:solidFill>
-              </a:rPr>
-              <a:t> </a:t>
-            </a:r>
-            <a:r>
-              <a:rPr lang="en-US" altLang="zh-CN" dirty="0" smtClean="0">
+              <a:rPr lang="zh-CN" altLang="en-US" sz="2400" dirty="0" smtClean="0">
+                <a:solidFill>
+                  <a:schemeClr val="tx1"/>
+                </a:solidFill>
+              </a:rPr>
+              <a:t> </a:t>
+            </a:r>
+            <a:r>
+              <a:rPr lang="en-US" altLang="zh-CN" sz="2400" dirty="0" smtClean="0">
                 <a:solidFill>
                   <a:schemeClr val="tx1"/>
                 </a:solidFill>
@@ -23263,22 +23083,22 @@
               <a:t>Big</a:t>
             </a:r>
             <a:r>
-              <a:rPr lang="zh-CN" altLang="en-US" dirty="0" smtClean="0">
-                <a:solidFill>
-                  <a:schemeClr val="tx1"/>
-                </a:solidFill>
-              </a:rPr>
-              <a:t> </a:t>
-            </a:r>
-            <a:r>
-              <a:rPr lang="en-US" altLang="zh-CN" dirty="0" smtClean="0">
+              <a:rPr lang="zh-CN" altLang="en-US" sz="2400" dirty="0" smtClean="0">
+                <a:solidFill>
+                  <a:schemeClr val="tx1"/>
+                </a:solidFill>
+              </a:rPr>
+              <a:t> </a:t>
+            </a:r>
+            <a:r>
+              <a:rPr lang="en-US" altLang="zh-CN" sz="2400" dirty="0" smtClean="0">
                 <a:solidFill>
                   <a:schemeClr val="tx1"/>
                 </a:solidFill>
               </a:rPr>
               <a:t>Data</a:t>
             </a:r>
-            <a:endParaRPr lang="zh-CN" altLang="en-US" dirty="0" smtClean="0">
+            <a:endParaRPr lang="zh-CN" altLang="en-US" sz="2400" dirty="0" smtClean="0">
               <a:solidFill>
                 <a:schemeClr val="tx1"/>
               </a:solidFill>
@@ -23298,106 +23118,106 @@
           </a:p>
           <a:p>
             <a:r>
-              <a:rPr lang="en-US" altLang="zh-CN" b="1" dirty="0" smtClean="0"/>
+              <a:rPr lang="en-US" altLang="zh-CN" sz="3200" b="1" dirty="0" smtClean="0"/>
               <a:t>Take</a:t>
             </a:r>
             <a:r>
-              <a:rPr lang="zh-CN" altLang="en-US" b="1" dirty="0" smtClean="0"/>
-              <a:t> </a:t>
-            </a:r>
-            <a:r>
-              <a:rPr lang="en-US" altLang="zh-CN" b="1" dirty="0" smtClean="0"/>
+              <a:rPr lang="zh-CN" altLang="en-US" sz="3200" b="1" dirty="0" smtClean="0"/>
+              <a:t> </a:t>
+            </a:r>
+            <a:r>
+              <a:rPr lang="en-US" altLang="zh-CN" sz="3200" b="1" dirty="0" smtClean="0"/>
               <a:t>a</a:t>
             </a:r>
             <a:r>
-              <a:rPr lang="zh-CN" altLang="en-US" b="1" dirty="0" smtClean="0"/>
-              <a:t> </a:t>
-            </a:r>
-            <a:r>
-              <a:rPr lang="en-US" altLang="zh-CN" b="1" dirty="0" smtClean="0"/>
+              <a:rPr lang="zh-CN" altLang="en-US" sz="3200" b="1" dirty="0" smtClean="0"/>
+              <a:t> </a:t>
+            </a:r>
+            <a:r>
+              <a:rPr lang="en-US" altLang="zh-CN" sz="3200" b="1" dirty="0" smtClean="0"/>
               <a:t>look</a:t>
             </a:r>
             <a:r>
-              <a:rPr lang="zh-CN" altLang="en-US" b="1" dirty="0" smtClean="0"/>
-              <a:t> </a:t>
-            </a:r>
-            <a:r>
-              <a:rPr lang="en-US" altLang="zh-CN" b="1" dirty="0" smtClean="0"/>
+              <a:rPr lang="zh-CN" altLang="en-US" sz="3200" b="1" dirty="0" smtClean="0"/>
+              <a:t> </a:t>
+            </a:r>
+            <a:r>
+              <a:rPr lang="en-US" altLang="zh-CN" sz="3200" b="1" dirty="0" smtClean="0"/>
               <a:t>at</a:t>
             </a:r>
             <a:r>
-              <a:rPr lang="zh-CN" altLang="en-US" b="1" dirty="0" smtClean="0"/>
-              <a:t> </a:t>
-            </a:r>
-            <a:r>
-              <a:rPr lang="en-US" altLang="zh-CN" b="1" dirty="0" smtClean="0"/>
+              <a:rPr lang="zh-CN" altLang="en-US" sz="3200" b="1" dirty="0" smtClean="0"/>
+              <a:t> </a:t>
+            </a:r>
+            <a:r>
+              <a:rPr lang="en-US" altLang="zh-CN" sz="3200" b="1" dirty="0" smtClean="0"/>
               <a:t>these</a:t>
             </a:r>
             <a:r>
-              <a:rPr lang="zh-CN" altLang="en-US" b="1" dirty="0" smtClean="0"/>
-              <a:t> </a:t>
-            </a:r>
-            <a:r>
-              <a:rPr lang="en-US" altLang="zh-CN" b="1" dirty="0" smtClean="0"/>
+              <a:rPr lang="zh-CN" altLang="en-US" sz="3200" b="1" dirty="0" smtClean="0"/>
+              <a:t> </a:t>
+            </a:r>
+            <a:r>
+              <a:rPr lang="en-US" altLang="zh-CN" sz="3200" b="1" dirty="0" smtClean="0"/>
               <a:t>courses</a:t>
             </a:r>
             <a:r>
-              <a:rPr lang="zh-CN" altLang="en-US" b="1" dirty="0" smtClean="0"/>
-              <a:t> </a:t>
-            </a:r>
-            <a:r>
-              <a:rPr lang="en-US" altLang="zh-CN" b="1" dirty="0" smtClean="0"/>
+              <a:rPr lang="zh-CN" altLang="en-US" sz="3200" b="1" dirty="0" smtClean="0"/>
+              <a:t> </a:t>
+            </a:r>
+            <a:r>
+              <a:rPr lang="en-US" altLang="zh-CN" sz="3200" b="1" dirty="0" smtClean="0"/>
               <a:t>if</a:t>
             </a:r>
             <a:r>
-              <a:rPr lang="zh-CN" altLang="en-US" b="1" dirty="0" smtClean="0"/>
-              <a:t> </a:t>
-            </a:r>
-            <a:r>
-              <a:rPr lang="en-US" altLang="zh-CN" b="1" dirty="0" smtClean="0"/>
+              <a:rPr lang="zh-CN" altLang="en-US" sz="3200" b="1" dirty="0" smtClean="0"/>
+              <a:t> </a:t>
+            </a:r>
+            <a:r>
+              <a:rPr lang="en-US" altLang="zh-CN" sz="3200" b="1" dirty="0" smtClean="0"/>
               <a:t>you</a:t>
             </a:r>
             <a:r>
-              <a:rPr lang="zh-CN" altLang="en-US" b="1" dirty="0" smtClean="0"/>
-              <a:t> </a:t>
-            </a:r>
-            <a:r>
-              <a:rPr lang="en-US" altLang="zh-CN" b="1" dirty="0" smtClean="0"/>
+              <a:rPr lang="zh-CN" altLang="en-US" sz="3200" b="1" dirty="0" smtClean="0"/>
+              <a:t> </a:t>
+            </a:r>
+            <a:r>
+              <a:rPr lang="en-US" altLang="zh-CN" sz="3200" b="1" dirty="0" smtClean="0"/>
               <a:t>want</a:t>
             </a:r>
             <a:r>
-              <a:rPr lang="zh-CN" altLang="en-US" b="1" dirty="0" smtClean="0"/>
-              <a:t> </a:t>
-            </a:r>
-            <a:r>
-              <a:rPr lang="en-US" altLang="zh-CN" b="1" dirty="0" smtClean="0"/>
+              <a:rPr lang="zh-CN" altLang="en-US" sz="3200" b="1" dirty="0" smtClean="0"/>
+              <a:t> </a:t>
+            </a:r>
+            <a:r>
+              <a:rPr lang="en-US" altLang="zh-CN" sz="3200" b="1" dirty="0" smtClean="0"/>
               <a:t>to</a:t>
             </a:r>
             <a:r>
-              <a:rPr lang="zh-CN" altLang="en-US" b="1" dirty="0" smtClean="0"/>
-              <a:t> </a:t>
-            </a:r>
-            <a:r>
-              <a:rPr lang="en-US" altLang="zh-CN" b="1" dirty="0" smtClean="0"/>
+              <a:rPr lang="zh-CN" altLang="en-US" sz="3200" b="1" dirty="0" smtClean="0"/>
+              <a:t> </a:t>
+            </a:r>
+            <a:r>
+              <a:rPr lang="en-US" altLang="zh-CN" sz="3200" b="1" dirty="0" smtClean="0"/>
               <a:t>learn</a:t>
             </a:r>
             <a:r>
-              <a:rPr lang="zh-CN" altLang="en-US" b="1" dirty="0" smtClean="0"/>
-              <a:t> </a:t>
-            </a:r>
-            <a:r>
-              <a:rPr lang="en-US" altLang="zh-CN" b="1" dirty="0" smtClean="0"/>
+              <a:rPr lang="zh-CN" altLang="en-US" sz="3200" b="1" dirty="0" smtClean="0"/>
+              <a:t> </a:t>
+            </a:r>
+            <a:r>
+              <a:rPr lang="en-US" altLang="zh-CN" sz="3200" b="1" dirty="0" smtClean="0"/>
               <a:t>more</a:t>
             </a:r>
             <a:r>
-              <a:rPr lang="zh-CN" altLang="en-US" b="1" dirty="0" smtClean="0"/>
-              <a:t> </a:t>
-            </a:r>
-            <a:r>
-              <a:rPr lang="en-US" altLang="zh-CN" b="1" dirty="0" smtClean="0"/>
+              <a:rPr lang="zh-CN" altLang="en-US" sz="3200" b="1" dirty="0" smtClean="0"/>
+              <a:t> </a:t>
+            </a:r>
+            <a:r>
+              <a:rPr lang="en-US" altLang="zh-CN" sz="3200" b="1" dirty="0" smtClean="0"/>
               <a:t>theories</a:t>
             </a:r>
-            <a:endParaRPr lang="zh-CN" altLang="en-US" b="1" dirty="0"/>
+            <a:endParaRPr lang="zh-CN" altLang="en-US" sz="3200" b="1" dirty="0"/>
           </a:p>
           <a:p>
             <a:pPr lvl="1">
@@ -23406,7 +23226,7 @@
               </a:buClr>
             </a:pPr>
             <a:r>
-              <a:rPr lang="en-US" altLang="zh-CN" dirty="0">
+              <a:rPr lang="en-US" altLang="zh-CN" sz="2400" dirty="0">
                 <a:solidFill>
                   <a:schemeClr val="tx1"/>
                 </a:solidFill>
@@ -23415,7 +23235,7 @@
               <a:t>SML: Scalable Machine </a:t>
             </a:r>
             <a:r>
-              <a:rPr lang="en-US" altLang="zh-CN" dirty="0" smtClean="0">
+              <a:rPr lang="en-US" altLang="zh-CN" sz="2400" dirty="0" smtClean="0">
                 <a:solidFill>
                   <a:schemeClr val="tx1"/>
                 </a:solidFill>
@@ -23424,15 +23244,15 @@
               <a:t>Learning</a:t>
             </a:r>
             <a:r>
-              <a:rPr lang="zh-CN" altLang="en-US" dirty="0" smtClean="0">
-                <a:solidFill>
-                  <a:schemeClr val="tx1"/>
-                </a:solidFill>
-              </a:rPr>
-              <a:t> </a:t>
-            </a:r>
-            <a:r>
-              <a:rPr lang="en-US" altLang="zh-CN" dirty="0" smtClean="0">
+              <a:rPr lang="zh-CN" altLang="en-US" sz="2400" dirty="0" smtClean="0">
+                <a:solidFill>
+                  <a:schemeClr val="tx1"/>
+                </a:solidFill>
+              </a:rPr>
+              <a:t> </a:t>
+            </a:r>
+            <a:r>
+              <a:rPr lang="en-US" altLang="zh-CN" sz="2400" dirty="0" smtClean="0">
                 <a:solidFill>
                   <a:schemeClr val="tx1"/>
                 </a:solidFill>
@@ -23440,15 +23260,15 @@
               <a:t>(UC</a:t>
             </a:r>
             <a:r>
-              <a:rPr lang="zh-CN" altLang="en-US" dirty="0" smtClean="0">
-                <a:solidFill>
-                  <a:schemeClr val="tx1"/>
-                </a:solidFill>
-              </a:rPr>
-              <a:t> </a:t>
-            </a:r>
-            <a:r>
-              <a:rPr lang="en-US" altLang="zh-CN" dirty="0" smtClean="0">
+              <a:rPr lang="zh-CN" altLang="en-US" sz="2400" dirty="0" smtClean="0">
+                <a:solidFill>
+                  <a:schemeClr val="tx1"/>
+                </a:solidFill>
+              </a:rPr>
+              <a:t> </a:t>
+            </a:r>
+            <a:r>
+              <a:rPr lang="en-US" altLang="zh-CN" sz="2400" dirty="0" smtClean="0">
                 <a:solidFill>
                   <a:schemeClr val="tx1"/>
                 </a:solidFill>
@@ -23456,22 +23276,22 @@
               <a:t>Berkeley,</a:t>
             </a:r>
             <a:r>
-              <a:rPr lang="zh-CN" altLang="en-US" dirty="0" smtClean="0">
-                <a:solidFill>
-                  <a:schemeClr val="tx1"/>
-                </a:solidFill>
-              </a:rPr>
-              <a:t> </a:t>
-            </a:r>
-            <a:r>
-              <a:rPr lang="en-US" altLang="zh-CN" dirty="0" smtClean="0">
+              <a:rPr lang="zh-CN" altLang="en-US" sz="2400" dirty="0" smtClean="0">
+                <a:solidFill>
+                  <a:schemeClr val="tx1"/>
+                </a:solidFill>
+              </a:rPr>
+              <a:t> </a:t>
+            </a:r>
+            <a:r>
+              <a:rPr lang="en-US" altLang="zh-CN" sz="2400" dirty="0" smtClean="0">
                 <a:solidFill>
                   <a:schemeClr val="tx1"/>
                 </a:solidFill>
               </a:rPr>
               <a:t>2012)</a:t>
             </a:r>
-            <a:endParaRPr lang="zh-CN" altLang="en-US" dirty="0" smtClean="0">
+            <a:endParaRPr lang="zh-CN" altLang="en-US" sz="2400" dirty="0" smtClean="0">
               <a:solidFill>
                 <a:schemeClr val="tx1"/>
               </a:solidFill>
@@ -23484,7 +23304,7 @@
               </a:buClr>
             </a:pPr>
             <a:r>
-              <a:rPr lang="en-US" altLang="zh-CN" dirty="0" smtClean="0">
+              <a:rPr lang="en-US" altLang="zh-CN" sz="2400" dirty="0" smtClean="0">
                 <a:solidFill>
                   <a:schemeClr val="tx1"/>
                 </a:solidFill>
@@ -23493,7 +23313,7 @@
               <a:t>Large-scale</a:t>
             </a:r>
             <a:r>
-              <a:rPr lang="zh-CN" altLang="en-US" dirty="0" smtClean="0">
+              <a:rPr lang="zh-CN" altLang="en-US" sz="2400" dirty="0" smtClean="0">
                 <a:solidFill>
                   <a:schemeClr val="tx1"/>
                 </a:solidFill>
@@ -23502,7 +23322,7 @@
               <a:t> </a:t>
             </a:r>
             <a:r>
-              <a:rPr lang="en-US" altLang="zh-CN" dirty="0">
+              <a:rPr lang="en-US" altLang="zh-CN" sz="2400" dirty="0">
                 <a:solidFill>
                   <a:schemeClr val="tx1"/>
                 </a:solidFill>
@@ -23511,7 +23331,7 @@
               <a:t>Machine</a:t>
             </a:r>
             <a:r>
-              <a:rPr lang="zh-CN" altLang="en-US" dirty="0">
+              <a:rPr lang="zh-CN" altLang="en-US" sz="2400" dirty="0">
                 <a:solidFill>
                   <a:schemeClr val="tx1"/>
                 </a:solidFill>
@@ -23520,7 +23340,7 @@
               <a:t> </a:t>
             </a:r>
             <a:r>
-              <a:rPr lang="en-US" altLang="zh-CN" dirty="0">
+              <a:rPr lang="en-US" altLang="zh-CN" sz="2400" dirty="0">
                 <a:solidFill>
                   <a:schemeClr val="tx1"/>
                 </a:solidFill>
@@ -23529,7 +23349,7 @@
               <a:t>Learning</a:t>
             </a:r>
             <a:r>
-              <a:rPr lang="zh-CN" altLang="en-US" dirty="0">
+              <a:rPr lang="zh-CN" altLang="en-US" sz="2400" dirty="0">
                 <a:solidFill>
                   <a:schemeClr val="tx1"/>
                 </a:solidFill>
@@ -23538,7 +23358,7 @@
               <a:t> </a:t>
             </a:r>
             <a:r>
-              <a:rPr lang="en-US" altLang="zh-CN" dirty="0">
+              <a:rPr lang="en-US" altLang="zh-CN" sz="2400" dirty="0">
                 <a:solidFill>
                   <a:schemeClr val="tx1"/>
                 </a:solidFill>
@@ -23546,15 +23366,15 @@
               <a:t>(NYU,</a:t>
             </a:r>
             <a:r>
-              <a:rPr lang="zh-CN" altLang="en-US" dirty="0">
-                <a:solidFill>
-                  <a:schemeClr val="tx1"/>
-                </a:solidFill>
-              </a:rPr>
-              <a:t> </a:t>
-            </a:r>
-            <a:r>
-              <a:rPr lang="en-US" altLang="zh-CN" dirty="0">
+              <a:rPr lang="zh-CN" altLang="en-US" sz="2400" dirty="0">
+                <a:solidFill>
+                  <a:schemeClr val="tx1"/>
+                </a:solidFill>
+              </a:rPr>
+              <a:t> </a:t>
+            </a:r>
+            <a:r>
+              <a:rPr lang="en-US" altLang="zh-CN" sz="2400" dirty="0">
                 <a:solidFill>
                   <a:schemeClr val="tx1"/>
                 </a:solidFill>
@@ -23562,14 +23382,14 @@
               <a:t>2013</a:t>
             </a:r>
             <a:r>
-              <a:rPr lang="en-US" altLang="zh-CN" dirty="0" smtClean="0">
+              <a:rPr lang="en-US" altLang="zh-CN" sz="2400" dirty="0" smtClean="0">
                 <a:solidFill>
                   <a:schemeClr val="tx1"/>
                 </a:solidFill>
               </a:rPr>
               <a:t>)</a:t>
             </a:r>
-            <a:endParaRPr lang="zh-CN" altLang="en-US" dirty="0" smtClean="0">
+            <a:endParaRPr lang="zh-CN" altLang="en-US" sz="2400" dirty="0" smtClean="0">
               <a:solidFill>
                 <a:schemeClr val="tx1"/>
               </a:solidFill>
@@ -23582,7 +23402,7 @@
               </a:buClr>
             </a:pPr>
             <a:r>
-              <a:rPr lang="en-US" altLang="zh-CN" dirty="0" smtClean="0">
+              <a:rPr lang="en-US" altLang="zh-CN" sz="2400" dirty="0" smtClean="0">
                 <a:solidFill>
                   <a:schemeClr val="tx1"/>
                 </a:solidFill>
@@ -23591,7 +23411,7 @@
               <a:t>Scalable</a:t>
             </a:r>
             <a:r>
-              <a:rPr lang="zh-CN" altLang="en-US" dirty="0" smtClean="0">
+              <a:rPr lang="zh-CN" altLang="en-US" sz="2400" dirty="0" smtClean="0">
                 <a:solidFill>
                   <a:schemeClr val="tx1"/>
                 </a:solidFill>
@@ -23600,7 +23420,7 @@
               <a:t> </a:t>
             </a:r>
             <a:r>
-              <a:rPr lang="en-US" altLang="zh-CN" dirty="0">
+              <a:rPr lang="en-US" altLang="zh-CN" sz="2400" dirty="0">
                 <a:solidFill>
                   <a:schemeClr val="tx1"/>
                 </a:solidFill>
@@ -23609,7 +23429,7 @@
               <a:t>Machine</a:t>
             </a:r>
             <a:r>
-              <a:rPr lang="zh-CN" altLang="en-US" dirty="0">
+              <a:rPr lang="zh-CN" altLang="en-US" sz="2400" dirty="0">
                 <a:solidFill>
                   <a:schemeClr val="tx1"/>
                 </a:solidFill>
@@ -23618,7 +23438,7 @@
               <a:t> </a:t>
             </a:r>
             <a:r>
-              <a:rPr lang="en-US" altLang="zh-CN" dirty="0" smtClean="0">
+              <a:rPr lang="en-US" altLang="zh-CN" sz="2400" dirty="0" smtClean="0">
                 <a:solidFill>
                   <a:schemeClr val="tx1"/>
                 </a:solidFill>
@@ -23627,7 +23447,7 @@
               <a:t>Learning</a:t>
             </a:r>
             <a:r>
-              <a:rPr lang="zh-CN" altLang="en-US" dirty="0" smtClean="0">
+              <a:rPr lang="zh-CN" altLang="en-US" sz="2400" dirty="0" smtClean="0">
                 <a:solidFill>
                   <a:schemeClr val="tx1"/>
                 </a:solidFill>
@@ -23636,7 +23456,7 @@
               <a:t> </a:t>
             </a:r>
             <a:r>
-              <a:rPr lang="en-US" altLang="zh-CN" dirty="0" smtClean="0">
+              <a:rPr lang="en-US" altLang="zh-CN" sz="2400" dirty="0" smtClean="0">
                 <a:solidFill>
                   <a:schemeClr val="tx1"/>
                 </a:solidFill>
@@ -23644,7 +23464,7 @@
               <a:t>(</a:t>
             </a:r>
             <a:r>
-              <a:rPr lang="en-US" altLang="zh-CN" dirty="0" err="1" smtClean="0">
+              <a:rPr lang="en-US" altLang="zh-CN" sz="2400" dirty="0" err="1" smtClean="0">
                 <a:solidFill>
                   <a:schemeClr val="tx1"/>
                 </a:solidFill>
@@ -23652,7 +23472,7 @@
               <a:t>edX</a:t>
             </a:r>
             <a:r>
-              <a:rPr lang="en-US" altLang="zh-CN" dirty="0" smtClean="0">
+              <a:rPr lang="en-US" altLang="zh-CN" sz="2400" dirty="0" smtClean="0">
                 <a:solidFill>
                   <a:schemeClr val="tx1"/>
                 </a:solidFill>
@@ -23660,22 +23480,22 @@
               <a:t>,</a:t>
             </a:r>
             <a:r>
-              <a:rPr lang="zh-CN" altLang="en-US" dirty="0" smtClean="0">
-                <a:solidFill>
-                  <a:schemeClr val="tx1"/>
-                </a:solidFill>
-              </a:rPr>
-              <a:t> </a:t>
-            </a:r>
-            <a:r>
-              <a:rPr lang="en-US" altLang="zh-CN" dirty="0" smtClean="0">
+              <a:rPr lang="zh-CN" altLang="en-US" sz="2400" dirty="0" smtClean="0">
+                <a:solidFill>
+                  <a:schemeClr val="tx1"/>
+                </a:solidFill>
+              </a:rPr>
+              <a:t> </a:t>
+            </a:r>
+            <a:r>
+              <a:rPr lang="en-US" altLang="zh-CN" sz="2400" dirty="0" smtClean="0">
                 <a:solidFill>
                   <a:schemeClr val="tx1"/>
                 </a:solidFill>
               </a:rPr>
               <a:t>2015)</a:t>
             </a:r>
-            <a:endParaRPr lang="zh-CN" altLang="en-US" dirty="0">
+            <a:endParaRPr lang="zh-CN" altLang="en-US" sz="2400" dirty="0">
               <a:solidFill>
                 <a:schemeClr val="tx1"/>
               </a:solidFill>
@@ -23701,10 +23521,10 @@
           <a:bodyPr/>
           <a:lstStyle/>
           <a:p>
-            <a:r>
+            <a:fld id="{E4F76A6B-815B-4345-BDFF-DD0025E0D890}" type="datetime1">
               <a:rPr lang="en-US" smtClean="0"/>
-              <a:t>01/05/16</a:t>
-            </a:r>
+              <a:t>12/24/16</a:t>
+            </a:fld>
             <a:endParaRPr lang="en-US" dirty="0"/>
           </a:p>
         </p:txBody>
@@ -24233,89 +24053,89 @@
         </p:nvSpPr>
         <p:spPr>
           <a:xfrm>
-            <a:off x="1097280" y="1845733"/>
-            <a:ext cx="7233181" cy="4614051"/>
+            <a:off x="1097280" y="1845734"/>
+            <a:ext cx="7233181" cy="4614052"/>
           </a:xfrm>
         </p:spPr>
         <p:txBody>
           <a:bodyPr>
-            <a:normAutofit/>
+            <a:normAutofit lnSpcReduction="10000"/>
           </a:bodyPr>
           <a:lstStyle/>
           <a:p>
             <a:r>
-              <a:rPr lang="en-US" altLang="zh-CN" b="1" dirty="0"/>
+              <a:rPr lang="en-US" altLang="zh-CN" sz="2800" b="1" dirty="0"/>
               <a:t>D</a:t>
             </a:r>
             <a:r>
-              <a:rPr lang="en-US" altLang="zh-CN" b="1" dirty="0" smtClean="0"/>
+              <a:rPr lang="en-US" altLang="zh-CN" sz="2800" b="1" dirty="0" smtClean="0"/>
               <a:t>ata</a:t>
             </a:r>
             <a:r>
-              <a:rPr lang="zh-CN" altLang="en-US" b="1" dirty="0" smtClean="0"/>
-              <a:t> </a:t>
-            </a:r>
-            <a:r>
-              <a:rPr lang="en-US" altLang="zh-CN" b="1" dirty="0" smtClean="0"/>
+              <a:rPr lang="zh-CN" altLang="en-US" sz="2800" b="1" dirty="0" smtClean="0"/>
+              <a:t> </a:t>
+            </a:r>
+            <a:r>
+              <a:rPr lang="en-US" altLang="zh-CN" sz="2800" b="1" dirty="0" smtClean="0"/>
               <a:t>are</a:t>
             </a:r>
             <a:r>
-              <a:rPr lang="zh-CN" altLang="en-US" b="1" dirty="0" smtClean="0"/>
-              <a:t> </a:t>
-            </a:r>
-            <a:r>
-              <a:rPr lang="en-US" altLang="zh-CN" b="1" dirty="0" smtClean="0"/>
+              <a:rPr lang="zh-CN" altLang="en-US" sz="2800" b="1" dirty="0" smtClean="0"/>
+              <a:t> </a:t>
+            </a:r>
+            <a:r>
+              <a:rPr lang="en-US" altLang="zh-CN" sz="2800" b="1" dirty="0" smtClean="0"/>
               <a:t>often</a:t>
             </a:r>
             <a:r>
-              <a:rPr lang="zh-CN" altLang="en-US" b="1" dirty="0" smtClean="0"/>
-              <a:t> </a:t>
-            </a:r>
-            <a:r>
-              <a:rPr lang="en-US" altLang="zh-CN" b="1" dirty="0" smtClean="0"/>
+              <a:rPr lang="zh-CN" altLang="en-US" sz="2800" b="1" dirty="0" smtClean="0"/>
+              <a:t> </a:t>
+            </a:r>
+            <a:r>
+              <a:rPr lang="en-US" altLang="zh-CN" sz="2800" b="1" dirty="0" smtClean="0"/>
               <a:t>in</a:t>
             </a:r>
             <a:r>
-              <a:rPr lang="zh-CN" altLang="en-US" b="1" dirty="0" smtClean="0"/>
-              <a:t> </a:t>
-            </a:r>
-            <a:r>
-              <a:rPr lang="en-US" altLang="zh-CN" b="1" dirty="0" smtClean="0"/>
+              <a:rPr lang="zh-CN" altLang="en-US" sz="2800" b="1" dirty="0" smtClean="0"/>
+              <a:t> </a:t>
+            </a:r>
+            <a:r>
+              <a:rPr lang="en-US" altLang="zh-CN" sz="2800" b="1" dirty="0" smtClean="0"/>
               <a:t>the</a:t>
             </a:r>
             <a:r>
-              <a:rPr lang="zh-CN" altLang="en-US" b="1" dirty="0" smtClean="0"/>
-              <a:t> </a:t>
-            </a:r>
-            <a:r>
-              <a:rPr lang="en-US" altLang="zh-CN" b="1" dirty="0" smtClean="0"/>
+              <a:rPr lang="zh-CN" altLang="en-US" sz="2800" b="1" dirty="0" smtClean="0"/>
+              <a:t> </a:t>
+            </a:r>
+            <a:r>
+              <a:rPr lang="en-US" altLang="zh-CN" sz="2800" b="1" dirty="0" smtClean="0"/>
               <a:t>form</a:t>
             </a:r>
             <a:r>
-              <a:rPr lang="zh-CN" altLang="en-US" b="1" dirty="0" smtClean="0"/>
-              <a:t> </a:t>
-            </a:r>
-            <a:r>
-              <a:rPr lang="en-US" altLang="zh-CN" b="1" dirty="0" smtClean="0"/>
+              <a:rPr lang="zh-CN" altLang="en-US" sz="2800" b="1" dirty="0" smtClean="0"/>
+              <a:t> </a:t>
+            </a:r>
+            <a:r>
+              <a:rPr lang="en-US" altLang="zh-CN" sz="2800" b="1" dirty="0" smtClean="0"/>
               <a:t>of</a:t>
             </a:r>
             <a:r>
-              <a:rPr lang="zh-CN" altLang="en-US" b="1" dirty="0" smtClean="0"/>
-              <a:t> </a:t>
-            </a:r>
-            <a:r>
-              <a:rPr lang="en-US" altLang="zh-CN" b="1" dirty="0" smtClean="0"/>
+              <a:rPr lang="zh-CN" altLang="en-US" sz="2800" b="1" dirty="0" smtClean="0"/>
+              <a:t> </a:t>
+            </a:r>
+            <a:r>
+              <a:rPr lang="en-US" altLang="zh-CN" sz="2800" b="1" dirty="0" smtClean="0"/>
               <a:t>a</a:t>
             </a:r>
             <a:r>
-              <a:rPr lang="zh-CN" altLang="en-US" b="1" dirty="0" smtClean="0"/>
-              <a:t> </a:t>
-            </a:r>
-            <a:r>
-              <a:rPr lang="en-US" altLang="zh-CN" b="1" dirty="0" smtClean="0"/>
+              <a:rPr lang="zh-CN" altLang="en-US" sz="2800" b="1" dirty="0" smtClean="0"/>
+              <a:t> </a:t>
+            </a:r>
+            <a:r>
+              <a:rPr lang="en-US" altLang="zh-CN" sz="2800" b="1" dirty="0" smtClean="0"/>
               <a:t>table</a:t>
             </a:r>
-            <a:endParaRPr lang="zh-CN" altLang="en-US" b="1" dirty="0" smtClean="0"/>
+            <a:endParaRPr lang="zh-CN" altLang="en-US" sz="2800" b="1" dirty="0" smtClean="0"/>
           </a:p>
           <a:p>
             <a:pPr lvl="1">
@@ -24324,7 +24144,7 @@
               </a:buClr>
             </a:pPr>
             <a:r>
-              <a:rPr lang="en-US" altLang="zh-CN" dirty="0" smtClean="0">
+              <a:rPr lang="en-US" altLang="zh-CN" sz="2400" dirty="0" smtClean="0">
                 <a:solidFill>
                   <a:schemeClr val="tx1"/>
                 </a:solidFill>
@@ -24332,15 +24152,15 @@
               <a:t>N:</a:t>
             </a:r>
             <a:r>
-              <a:rPr lang="zh-CN" altLang="en-US" dirty="0" smtClean="0">
-                <a:solidFill>
-                  <a:schemeClr val="tx1"/>
-                </a:solidFill>
-              </a:rPr>
-              <a:t> </a:t>
-            </a:r>
-            <a:r>
-              <a:rPr lang="en-US" altLang="zh-CN" dirty="0" smtClean="0">
+              <a:rPr lang="zh-CN" altLang="en-US" sz="2400" dirty="0" smtClean="0">
+                <a:solidFill>
+                  <a:schemeClr val="tx1"/>
+                </a:solidFill>
+              </a:rPr>
+              <a:t> </a:t>
+            </a:r>
+            <a:r>
+              <a:rPr lang="en-US" altLang="zh-CN" sz="2400" dirty="0" smtClean="0">
                 <a:solidFill>
                   <a:schemeClr val="tx1"/>
                 </a:solidFill>
@@ -24348,15 +24168,15 @@
               <a:t> # of</a:t>
             </a:r>
             <a:r>
-              <a:rPr lang="zh-CN" altLang="en-US" dirty="0" smtClean="0">
-                <a:solidFill>
-                  <a:schemeClr val="tx1"/>
-                </a:solidFill>
-              </a:rPr>
-              <a:t> </a:t>
-            </a:r>
-            <a:r>
-              <a:rPr lang="en-US" altLang="zh-CN" dirty="0" smtClean="0">
+              <a:rPr lang="zh-CN" altLang="en-US" sz="2400" dirty="0" smtClean="0">
+                <a:solidFill>
+                  <a:schemeClr val="tx1"/>
+                </a:solidFill>
+              </a:rPr>
+              <a:t> </a:t>
+            </a:r>
+            <a:r>
+              <a:rPr lang="en-US" altLang="zh-CN" sz="2400" dirty="0" smtClean="0">
                 <a:solidFill>
                   <a:schemeClr val="tx1"/>
                 </a:solidFill>
@@ -24364,15 +24184,15 @@
               <a:t>training</a:t>
             </a:r>
             <a:r>
-              <a:rPr lang="zh-CN" altLang="en-US" dirty="0" smtClean="0">
-                <a:solidFill>
-                  <a:schemeClr val="tx1"/>
-                </a:solidFill>
-              </a:rPr>
-              <a:t> </a:t>
-            </a:r>
-            <a:r>
-              <a:rPr lang="en-US" altLang="zh-CN" dirty="0" smtClean="0">
+              <a:rPr lang="zh-CN" altLang="en-US" sz="2400" dirty="0" smtClean="0">
+                <a:solidFill>
+                  <a:schemeClr val="tx1"/>
+                </a:solidFill>
+              </a:rPr>
+              <a:t> </a:t>
+            </a:r>
+            <a:r>
+              <a:rPr lang="en-US" altLang="zh-CN" sz="2400" dirty="0" smtClean="0">
                 <a:solidFill>
                   <a:schemeClr val="tx1"/>
                 </a:solidFill>
@@ -24380,15 +24200,15 @@
               <a:t>examples (e.g.,</a:t>
             </a:r>
             <a:r>
-              <a:rPr lang="zh-CN" altLang="en-US" dirty="0" smtClean="0">
-                <a:solidFill>
-                  <a:schemeClr val="tx1"/>
-                </a:solidFill>
-              </a:rPr>
-              <a:t> </a:t>
-            </a:r>
-            <a:r>
-              <a:rPr lang="en-US" altLang="zh-CN" dirty="0" smtClean="0">
+              <a:rPr lang="zh-CN" altLang="en-US" sz="2400" dirty="0" smtClean="0">
+                <a:solidFill>
+                  <a:schemeClr val="tx1"/>
+                </a:solidFill>
+              </a:rPr>
+              <a:t> </a:t>
+            </a:r>
+            <a:r>
+              <a:rPr lang="en-US" altLang="zh-CN" sz="2400" dirty="0" smtClean="0">
                 <a:solidFill>
                   <a:schemeClr val="tx1"/>
                 </a:solidFill>
@@ -24396,22 +24216,22 @@
               <a:t>tweets,</a:t>
             </a:r>
             <a:r>
-              <a:rPr lang="zh-CN" altLang="en-US" dirty="0" smtClean="0">
-                <a:solidFill>
-                  <a:schemeClr val="tx1"/>
-                </a:solidFill>
-              </a:rPr>
-              <a:t> </a:t>
-            </a:r>
-            <a:r>
-              <a:rPr lang="en-US" altLang="zh-CN" dirty="0" smtClean="0">
+              <a:rPr lang="zh-CN" altLang="en-US" sz="2400" dirty="0" smtClean="0">
+                <a:solidFill>
+                  <a:schemeClr val="tx1"/>
+                </a:solidFill>
+              </a:rPr>
+              <a:t> </a:t>
+            </a:r>
+            <a:r>
+              <a:rPr lang="en-US" altLang="zh-CN" sz="2400" dirty="0" smtClean="0">
                 <a:solidFill>
                   <a:schemeClr val="tx1"/>
                 </a:solidFill>
               </a:rPr>
               <a:t>images)</a:t>
             </a:r>
-            <a:endParaRPr lang="zh-CN" altLang="en-US" dirty="0" smtClean="0">
+            <a:endParaRPr lang="zh-CN" altLang="en-US" sz="2400" dirty="0" smtClean="0">
               <a:solidFill>
                 <a:schemeClr val="tx1"/>
               </a:solidFill>
@@ -24424,7 +24244,7 @@
               </a:buClr>
             </a:pPr>
             <a:r>
-              <a:rPr lang="en-US" altLang="zh-CN" dirty="0" smtClean="0">
+              <a:rPr lang="en-US" altLang="zh-CN" sz="2400" dirty="0" smtClean="0">
                 <a:solidFill>
                   <a:schemeClr val="tx1"/>
                 </a:solidFill>
@@ -24432,15 +24252,15 @@
               <a:t>F:</a:t>
             </a:r>
             <a:r>
-              <a:rPr lang="zh-CN" altLang="en-US" dirty="0" smtClean="0">
-                <a:solidFill>
-                  <a:schemeClr val="tx1"/>
-                </a:solidFill>
-              </a:rPr>
-              <a:t> </a:t>
-            </a:r>
-            <a:r>
-              <a:rPr lang="en-US" altLang="zh-CN" dirty="0" smtClean="0">
+              <a:rPr lang="zh-CN" altLang="en-US" sz="2400" dirty="0" smtClean="0">
+                <a:solidFill>
+                  <a:schemeClr val="tx1"/>
+                </a:solidFill>
+              </a:rPr>
+              <a:t> </a:t>
+            </a:r>
+            <a:r>
+              <a:rPr lang="en-US" altLang="zh-CN" sz="2400" dirty="0" smtClean="0">
                 <a:solidFill>
                   <a:schemeClr val="tx1"/>
                 </a:solidFill>
@@ -24448,15 +24268,15 @@
               <a:t> # of features (e.g.,</a:t>
             </a:r>
             <a:r>
-              <a:rPr lang="zh-CN" altLang="en-US" dirty="0" smtClean="0">
-                <a:solidFill>
-                  <a:schemeClr val="tx1"/>
-                </a:solidFill>
-              </a:rPr>
-              <a:t> </a:t>
-            </a:r>
-            <a:r>
-              <a:rPr lang="en-US" altLang="zh-CN" dirty="0" smtClean="0">
+              <a:rPr lang="zh-CN" altLang="en-US" sz="2400" dirty="0" smtClean="0">
+                <a:solidFill>
+                  <a:schemeClr val="tx1"/>
+                </a:solidFill>
+              </a:rPr>
+              <a:t> </a:t>
+            </a:r>
+            <a:r>
+              <a:rPr lang="en-US" altLang="zh-CN" sz="2400" dirty="0" smtClean="0">
                 <a:solidFill>
                   <a:schemeClr val="tx1"/>
                 </a:solidFill>
@@ -24464,15 +24284,15 @@
               <a:t>bag</a:t>
             </a:r>
             <a:r>
-              <a:rPr lang="zh-CN" altLang="en-US" dirty="0" smtClean="0">
-                <a:solidFill>
-                  <a:schemeClr val="tx1"/>
-                </a:solidFill>
-              </a:rPr>
-              <a:t> </a:t>
-            </a:r>
-            <a:r>
-              <a:rPr lang="en-US" altLang="zh-CN" dirty="0" smtClean="0">
+              <a:rPr lang="zh-CN" altLang="en-US" sz="2400" dirty="0" smtClean="0">
+                <a:solidFill>
+                  <a:schemeClr val="tx1"/>
+                </a:solidFill>
+              </a:rPr>
+              <a:t> </a:t>
+            </a:r>
+            <a:r>
+              <a:rPr lang="en-US" altLang="zh-CN" sz="2400" dirty="0" smtClean="0">
                 <a:solidFill>
                   <a:schemeClr val="tx1"/>
                 </a:solidFill>
@@ -24480,15 +24300,15 @@
               <a:t>of</a:t>
             </a:r>
             <a:r>
-              <a:rPr lang="zh-CN" altLang="en-US" dirty="0" smtClean="0">
-                <a:solidFill>
-                  <a:schemeClr val="tx1"/>
-                </a:solidFill>
-              </a:rPr>
-              <a:t> </a:t>
-            </a:r>
-            <a:r>
-              <a:rPr lang="en-US" altLang="zh-CN" dirty="0" smtClean="0">
+              <a:rPr lang="zh-CN" altLang="en-US" sz="2400" dirty="0" smtClean="0">
+                <a:solidFill>
+                  <a:schemeClr val="tx1"/>
+                </a:solidFill>
+              </a:rPr>
+              <a:t> </a:t>
+            </a:r>
+            <a:r>
+              <a:rPr lang="en-US" altLang="zh-CN" sz="2400" dirty="0" smtClean="0">
                 <a:solidFill>
                   <a:schemeClr val="tx1"/>
                 </a:solidFill>
@@ -24496,15 +24316,15 @@
               <a:t>words,</a:t>
             </a:r>
             <a:r>
-              <a:rPr lang="zh-CN" altLang="en-US" dirty="0" smtClean="0">
-                <a:solidFill>
-                  <a:schemeClr val="tx1"/>
-                </a:solidFill>
-              </a:rPr>
-              <a:t> </a:t>
-            </a:r>
-            <a:r>
-              <a:rPr lang="en-US" altLang="zh-CN" dirty="0">
+              <a:rPr lang="zh-CN" altLang="en-US" sz="2400" dirty="0" smtClean="0">
+                <a:solidFill>
+                  <a:schemeClr val="tx1"/>
+                </a:solidFill>
+              </a:rPr>
+              <a:t> </a:t>
+            </a:r>
+            <a:r>
+              <a:rPr lang="en-US" altLang="zh-CN" sz="2400" dirty="0">
                 <a:solidFill>
                   <a:schemeClr val="tx1"/>
                 </a:solidFill>
@@ -24512,7 +24332,7 @@
               <a:t>color </a:t>
             </a:r>
             <a:r>
-              <a:rPr lang="en-US" altLang="zh-CN" dirty="0" smtClean="0">
+              <a:rPr lang="en-US" altLang="zh-CN" sz="2400" dirty="0" smtClean="0">
                 <a:solidFill>
                   <a:schemeClr val="tx1"/>
                 </a:solidFill>
@@ -24520,148 +24340,148 @@
               <a:t>histogram)</a:t>
             </a:r>
             <a:r>
-              <a:rPr lang="zh-CN" altLang="en-US" dirty="0" smtClean="0">
-                <a:solidFill>
-                  <a:schemeClr val="tx1"/>
-                </a:solidFill>
-              </a:rPr>
-              <a:t> </a:t>
-            </a:r>
-          </a:p>
-          <a:p>
-            <a:r>
-              <a:rPr lang="en-US" altLang="zh-CN" b="1" dirty="0" smtClean="0"/>
+              <a:rPr lang="zh-CN" altLang="en-US" sz="2400" dirty="0" smtClean="0">
+                <a:solidFill>
+                  <a:schemeClr val="tx1"/>
+                </a:solidFill>
+              </a:rPr>
+              <a:t> </a:t>
+            </a:r>
+          </a:p>
+          <a:p>
+            <a:r>
+              <a:rPr lang="en-US" altLang="zh-CN" sz="2800" b="1" dirty="0" smtClean="0"/>
               <a:t>An</a:t>
             </a:r>
             <a:r>
-              <a:rPr lang="zh-CN" altLang="en-US" b="1" dirty="0" smtClean="0"/>
-              <a:t> </a:t>
-            </a:r>
-            <a:r>
-              <a:rPr lang="en-US" altLang="zh-CN" b="1" dirty="0" smtClean="0"/>
+              <a:rPr lang="zh-CN" altLang="en-US" sz="2800" b="1" dirty="0" smtClean="0"/>
+              <a:t> </a:t>
+            </a:r>
+            <a:r>
+              <a:rPr lang="en-US" altLang="zh-CN" sz="2800" b="1" dirty="0" smtClean="0"/>
               <a:t>ML</a:t>
             </a:r>
             <a:r>
-              <a:rPr lang="zh-CN" altLang="en-US" b="1" dirty="0" smtClean="0"/>
-              <a:t> </a:t>
-            </a:r>
-            <a:r>
-              <a:rPr lang="en-US" altLang="zh-CN" b="1" dirty="0" smtClean="0"/>
+              <a:rPr lang="zh-CN" altLang="en-US" sz="2800" b="1" dirty="0" smtClean="0"/>
+              <a:t> </a:t>
+            </a:r>
+            <a:r>
+              <a:rPr lang="en-US" altLang="zh-CN" sz="2800" b="1" dirty="0" smtClean="0"/>
               <a:t>algorithm</a:t>
             </a:r>
             <a:r>
-              <a:rPr lang="zh-CN" altLang="en-US" b="1" dirty="0" smtClean="0"/>
-              <a:t> </a:t>
-            </a:r>
-            <a:r>
-              <a:rPr lang="en-US" altLang="zh-CN" b="1" dirty="0" smtClean="0"/>
+              <a:rPr lang="zh-CN" altLang="en-US" sz="2800" b="1" dirty="0" smtClean="0"/>
+              <a:t> </a:t>
+            </a:r>
+            <a:r>
+              <a:rPr lang="en-US" altLang="zh-CN" sz="2800" b="1" dirty="0" smtClean="0"/>
               <a:t>can</a:t>
             </a:r>
             <a:r>
-              <a:rPr lang="zh-CN" altLang="en-US" b="1" dirty="0" smtClean="0"/>
-              <a:t> </a:t>
-            </a:r>
-            <a:r>
-              <a:rPr lang="en-US" altLang="zh-CN" b="1" dirty="0" smtClean="0"/>
+              <a:rPr lang="zh-CN" altLang="en-US" sz="2800" b="1" dirty="0" smtClean="0"/>
+              <a:t> </a:t>
+            </a:r>
+            <a:r>
+              <a:rPr lang="en-US" altLang="zh-CN" sz="2800" b="1" dirty="0" smtClean="0"/>
               <a:t>be</a:t>
             </a:r>
             <a:r>
-              <a:rPr lang="zh-CN" altLang="en-US" b="1" dirty="0" smtClean="0"/>
-              <a:t> </a:t>
-            </a:r>
-            <a:r>
-              <a:rPr lang="en-US" altLang="zh-CN" b="1" dirty="0" smtClean="0"/>
+              <a:rPr lang="zh-CN" altLang="en-US" sz="2800" b="1" dirty="0" smtClean="0"/>
+              <a:t> </a:t>
+            </a:r>
+            <a:r>
+              <a:rPr lang="en-US" altLang="zh-CN" sz="2800" b="1" dirty="0" smtClean="0"/>
               <a:t>thought</a:t>
             </a:r>
             <a:r>
-              <a:rPr lang="zh-CN" altLang="en-US" b="1" dirty="0" smtClean="0"/>
-              <a:t> </a:t>
-            </a:r>
-            <a:r>
-              <a:rPr lang="en-US" altLang="zh-CN" b="1" dirty="0" smtClean="0"/>
+              <a:rPr lang="zh-CN" altLang="en-US" sz="2800" b="1" dirty="0" smtClean="0"/>
+              <a:t> </a:t>
+            </a:r>
+            <a:r>
+              <a:rPr lang="en-US" altLang="zh-CN" sz="2800" b="1" dirty="0" smtClean="0"/>
               <a:t>of</a:t>
             </a:r>
             <a:r>
-              <a:rPr lang="zh-CN" altLang="en-US" b="1" dirty="0" smtClean="0"/>
-              <a:t> </a:t>
-            </a:r>
-            <a:r>
-              <a:rPr lang="en-US" altLang="zh-CN" b="1" dirty="0" smtClean="0"/>
+              <a:rPr lang="zh-CN" altLang="en-US" sz="2800" b="1" dirty="0" smtClean="0"/>
+              <a:t> </a:t>
+            </a:r>
+            <a:r>
+              <a:rPr lang="en-US" altLang="zh-CN" sz="2800" b="1" dirty="0" smtClean="0"/>
               <a:t>as</a:t>
             </a:r>
             <a:r>
-              <a:rPr lang="zh-CN" altLang="en-US" b="1" dirty="0" smtClean="0"/>
-              <a:t> </a:t>
-            </a:r>
-            <a:r>
-              <a:rPr lang="en-US" altLang="zh-CN" b="1" dirty="0" smtClean="0"/>
+              <a:rPr lang="zh-CN" altLang="en-US" sz="2800" b="1" dirty="0" smtClean="0"/>
+              <a:t> </a:t>
+            </a:r>
+            <a:r>
+              <a:rPr lang="en-US" altLang="zh-CN" sz="2800" b="1" dirty="0" smtClean="0"/>
               <a:t>a</a:t>
             </a:r>
             <a:r>
-              <a:rPr lang="zh-CN" altLang="en-US" b="1" dirty="0" smtClean="0"/>
-              <a:t> </a:t>
-            </a:r>
-            <a:r>
-              <a:rPr lang="en-US" altLang="zh-CN" b="1" dirty="0" smtClean="0"/>
+              <a:rPr lang="zh-CN" altLang="en-US" sz="2800" b="1" dirty="0" smtClean="0"/>
+              <a:t> </a:t>
+            </a:r>
+            <a:r>
+              <a:rPr lang="en-US" altLang="zh-CN" sz="2800" b="1" dirty="0" smtClean="0"/>
               <a:t>process</a:t>
             </a:r>
             <a:r>
-              <a:rPr lang="zh-CN" altLang="en-US" b="1" dirty="0" smtClean="0"/>
-              <a:t> </a:t>
-            </a:r>
-            <a:r>
-              <a:rPr lang="en-US" altLang="zh-CN" b="1" dirty="0" smtClean="0"/>
+              <a:rPr lang="zh-CN" altLang="en-US" sz="2800" b="1" dirty="0" smtClean="0"/>
+              <a:t> </a:t>
+            </a:r>
+            <a:r>
+              <a:rPr lang="en-US" altLang="zh-CN" sz="2800" b="1" dirty="0" smtClean="0"/>
               <a:t>that</a:t>
             </a:r>
             <a:r>
-              <a:rPr lang="zh-CN" altLang="en-US" b="1" dirty="0" smtClean="0"/>
-              <a:t> </a:t>
-            </a:r>
-            <a:r>
-              <a:rPr lang="en-US" altLang="zh-CN" b="1" dirty="0" smtClean="0"/>
+              <a:rPr lang="zh-CN" altLang="en-US" sz="2800" b="1" dirty="0" smtClean="0"/>
+              <a:t> </a:t>
+            </a:r>
+            <a:r>
+              <a:rPr lang="en-US" altLang="zh-CN" sz="2800" b="1" dirty="0" smtClean="0"/>
               <a:t>turns</a:t>
             </a:r>
             <a:r>
-              <a:rPr lang="zh-CN" altLang="en-US" b="1" dirty="0" smtClean="0"/>
-              <a:t> </a:t>
-            </a:r>
-            <a:r>
-              <a:rPr lang="en-US" altLang="zh-CN" b="1" dirty="0" smtClean="0"/>
+              <a:rPr lang="zh-CN" altLang="en-US" sz="2800" b="1" dirty="0" smtClean="0"/>
+              <a:t> </a:t>
+            </a:r>
+            <a:r>
+              <a:rPr lang="en-US" altLang="zh-CN" sz="2800" b="1" dirty="0" smtClean="0"/>
               <a:t>the</a:t>
             </a:r>
             <a:r>
-              <a:rPr lang="zh-CN" altLang="en-US" b="1" dirty="0" smtClean="0"/>
-              <a:t> </a:t>
-            </a:r>
-            <a:r>
-              <a:rPr lang="en-US" altLang="zh-CN" b="1" dirty="0" smtClean="0"/>
+              <a:rPr lang="zh-CN" altLang="en-US" sz="2800" b="1" dirty="0" smtClean="0"/>
+              <a:t> </a:t>
+            </a:r>
+            <a:r>
+              <a:rPr lang="en-US" altLang="zh-CN" sz="2800" b="1" dirty="0" smtClean="0"/>
               <a:t>table</a:t>
             </a:r>
             <a:r>
-              <a:rPr lang="zh-CN" altLang="en-US" b="1" dirty="0" smtClean="0"/>
-              <a:t> </a:t>
-            </a:r>
-            <a:r>
-              <a:rPr lang="en-US" altLang="zh-CN" b="1" dirty="0" smtClean="0"/>
+              <a:rPr lang="zh-CN" altLang="en-US" sz="2800" b="1" dirty="0" smtClean="0"/>
+              <a:t> </a:t>
+            </a:r>
+            <a:r>
+              <a:rPr lang="en-US" altLang="zh-CN" sz="2800" b="1" dirty="0" smtClean="0"/>
               <a:t>into</a:t>
             </a:r>
             <a:r>
-              <a:rPr lang="zh-CN" altLang="en-US" b="1" dirty="0" smtClean="0"/>
-              <a:t> </a:t>
-            </a:r>
-            <a:r>
-              <a:rPr lang="en-US" altLang="zh-CN" b="1" dirty="0" smtClean="0"/>
+              <a:rPr lang="zh-CN" altLang="en-US" sz="2800" b="1" dirty="0" smtClean="0"/>
+              <a:t> </a:t>
+            </a:r>
+            <a:r>
+              <a:rPr lang="en-US" altLang="zh-CN" sz="2800" b="1" dirty="0" smtClean="0"/>
               <a:t>a</a:t>
             </a:r>
             <a:r>
-              <a:rPr lang="zh-CN" altLang="en-US" b="1" dirty="0" smtClean="0"/>
-              <a:t> </a:t>
-            </a:r>
-            <a:r>
-              <a:rPr lang="en-US" altLang="zh-CN" b="1" dirty="0" smtClean="0"/>
+              <a:rPr lang="zh-CN" altLang="en-US" sz="2800" b="1" dirty="0" smtClean="0"/>
+              <a:t> </a:t>
+            </a:r>
+            <a:r>
+              <a:rPr lang="en-US" altLang="zh-CN" sz="2800" b="1" dirty="0" smtClean="0"/>
               <a:t>model</a:t>
             </a:r>
-            <a:endParaRPr lang="zh-CN" altLang="en-US" b="1" dirty="0" smtClean="0"/>
+            <a:endParaRPr lang="zh-CN" altLang="en-US" sz="2800" b="1" dirty="0" smtClean="0"/>
           </a:p>
           <a:p>
             <a:pPr lvl="1">
@@ -24670,117 +24490,117 @@
               </a:buClr>
             </a:pPr>
             <a:r>
-              <a:rPr lang="en-US" altLang="zh-CN" dirty="0" smtClean="0">
+              <a:rPr lang="en-US" altLang="zh-CN" sz="2400" dirty="0" smtClean="0">
                 <a:solidFill>
                   <a:srgbClr val="000000"/>
                 </a:solidFill>
               </a:rPr>
               <a:t>We will discuss this process later</a:t>
             </a:r>
-            <a:endParaRPr lang="zh-CN" altLang="en-US" b="1" dirty="0" smtClean="0"/>
-          </a:p>
-          <a:p>
-            <a:r>
-              <a:rPr lang="en-US" altLang="zh-CN" b="1" dirty="0" smtClean="0"/>
+            <a:endParaRPr lang="zh-CN" altLang="en-US" sz="2400" b="1" dirty="0" smtClean="0"/>
+          </a:p>
+          <a:p>
+            <a:r>
+              <a:rPr lang="en-US" altLang="zh-CN" sz="2800" b="1" dirty="0" smtClean="0"/>
               <a:t>Distributed</a:t>
             </a:r>
             <a:r>
-              <a:rPr lang="zh-CN" altLang="en-US" b="1" dirty="0" smtClean="0"/>
-              <a:t> </a:t>
-            </a:r>
-            <a:r>
-              <a:rPr lang="en-US" altLang="zh-CN" b="1" dirty="0" smtClean="0"/>
+              <a:rPr lang="zh-CN" altLang="en-US" sz="2800" b="1" dirty="0" smtClean="0"/>
+              <a:t> </a:t>
+            </a:r>
+            <a:r>
+              <a:rPr lang="en-US" altLang="zh-CN" sz="2800" b="1" dirty="0" smtClean="0"/>
               <a:t>ML</a:t>
             </a:r>
             <a:r>
-              <a:rPr lang="zh-CN" altLang="en-US" b="1" dirty="0" smtClean="0"/>
-              <a:t> </a:t>
-            </a:r>
-            <a:r>
-              <a:rPr lang="en-US" altLang="zh-CN" b="1" dirty="0" smtClean="0"/>
+              <a:rPr lang="zh-CN" altLang="en-US" sz="2800" b="1" dirty="0" smtClean="0"/>
+              <a:t> </a:t>
+            </a:r>
+            <a:r>
+              <a:rPr lang="en-US" altLang="zh-CN" sz="2800" b="1" dirty="0" smtClean="0"/>
               <a:t>studies</a:t>
             </a:r>
             <a:r>
-              <a:rPr lang="zh-CN" altLang="en-US" b="1" dirty="0" smtClean="0"/>
-              <a:t> </a:t>
-            </a:r>
-            <a:r>
-              <a:rPr lang="en-US" altLang="zh-CN" b="1" dirty="0" smtClean="0"/>
+              <a:rPr lang="zh-CN" altLang="en-US" sz="2800" b="1" dirty="0" smtClean="0"/>
+              <a:t> </a:t>
+            </a:r>
+            <a:r>
+              <a:rPr lang="en-US" altLang="zh-CN" sz="2800" b="1" dirty="0" smtClean="0"/>
               <a:t>how</a:t>
             </a:r>
             <a:r>
-              <a:rPr lang="zh-CN" altLang="en-US" b="1" dirty="0" smtClean="0"/>
-              <a:t> </a:t>
-            </a:r>
-            <a:r>
-              <a:rPr lang="en-US" altLang="zh-CN" b="1" dirty="0" smtClean="0"/>
+              <a:rPr lang="zh-CN" altLang="en-US" sz="2800" b="1" dirty="0" smtClean="0"/>
+              <a:t> </a:t>
+            </a:r>
+            <a:r>
+              <a:rPr lang="en-US" altLang="zh-CN" sz="2800" b="1" dirty="0" smtClean="0"/>
               <a:t>to</a:t>
             </a:r>
             <a:r>
-              <a:rPr lang="zh-CN" altLang="en-US" b="1" dirty="0" smtClean="0"/>
-              <a:t> </a:t>
-            </a:r>
-            <a:r>
-              <a:rPr lang="en-US" altLang="zh-CN" b="1" dirty="0" smtClean="0"/>
+              <a:rPr lang="zh-CN" altLang="en-US" sz="2800" b="1" dirty="0" smtClean="0"/>
+              <a:t> </a:t>
+            </a:r>
+            <a:r>
+              <a:rPr lang="en-US" altLang="zh-CN" sz="2800" b="1" dirty="0" smtClean="0"/>
               <a:t>make</a:t>
             </a:r>
             <a:r>
-              <a:rPr lang="zh-CN" altLang="en-US" b="1" dirty="0" smtClean="0"/>
-              <a:t> </a:t>
-            </a:r>
-            <a:r>
-              <a:rPr lang="en-US" altLang="zh-CN" b="1" dirty="0" smtClean="0"/>
+              <a:rPr lang="zh-CN" altLang="en-US" sz="2800" b="1" dirty="0" smtClean="0"/>
+              <a:t> </a:t>
+            </a:r>
+            <a:r>
+              <a:rPr lang="en-US" altLang="zh-CN" sz="2800" b="1" dirty="0" smtClean="0"/>
               <a:t>the</a:t>
             </a:r>
             <a:r>
-              <a:rPr lang="zh-CN" altLang="en-US" b="1" dirty="0" smtClean="0"/>
-              <a:t> </a:t>
-            </a:r>
-            <a:r>
-              <a:rPr lang="en-US" altLang="zh-CN" b="1" dirty="0" smtClean="0"/>
+              <a:rPr lang="zh-CN" altLang="en-US" sz="2800" b="1" dirty="0" smtClean="0"/>
+              <a:t> </a:t>
+            </a:r>
+            <a:r>
+              <a:rPr lang="en-US" altLang="zh-CN" sz="2800" b="1" dirty="0" smtClean="0"/>
               <a:t>process</a:t>
             </a:r>
             <a:r>
-              <a:rPr lang="zh-CN" altLang="en-US" b="1" dirty="0" smtClean="0"/>
-              <a:t> </a:t>
-            </a:r>
-            <a:r>
-              <a:rPr lang="en-US" altLang="zh-CN" b="1" dirty="0" smtClean="0"/>
+              <a:rPr lang="zh-CN" altLang="en-US" sz="2800" b="1" dirty="0" smtClean="0"/>
+              <a:t> </a:t>
+            </a:r>
+            <a:r>
+              <a:rPr lang="en-US" altLang="zh-CN" sz="2800" b="1" dirty="0" smtClean="0"/>
               <a:t>work</a:t>
             </a:r>
             <a:r>
-              <a:rPr lang="zh-CN" altLang="en-US" b="1" dirty="0" smtClean="0"/>
-              <a:t> </a:t>
-            </a:r>
-            <a:r>
-              <a:rPr lang="en-US" altLang="zh-CN" b="1" dirty="0" smtClean="0"/>
+              <a:rPr lang="zh-CN" altLang="en-US" sz="2800" b="1" dirty="0" smtClean="0"/>
+              <a:t> </a:t>
+            </a:r>
+            <a:r>
+              <a:rPr lang="en-US" altLang="zh-CN" sz="2800" b="1" dirty="0" smtClean="0"/>
               <a:t>for</a:t>
             </a:r>
             <a:r>
-              <a:rPr lang="zh-CN" altLang="en-US" b="1" dirty="0" smtClean="0"/>
-              <a:t> </a:t>
-            </a:r>
-            <a:r>
-              <a:rPr lang="en-US" altLang="zh-CN" b="1" dirty="0" smtClean="0"/>
+              <a:rPr lang="zh-CN" altLang="en-US" sz="2800" b="1" dirty="0" smtClean="0"/>
+              <a:t> </a:t>
+            </a:r>
+            <a:r>
+              <a:rPr lang="en-US" altLang="zh-CN" sz="2800" b="1" dirty="0" smtClean="0"/>
               <a:t>the</a:t>
             </a:r>
             <a:r>
-              <a:rPr lang="zh-CN" altLang="en-US" b="1" dirty="0" smtClean="0"/>
-              <a:t> </a:t>
-            </a:r>
-            <a:r>
-              <a:rPr lang="en-US" altLang="zh-CN" b="1" dirty="0" smtClean="0"/>
+              <a:rPr lang="zh-CN" altLang="en-US" sz="2800" b="1" dirty="0" smtClean="0"/>
+              <a:t> </a:t>
+            </a:r>
+            <a:r>
+              <a:rPr lang="en-US" altLang="zh-CN" sz="2800" b="1" dirty="0" smtClean="0"/>
               <a:t>following</a:t>
             </a:r>
             <a:r>
-              <a:rPr lang="zh-CN" altLang="en-US" b="1" dirty="0" smtClean="0"/>
-              <a:t> </a:t>
-            </a:r>
-            <a:r>
-              <a:rPr lang="en-US" altLang="zh-CN" b="1" dirty="0" smtClean="0"/>
+              <a:rPr lang="zh-CN" altLang="en-US" sz="2800" b="1" dirty="0" smtClean="0"/>
+              <a:t> </a:t>
+            </a:r>
+            <a:r>
+              <a:rPr lang="en-US" altLang="zh-CN" sz="2800" b="1" dirty="0" smtClean="0"/>
               <a:t>cases:</a:t>
             </a:r>
-            <a:endParaRPr lang="zh-CN" altLang="en-US" b="1" dirty="0" smtClean="0"/>
+            <a:endParaRPr lang="zh-CN" altLang="en-US" sz="2800" b="1" dirty="0" smtClean="0"/>
           </a:p>
           <a:p>
             <a:pPr lvl="1">
@@ -24789,7 +24609,7 @@
               </a:buClr>
             </a:pPr>
             <a:r>
-              <a:rPr lang="en-US" altLang="zh-CN" dirty="0" smtClean="0">
+              <a:rPr lang="en-US" altLang="zh-CN" sz="2400" dirty="0" smtClean="0">
                 <a:solidFill>
                   <a:schemeClr val="tx1"/>
                 </a:solidFill>
@@ -24797,15 +24617,15 @@
               <a:t>Big</a:t>
             </a:r>
             <a:r>
-              <a:rPr lang="zh-CN" altLang="en-US" dirty="0" smtClean="0">
-                <a:solidFill>
-                  <a:schemeClr val="tx1"/>
-                </a:solidFill>
-              </a:rPr>
-              <a:t> </a:t>
-            </a:r>
-            <a:r>
-              <a:rPr lang="en-US" altLang="zh-CN" dirty="0" smtClean="0">
+              <a:rPr lang="zh-CN" altLang="en-US" sz="2400" dirty="0" smtClean="0">
+                <a:solidFill>
+                  <a:schemeClr val="tx1"/>
+                </a:solidFill>
+              </a:rPr>
+              <a:t> </a:t>
+            </a:r>
+            <a:r>
+              <a:rPr lang="en-US" altLang="zh-CN" sz="2400" dirty="0" smtClean="0">
                 <a:solidFill>
                   <a:schemeClr val="tx1"/>
                 </a:solidFill>
@@ -24813,15 +24633,15 @@
               <a:t>N,</a:t>
             </a:r>
             <a:r>
-              <a:rPr lang="zh-CN" altLang="en-US" dirty="0" smtClean="0">
-                <a:solidFill>
-                  <a:schemeClr val="tx1"/>
-                </a:solidFill>
-              </a:rPr>
-              <a:t> </a:t>
-            </a:r>
-            <a:r>
-              <a:rPr lang="en-US" altLang="zh-CN" dirty="0" smtClean="0">
+              <a:rPr lang="zh-CN" altLang="en-US" sz="2400" dirty="0" smtClean="0">
+                <a:solidFill>
+                  <a:schemeClr val="tx1"/>
+                </a:solidFill>
+              </a:rPr>
+              <a:t> </a:t>
+            </a:r>
+            <a:r>
+              <a:rPr lang="en-US" altLang="zh-CN" sz="2400" dirty="0" smtClean="0">
                 <a:solidFill>
                   <a:schemeClr val="tx1"/>
                 </a:solidFill>
@@ -24829,22 +24649,22 @@
               <a:t>Small</a:t>
             </a:r>
             <a:r>
-              <a:rPr lang="zh-CN" altLang="en-US" dirty="0" smtClean="0">
-                <a:solidFill>
-                  <a:schemeClr val="tx1"/>
-                </a:solidFill>
-              </a:rPr>
-              <a:t> </a:t>
-            </a:r>
-            <a:r>
-              <a:rPr lang="en-US" altLang="zh-CN" dirty="0">
+              <a:rPr lang="zh-CN" altLang="en-US" sz="2400" dirty="0" smtClean="0">
+                <a:solidFill>
+                  <a:schemeClr val="tx1"/>
+                </a:solidFill>
+              </a:rPr>
+              <a:t> </a:t>
+            </a:r>
+            <a:r>
+              <a:rPr lang="en-US" altLang="zh-CN" sz="2400" dirty="0">
                 <a:solidFill>
                   <a:schemeClr val="tx1"/>
                 </a:solidFill>
               </a:rPr>
               <a:t>F</a:t>
             </a:r>
-            <a:endParaRPr lang="zh-CN" altLang="en-US" dirty="0" smtClean="0">
+            <a:endParaRPr lang="zh-CN" altLang="en-US" sz="2400" dirty="0" smtClean="0">
               <a:solidFill>
                 <a:schemeClr val="tx1"/>
               </a:solidFill>
@@ -24857,7 +24677,7 @@
               </a:buClr>
             </a:pPr>
             <a:r>
-              <a:rPr lang="en-US" altLang="zh-CN" dirty="0" smtClean="0">
+              <a:rPr lang="en-US" altLang="zh-CN" sz="2400" dirty="0" smtClean="0">
                 <a:solidFill>
                   <a:schemeClr val="tx1"/>
                 </a:solidFill>
@@ -24865,15 +24685,15 @@
               <a:t>Small</a:t>
             </a:r>
             <a:r>
-              <a:rPr lang="zh-CN" altLang="en-US" dirty="0" smtClean="0">
-                <a:solidFill>
-                  <a:schemeClr val="tx1"/>
-                </a:solidFill>
-              </a:rPr>
-              <a:t> </a:t>
-            </a:r>
-            <a:r>
-              <a:rPr lang="en-US" altLang="zh-CN" dirty="0" smtClean="0">
+              <a:rPr lang="zh-CN" altLang="en-US" sz="2400" dirty="0" smtClean="0">
+                <a:solidFill>
+                  <a:schemeClr val="tx1"/>
+                </a:solidFill>
+              </a:rPr>
+              <a:t> </a:t>
+            </a:r>
+            <a:r>
+              <a:rPr lang="en-US" altLang="zh-CN" sz="2400" dirty="0" smtClean="0">
                 <a:solidFill>
                   <a:schemeClr val="tx1"/>
                 </a:solidFill>
@@ -24881,7 +24701,7 @@
               <a:t>N</a:t>
             </a:r>
             <a:r>
-              <a:rPr lang="en-US" altLang="zh-CN" dirty="0">
+              <a:rPr lang="en-US" altLang="zh-CN" sz="2400" dirty="0">
                 <a:solidFill>
                   <a:schemeClr val="tx1"/>
                 </a:solidFill>
@@ -24889,15 +24709,15 @@
               <a:t>,</a:t>
             </a:r>
             <a:r>
-              <a:rPr lang="zh-CN" altLang="en-US" dirty="0">
-                <a:solidFill>
-                  <a:schemeClr val="tx1"/>
-                </a:solidFill>
-              </a:rPr>
-              <a:t> </a:t>
-            </a:r>
-            <a:r>
-              <a:rPr lang="en-US" altLang="zh-CN" dirty="0">
+              <a:rPr lang="zh-CN" altLang="en-US" sz="2400" dirty="0">
+                <a:solidFill>
+                  <a:schemeClr val="tx1"/>
+                </a:solidFill>
+              </a:rPr>
+              <a:t> </a:t>
+            </a:r>
+            <a:r>
+              <a:rPr lang="en-US" altLang="zh-CN" sz="2400" dirty="0">
                 <a:solidFill>
                   <a:schemeClr val="tx1"/>
                 </a:solidFill>
@@ -24905,22 +24725,22 @@
               <a:t>Big</a:t>
             </a:r>
             <a:r>
-              <a:rPr lang="zh-CN" altLang="en-US" dirty="0">
-                <a:solidFill>
-                  <a:schemeClr val="tx1"/>
-                </a:solidFill>
-              </a:rPr>
-              <a:t> </a:t>
-            </a:r>
-            <a:r>
-              <a:rPr lang="en-US" altLang="zh-CN" dirty="0">
+              <a:rPr lang="zh-CN" altLang="en-US" sz="2400" dirty="0">
+                <a:solidFill>
+                  <a:schemeClr val="tx1"/>
+                </a:solidFill>
+              </a:rPr>
+              <a:t> </a:t>
+            </a:r>
+            <a:r>
+              <a:rPr lang="en-US" altLang="zh-CN" sz="2400" dirty="0">
                 <a:solidFill>
                   <a:schemeClr val="tx1"/>
                 </a:solidFill>
               </a:rPr>
               <a:t>F</a:t>
             </a:r>
-            <a:endParaRPr lang="zh-CN" altLang="en-US" dirty="0">
+            <a:endParaRPr lang="zh-CN" altLang="en-US" sz="2400" dirty="0">
               <a:solidFill>
                 <a:schemeClr val="tx1"/>
               </a:solidFill>
@@ -24933,7 +24753,7 @@
               </a:buClr>
             </a:pPr>
             <a:r>
-              <a:rPr lang="en-US" altLang="zh-CN" dirty="0" smtClean="0">
+              <a:rPr lang="en-US" altLang="zh-CN" sz="2400" dirty="0" smtClean="0">
                 <a:solidFill>
                   <a:schemeClr val="tx1"/>
                 </a:solidFill>
@@ -24941,15 +24761,15 @@
               <a:t>Big</a:t>
             </a:r>
             <a:r>
-              <a:rPr lang="zh-CN" altLang="en-US" dirty="0" smtClean="0">
-                <a:solidFill>
-                  <a:schemeClr val="tx1"/>
-                </a:solidFill>
-              </a:rPr>
-              <a:t> </a:t>
-            </a:r>
-            <a:r>
-              <a:rPr lang="en-US" altLang="zh-CN" dirty="0" smtClean="0">
+              <a:rPr lang="zh-CN" altLang="en-US" sz="2400" dirty="0" smtClean="0">
+                <a:solidFill>
+                  <a:schemeClr val="tx1"/>
+                </a:solidFill>
+              </a:rPr>
+              <a:t> </a:t>
+            </a:r>
+            <a:r>
+              <a:rPr lang="en-US" altLang="zh-CN" sz="2400" dirty="0" smtClean="0">
                 <a:solidFill>
                   <a:schemeClr val="tx1"/>
                 </a:solidFill>
@@ -24957,15 +24777,15 @@
               <a:t>N,</a:t>
             </a:r>
             <a:r>
-              <a:rPr lang="zh-CN" altLang="en-US" dirty="0" smtClean="0">
-                <a:solidFill>
-                  <a:schemeClr val="tx1"/>
-                </a:solidFill>
-              </a:rPr>
-              <a:t> </a:t>
-            </a:r>
-            <a:r>
-              <a:rPr lang="en-US" altLang="zh-CN" dirty="0" smtClean="0">
+              <a:rPr lang="zh-CN" altLang="en-US" sz="2400" dirty="0" smtClean="0">
+                <a:solidFill>
+                  <a:schemeClr val="tx1"/>
+                </a:solidFill>
+              </a:rPr>
+              <a:t> </a:t>
+            </a:r>
+            <a:r>
+              <a:rPr lang="en-US" altLang="zh-CN" sz="2400" dirty="0" smtClean="0">
                 <a:solidFill>
                   <a:schemeClr val="tx1"/>
                 </a:solidFill>
@@ -24973,22 +24793,22 @@
               <a:t>Big</a:t>
             </a:r>
             <a:r>
-              <a:rPr lang="zh-CN" altLang="en-US" dirty="0" smtClean="0">
-                <a:solidFill>
-                  <a:schemeClr val="tx1"/>
-                </a:solidFill>
-              </a:rPr>
-              <a:t> </a:t>
-            </a:r>
-            <a:r>
-              <a:rPr lang="en-US" altLang="zh-CN" dirty="0">
+              <a:rPr lang="zh-CN" altLang="en-US" sz="2400" dirty="0" smtClean="0">
+                <a:solidFill>
+                  <a:schemeClr val="tx1"/>
+                </a:solidFill>
+              </a:rPr>
+              <a:t> </a:t>
+            </a:r>
+            <a:r>
+              <a:rPr lang="en-US" altLang="zh-CN" sz="2400" dirty="0">
                 <a:solidFill>
                   <a:schemeClr val="tx1"/>
                 </a:solidFill>
               </a:rPr>
               <a:t>F</a:t>
             </a:r>
-            <a:endParaRPr lang="zh-CN" altLang="en-US" b="1" dirty="0" smtClean="0"/>
+            <a:endParaRPr lang="zh-CN" altLang="en-US" sz="2400" b="1" dirty="0" smtClean="0"/>
           </a:p>
           <a:p>
             <a:endParaRPr lang="zh-CN" altLang="en-US" dirty="0" smtClean="0"/>
@@ -25013,10 +24833,10 @@
           <a:bodyPr/>
           <a:lstStyle/>
           <a:p>
-            <a:r>
+            <a:fld id="{D3306CDE-59B6-4441-BCD7-448EFBC8AD02}" type="datetime1">
               <a:rPr lang="en-US" smtClean="0"/>
-              <a:t>01/05/16</a:t>
-            </a:r>
+              <a:t>12/24/16</a:t>
+            </a:fld>
             <a:endParaRPr lang="en-US" dirty="0"/>
           </a:p>
         </p:txBody>
@@ -25850,61 +25670,61 @@
         </p:nvSpPr>
         <p:spPr>
           <a:xfrm>
-            <a:off x="1097280" y="1845733"/>
-            <a:ext cx="9189720" cy="4614052"/>
+            <a:off x="1097279" y="1845733"/>
+            <a:ext cx="10115203" cy="4614052"/>
           </a:xfrm>
         </p:spPr>
         <p:txBody>
           <a:bodyPr>
-            <a:normAutofit/>
+            <a:normAutofit fontScale="92500" lnSpcReduction="10000"/>
           </a:bodyPr>
           <a:lstStyle/>
           <a:p>
             <a:r>
-              <a:rPr lang="en-US" altLang="zh-CN" b="1" dirty="0" smtClean="0"/>
+              <a:rPr lang="en-US" altLang="zh-CN" sz="2800" b="1" dirty="0" smtClean="0"/>
               <a:t>Requiring</a:t>
             </a:r>
             <a:r>
-              <a:rPr lang="zh-CN" altLang="en-US" b="1" dirty="0" smtClean="0"/>
-              <a:t> </a:t>
-            </a:r>
-            <a:r>
-              <a:rPr lang="en-US" altLang="zh-CN" b="1" dirty="0" smtClean="0"/>
+              <a:rPr lang="zh-CN" altLang="en-US" sz="2800" b="1" dirty="0" smtClean="0"/>
+              <a:t> </a:t>
+            </a:r>
+            <a:r>
+              <a:rPr lang="en-US" altLang="zh-CN" sz="2800" b="1" dirty="0" smtClean="0"/>
               <a:t>distributed</a:t>
             </a:r>
             <a:r>
-              <a:rPr lang="zh-CN" altLang="en-US" b="1" dirty="0" smtClean="0"/>
-              <a:t> </a:t>
-            </a:r>
-            <a:r>
-              <a:rPr lang="en-US" altLang="zh-CN" b="1" dirty="0" smtClean="0"/>
+              <a:rPr lang="zh-CN" altLang="en-US" sz="2800" b="1" dirty="0" smtClean="0"/>
+              <a:t> </a:t>
+            </a:r>
+            <a:r>
+              <a:rPr lang="en-US" altLang="zh-CN" sz="2800" b="1" dirty="0" smtClean="0"/>
               <a:t>data</a:t>
             </a:r>
             <a:r>
-              <a:rPr lang="zh-CN" altLang="en-US" b="1" dirty="0" smtClean="0"/>
-              <a:t> </a:t>
-            </a:r>
-            <a:r>
-              <a:rPr lang="en-US" altLang="zh-CN" b="1" dirty="0" smtClean="0"/>
+              <a:rPr lang="zh-CN" altLang="en-US" sz="2800" b="1" dirty="0" smtClean="0"/>
+              <a:t> </a:t>
+            </a:r>
+            <a:r>
+              <a:rPr lang="en-US" altLang="zh-CN" sz="2800" b="1" dirty="0" smtClean="0"/>
               <a:t>storage</a:t>
             </a:r>
             <a:r>
-              <a:rPr lang="zh-CN" altLang="en-US" b="1" dirty="0" smtClean="0"/>
-              <a:t> </a:t>
-            </a:r>
-            <a:r>
-              <a:rPr lang="en-US" altLang="zh-CN" b="1" dirty="0" smtClean="0"/>
+              <a:rPr lang="zh-CN" altLang="en-US" sz="2800" b="1" dirty="0" smtClean="0"/>
+              <a:t> </a:t>
+            </a:r>
+            <a:r>
+              <a:rPr lang="en-US" altLang="zh-CN" sz="2800" b="1" dirty="0" smtClean="0"/>
               <a:t>and</a:t>
             </a:r>
             <a:r>
-              <a:rPr lang="zh-CN" altLang="en-US" b="1" dirty="0" smtClean="0"/>
-              <a:t> </a:t>
-            </a:r>
-            <a:r>
-              <a:rPr lang="en-US" altLang="zh-CN" b="1" dirty="0" smtClean="0"/>
+              <a:rPr lang="zh-CN" altLang="en-US" sz="2800" b="1" dirty="0" smtClean="0"/>
+              <a:t> </a:t>
+            </a:r>
+            <a:r>
+              <a:rPr lang="en-US" altLang="zh-CN" sz="2800" b="1" dirty="0" smtClean="0"/>
               <a:t>access</a:t>
             </a:r>
-            <a:endParaRPr lang="zh-CN" altLang="en-US" b="1" dirty="0" smtClean="0"/>
+            <a:endParaRPr lang="zh-CN" altLang="en-US" sz="2800" b="1" dirty="0" smtClean="0"/>
           </a:p>
           <a:p>
             <a:pPr lvl="1">
@@ -25913,7 +25733,7 @@
               </a:buClr>
             </a:pPr>
             <a:r>
-              <a:rPr lang="en-US" altLang="zh-CN" dirty="0" smtClean="0">
+              <a:rPr lang="en-US" altLang="zh-CN" sz="2400" dirty="0" smtClean="0">
                 <a:solidFill>
                   <a:schemeClr val="tx1"/>
                 </a:solidFill>
@@ -25921,15 +25741,15 @@
               <a:t>Thanks</a:t>
             </a:r>
             <a:r>
-              <a:rPr lang="zh-CN" altLang="en-US" dirty="0" smtClean="0">
-                <a:solidFill>
-                  <a:schemeClr val="tx1"/>
-                </a:solidFill>
-              </a:rPr>
-              <a:t> </a:t>
-            </a:r>
-            <a:r>
-              <a:rPr lang="en-US" altLang="zh-CN" dirty="0" smtClean="0">
+              <a:rPr lang="zh-CN" altLang="en-US" sz="2400" dirty="0" smtClean="0">
+                <a:solidFill>
+                  <a:schemeClr val="tx1"/>
+                </a:solidFill>
+              </a:rPr>
+              <a:t> </a:t>
+            </a:r>
+            <a:r>
+              <a:rPr lang="en-US" altLang="zh-CN" sz="2400" dirty="0" smtClean="0">
                 <a:solidFill>
                   <a:schemeClr val="tx1"/>
                 </a:solidFill>
@@ -25937,15 +25757,15 @@
               <a:t>to</a:t>
             </a:r>
             <a:r>
-              <a:rPr lang="zh-CN" altLang="en-US" dirty="0" smtClean="0">
-                <a:solidFill>
-                  <a:schemeClr val="tx1"/>
-                </a:solidFill>
-              </a:rPr>
-              <a:t> </a:t>
-            </a:r>
-            <a:r>
-              <a:rPr lang="en-US" altLang="zh-CN" dirty="0" smtClean="0">
+              <a:rPr lang="zh-CN" altLang="en-US" sz="2400" dirty="0" smtClean="0">
+                <a:solidFill>
+                  <a:schemeClr val="tx1"/>
+                </a:solidFill>
+              </a:rPr>
+              <a:t> </a:t>
+            </a:r>
+            <a:r>
+              <a:rPr lang="en-US" altLang="zh-CN" sz="2400" dirty="0" smtClean="0">
                 <a:solidFill>
                   <a:schemeClr val="tx1"/>
                 </a:solidFill>
@@ -25953,15 +25773,15 @@
               <a:t>HDFS</a:t>
             </a:r>
             <a:r>
-              <a:rPr lang="zh-CN" altLang="en-US" dirty="0" smtClean="0">
-                <a:solidFill>
-                  <a:schemeClr val="tx1"/>
-                </a:solidFill>
-              </a:rPr>
-              <a:t> </a:t>
-            </a:r>
-            <a:r>
-              <a:rPr lang="en-US" altLang="zh-CN" dirty="0" smtClean="0">
+              <a:rPr lang="zh-CN" altLang="en-US" sz="2400" dirty="0" smtClean="0">
+                <a:solidFill>
+                  <a:schemeClr val="tx1"/>
+                </a:solidFill>
+              </a:rPr>
+              <a:t> </a:t>
+            </a:r>
+            <a:r>
+              <a:rPr lang="en-US" altLang="zh-CN" sz="2400" dirty="0" smtClean="0">
                 <a:solidFill>
                   <a:schemeClr val="tx1"/>
                 </a:solidFill>
@@ -25969,22 +25789,22 @@
               <a:t>and</a:t>
             </a:r>
             <a:r>
-              <a:rPr lang="zh-CN" altLang="en-US" dirty="0" smtClean="0">
-                <a:solidFill>
-                  <a:schemeClr val="tx1"/>
-                </a:solidFill>
-              </a:rPr>
-              <a:t> </a:t>
-            </a:r>
-            <a:r>
-              <a:rPr lang="en-US" altLang="zh-CN" dirty="0" smtClean="0">
+              <a:rPr lang="zh-CN" altLang="en-US" sz="2400" dirty="0" smtClean="0">
+                <a:solidFill>
+                  <a:schemeClr val="tx1"/>
+                </a:solidFill>
+              </a:rPr>
+              <a:t> </a:t>
+            </a:r>
+            <a:r>
+              <a:rPr lang="en-US" altLang="zh-CN" sz="2400" dirty="0" smtClean="0">
                 <a:solidFill>
                   <a:schemeClr val="tx1"/>
                 </a:solidFill>
               </a:rPr>
               <a:t>Spark!</a:t>
             </a:r>
-            <a:endParaRPr lang="zh-CN" altLang="en-US" dirty="0">
+            <a:endParaRPr lang="zh-CN" altLang="en-US" sz="2400" dirty="0">
               <a:solidFill>
                 <a:schemeClr val="tx1"/>
               </a:solidFill>
@@ -26004,58 +25824,58 @@
           </a:p>
           <a:p>
             <a:r>
-              <a:rPr lang="en-US" altLang="zh-CN" b="1" dirty="0" smtClean="0"/>
+              <a:rPr lang="en-US" altLang="zh-CN" sz="2800" b="1" dirty="0" smtClean="0"/>
               <a:t>Network</a:t>
             </a:r>
             <a:r>
-              <a:rPr lang="zh-CN" altLang="en-US" b="1" dirty="0" smtClean="0"/>
-              <a:t> </a:t>
-            </a:r>
-            <a:r>
-              <a:rPr lang="en-US" altLang="zh-CN" b="1" dirty="0"/>
+              <a:rPr lang="zh-CN" altLang="en-US" sz="2800" b="1" dirty="0" smtClean="0"/>
+              <a:t> </a:t>
+            </a:r>
+            <a:r>
+              <a:rPr lang="en-US" altLang="zh-CN" sz="2800" b="1" dirty="0"/>
               <a:t>c</a:t>
             </a:r>
             <a:r>
-              <a:rPr lang="en-US" altLang="zh-CN" b="1" dirty="0" smtClean="0"/>
+              <a:rPr lang="en-US" altLang="zh-CN" sz="2800" b="1" dirty="0" smtClean="0"/>
               <a:t>ommunication</a:t>
             </a:r>
             <a:r>
-              <a:rPr lang="zh-CN" altLang="en-US" b="1" dirty="0" smtClean="0"/>
-              <a:t> </a:t>
-            </a:r>
-            <a:r>
-              <a:rPr lang="en-US" altLang="zh-CN" b="1" dirty="0" smtClean="0"/>
+              <a:rPr lang="zh-CN" altLang="en-US" sz="2800" b="1" dirty="0" smtClean="0"/>
+              <a:t> </a:t>
+            </a:r>
+            <a:r>
+              <a:rPr lang="en-US" altLang="zh-CN" sz="2800" b="1" dirty="0" smtClean="0"/>
               <a:t>is</a:t>
             </a:r>
             <a:r>
-              <a:rPr lang="zh-CN" altLang="en-US" b="1" dirty="0" smtClean="0"/>
-              <a:t> </a:t>
-            </a:r>
-            <a:r>
-              <a:rPr lang="en-US" altLang="zh-CN" b="1" dirty="0" smtClean="0"/>
+              <a:rPr lang="zh-CN" altLang="en-US" sz="2800" b="1" dirty="0" smtClean="0"/>
+              <a:t> </a:t>
+            </a:r>
+            <a:r>
+              <a:rPr lang="en-US" altLang="zh-CN" sz="2800" b="1" dirty="0" smtClean="0"/>
               <a:t>often</a:t>
             </a:r>
             <a:r>
-              <a:rPr lang="zh-CN" altLang="en-US" b="1" dirty="0" smtClean="0"/>
-              <a:t> </a:t>
-            </a:r>
-            <a:r>
-              <a:rPr lang="en-US" altLang="zh-CN" b="1" dirty="0" smtClean="0"/>
+              <a:rPr lang="zh-CN" altLang="en-US" sz="2800" b="1" dirty="0" smtClean="0"/>
+              <a:t> </a:t>
+            </a:r>
+            <a:r>
+              <a:rPr lang="en-US" altLang="zh-CN" sz="2800" b="1" dirty="0" smtClean="0"/>
               <a:t>the</a:t>
             </a:r>
             <a:r>
-              <a:rPr lang="zh-CN" altLang="en-US" b="1" dirty="0" smtClean="0"/>
-              <a:t> </a:t>
-            </a:r>
-            <a:r>
-              <a:rPr lang="en-US" altLang="zh-CN" b="1" dirty="0" smtClean="0"/>
+              <a:rPr lang="zh-CN" altLang="en-US" sz="2800" b="1" dirty="0" smtClean="0"/>
+              <a:t> </a:t>
+            </a:r>
+            <a:r>
+              <a:rPr lang="en-US" altLang="zh-CN" sz="2800" b="1" dirty="0" smtClean="0"/>
               <a:t>bottleneck</a:t>
             </a:r>
             <a:r>
-              <a:rPr lang="zh-CN" altLang="en-US" b="1" dirty="0" smtClean="0"/>
-              <a:t> </a:t>
-            </a:r>
-            <a:endParaRPr lang="zh-CN" altLang="en-US" b="1" dirty="0"/>
+              <a:rPr lang="zh-CN" altLang="en-US" sz="2800" b="1" dirty="0" smtClean="0"/>
+              <a:t> </a:t>
+            </a:r>
+            <a:endParaRPr lang="zh-CN" altLang="en-US" sz="2800" b="1" dirty="0"/>
           </a:p>
           <a:p>
             <a:pPr lvl="1">
@@ -26064,7 +25884,7 @@
               </a:buClr>
             </a:pPr>
             <a:r>
-              <a:rPr lang="en-US" altLang="zh-CN" dirty="0" smtClean="0">
+              <a:rPr lang="en-US" altLang="zh-CN" sz="2400" dirty="0" smtClean="0">
                 <a:solidFill>
                   <a:schemeClr val="tx1"/>
                 </a:solidFill>
@@ -26072,15 +25892,15 @@
               <a:t>Non-distributed</a:t>
             </a:r>
             <a:r>
-              <a:rPr lang="zh-CN" altLang="en-US" dirty="0" smtClean="0">
-                <a:solidFill>
-                  <a:schemeClr val="tx1"/>
-                </a:solidFill>
-              </a:rPr>
-              <a:t> </a:t>
-            </a:r>
-            <a:r>
-              <a:rPr lang="en-US" altLang="zh-CN" dirty="0" smtClean="0">
+              <a:rPr lang="zh-CN" altLang="en-US" sz="2400" dirty="0" smtClean="0">
+                <a:solidFill>
+                  <a:schemeClr val="tx1"/>
+                </a:solidFill>
+              </a:rPr>
+              <a:t> </a:t>
+            </a:r>
+            <a:r>
+              <a:rPr lang="en-US" altLang="zh-CN" sz="2400" dirty="0" smtClean="0">
                 <a:solidFill>
                   <a:schemeClr val="tx1"/>
                 </a:solidFill>
@@ -26088,15 +25908,15 @@
               <a:t>ML</a:t>
             </a:r>
             <a:r>
-              <a:rPr lang="zh-CN" altLang="en-US" dirty="0" smtClean="0">
-                <a:solidFill>
-                  <a:schemeClr val="tx1"/>
-                </a:solidFill>
-              </a:rPr>
-              <a:t> </a:t>
-            </a:r>
-            <a:r>
-              <a:rPr lang="en-US" altLang="zh-CN" dirty="0" smtClean="0">
+              <a:rPr lang="zh-CN" altLang="en-US" sz="2400" dirty="0" smtClean="0">
+                <a:solidFill>
+                  <a:schemeClr val="tx1"/>
+                </a:solidFill>
+              </a:rPr>
+              <a:t> </a:t>
+            </a:r>
+            <a:r>
+              <a:rPr lang="en-US" altLang="zh-CN" sz="2400" dirty="0" smtClean="0">
                 <a:solidFill>
                   <a:schemeClr val="tx1"/>
                 </a:solidFill>
@@ -26104,15 +25924,15 @@
               <a:t>focuses</a:t>
             </a:r>
             <a:r>
-              <a:rPr lang="zh-CN" altLang="en-US" dirty="0" smtClean="0">
-                <a:solidFill>
-                  <a:schemeClr val="tx1"/>
-                </a:solidFill>
-              </a:rPr>
-              <a:t> </a:t>
-            </a:r>
-            <a:r>
-              <a:rPr lang="en-US" altLang="zh-CN" dirty="0" smtClean="0">
+              <a:rPr lang="zh-CN" altLang="en-US" sz="2400" dirty="0" smtClean="0">
+                <a:solidFill>
+                  <a:schemeClr val="tx1"/>
+                </a:solidFill>
+              </a:rPr>
+              <a:t> </a:t>
+            </a:r>
+            <a:r>
+              <a:rPr lang="en-US" altLang="zh-CN" sz="2400" dirty="0" smtClean="0">
                 <a:solidFill>
                   <a:schemeClr val="tx1"/>
                 </a:solidFill>
@@ -26120,15 +25940,15 @@
               <a:t>on</a:t>
             </a:r>
             <a:r>
-              <a:rPr lang="zh-CN" altLang="en-US" dirty="0" smtClean="0">
-                <a:solidFill>
-                  <a:schemeClr val="tx1"/>
-                </a:solidFill>
-              </a:rPr>
-              <a:t> </a:t>
-            </a:r>
-            <a:r>
-              <a:rPr lang="en-US" altLang="zh-CN" dirty="0" smtClean="0">
+              <a:rPr lang="zh-CN" altLang="en-US" sz="2400" dirty="0" smtClean="0">
+                <a:solidFill>
+                  <a:schemeClr val="tx1"/>
+                </a:solidFill>
+              </a:rPr>
+              <a:t> </a:t>
+            </a:r>
+            <a:r>
+              <a:rPr lang="en-US" altLang="zh-CN" sz="2400" dirty="0" smtClean="0">
                 <a:solidFill>
                   <a:schemeClr val="tx1"/>
                 </a:solidFill>
@@ -26136,15 +25956,15 @@
               <a:t>reducing</a:t>
             </a:r>
             <a:r>
-              <a:rPr lang="zh-CN" altLang="en-US" dirty="0" smtClean="0">
-                <a:solidFill>
-                  <a:schemeClr val="tx1"/>
-                </a:solidFill>
-              </a:rPr>
-              <a:t> </a:t>
-            </a:r>
-            <a:r>
-              <a:rPr lang="en-US" altLang="zh-CN" dirty="0" smtClean="0">
+              <a:rPr lang="zh-CN" altLang="en-US" sz="2400" dirty="0" smtClean="0">
+                <a:solidFill>
+                  <a:schemeClr val="tx1"/>
+                </a:solidFill>
+              </a:rPr>
+              <a:t> </a:t>
+            </a:r>
+            <a:r>
+              <a:rPr lang="en-US" altLang="zh-CN" sz="2400" dirty="0" smtClean="0">
                 <a:solidFill>
                   <a:schemeClr val="tx1"/>
                 </a:solidFill>
@@ -26152,15 +25972,15 @@
               <a:t>CPU</a:t>
             </a:r>
             <a:r>
-              <a:rPr lang="zh-CN" altLang="en-US" dirty="0" smtClean="0">
-                <a:solidFill>
-                  <a:schemeClr val="tx1"/>
-                </a:solidFill>
-              </a:rPr>
-              <a:t> </a:t>
-            </a:r>
-            <a:r>
-              <a:rPr lang="en-US" altLang="zh-CN" dirty="0" smtClean="0">
+              <a:rPr lang="zh-CN" altLang="en-US" sz="2400" dirty="0" smtClean="0">
+                <a:solidFill>
+                  <a:schemeClr val="tx1"/>
+                </a:solidFill>
+              </a:rPr>
+              <a:t> </a:t>
+            </a:r>
+            <a:r>
+              <a:rPr lang="en-US" altLang="zh-CN" sz="2400" dirty="0" smtClean="0">
                 <a:solidFill>
                   <a:schemeClr val="tx1"/>
                 </a:solidFill>
@@ -26168,15 +25988,15 @@
               <a:t>time</a:t>
             </a:r>
             <a:r>
-              <a:rPr lang="zh-CN" altLang="en-US" dirty="0" smtClean="0">
-                <a:solidFill>
-                  <a:schemeClr val="tx1"/>
-                </a:solidFill>
-              </a:rPr>
-              <a:t> </a:t>
-            </a:r>
-            <a:r>
-              <a:rPr lang="en-US" altLang="zh-CN" dirty="0" smtClean="0">
+              <a:rPr lang="zh-CN" altLang="en-US" sz="2400" dirty="0" smtClean="0">
+                <a:solidFill>
+                  <a:schemeClr val="tx1"/>
+                </a:solidFill>
+              </a:rPr>
+              <a:t> </a:t>
+            </a:r>
+            <a:r>
+              <a:rPr lang="en-US" altLang="zh-CN" sz="2400" dirty="0" smtClean="0">
                 <a:solidFill>
                   <a:schemeClr val="tx1"/>
                 </a:solidFill>
@@ -26184,15 +26004,15 @@
               <a:t>and</a:t>
             </a:r>
             <a:r>
-              <a:rPr lang="zh-CN" altLang="en-US" dirty="0" smtClean="0">
-                <a:solidFill>
-                  <a:schemeClr val="tx1"/>
-                </a:solidFill>
-              </a:rPr>
-              <a:t> </a:t>
-            </a:r>
-            <a:r>
-              <a:rPr lang="en-US" altLang="zh-CN" dirty="0" smtClean="0">
+              <a:rPr lang="zh-CN" altLang="en-US" sz="2400" dirty="0" smtClean="0">
+                <a:solidFill>
+                  <a:schemeClr val="tx1"/>
+                </a:solidFill>
+              </a:rPr>
+              <a:t> </a:t>
+            </a:r>
+            <a:r>
+              <a:rPr lang="en-US" altLang="zh-CN" sz="2400" dirty="0" smtClean="0">
                 <a:solidFill>
                   <a:schemeClr val="tx1"/>
                 </a:solidFill>
@@ -26200,15 +26020,15 @@
               <a:t>I/O</a:t>
             </a:r>
             <a:r>
-              <a:rPr lang="zh-CN" altLang="en-US" dirty="0" smtClean="0">
-                <a:solidFill>
-                  <a:schemeClr val="tx1"/>
-                </a:solidFill>
-              </a:rPr>
-              <a:t> </a:t>
-            </a:r>
-            <a:r>
-              <a:rPr lang="en-US" altLang="zh-CN" dirty="0" smtClean="0">
+              <a:rPr lang="zh-CN" altLang="en-US" sz="2400" dirty="0" smtClean="0">
+                <a:solidFill>
+                  <a:schemeClr val="tx1"/>
+                </a:solidFill>
+              </a:rPr>
+              <a:t> </a:t>
+            </a:r>
+            <a:r>
+              <a:rPr lang="en-US" altLang="zh-CN" sz="2400" dirty="0" smtClean="0">
                 <a:solidFill>
                   <a:schemeClr val="tx1"/>
                 </a:solidFill>
@@ -26216,15 +26036,15 @@
               <a:t>cost,</a:t>
             </a:r>
             <a:r>
-              <a:rPr lang="zh-CN" altLang="en-US" dirty="0" smtClean="0">
-                <a:solidFill>
-                  <a:schemeClr val="tx1"/>
-                </a:solidFill>
-              </a:rPr>
-              <a:t> </a:t>
-            </a:r>
-            <a:r>
-              <a:rPr lang="en-US" altLang="zh-CN" dirty="0" smtClean="0">
+              <a:rPr lang="zh-CN" altLang="en-US" sz="2400" dirty="0" smtClean="0">
+                <a:solidFill>
+                  <a:schemeClr val="tx1"/>
+                </a:solidFill>
+              </a:rPr>
+              <a:t> </a:t>
+            </a:r>
+            <a:r>
+              <a:rPr lang="en-US" altLang="zh-CN" sz="2400" dirty="0" smtClean="0">
                 <a:solidFill>
                   <a:schemeClr val="tx1"/>
                 </a:solidFill>
@@ -26232,15 +26052,15 @@
               <a:t>but</a:t>
             </a:r>
             <a:r>
-              <a:rPr lang="zh-CN" altLang="en-US" dirty="0" smtClean="0">
-                <a:solidFill>
-                  <a:schemeClr val="tx1"/>
-                </a:solidFill>
-              </a:rPr>
-              <a:t> </a:t>
-            </a:r>
-            <a:r>
-              <a:rPr lang="en-US" altLang="zh-CN" dirty="0" smtClean="0">
+              <a:rPr lang="zh-CN" altLang="en-US" sz="2400" dirty="0" smtClean="0">
+                <a:solidFill>
+                  <a:schemeClr val="tx1"/>
+                </a:solidFill>
+              </a:rPr>
+              <a:t> </a:t>
+            </a:r>
+            <a:r>
+              <a:rPr lang="en-US" altLang="zh-CN" sz="2400" dirty="0" smtClean="0">
                 <a:solidFill>
                   <a:schemeClr val="tx1"/>
                 </a:solidFill>
@@ -26248,15 +26068,15 @@
               <a:t>distributed</a:t>
             </a:r>
             <a:r>
-              <a:rPr lang="zh-CN" altLang="en-US" dirty="0" smtClean="0">
-                <a:solidFill>
-                  <a:schemeClr val="tx1"/>
-                </a:solidFill>
-              </a:rPr>
-              <a:t> </a:t>
-            </a:r>
-            <a:r>
-              <a:rPr lang="en-US" altLang="zh-CN" dirty="0" smtClean="0">
+              <a:rPr lang="zh-CN" altLang="en-US" sz="2400" dirty="0" smtClean="0">
+                <a:solidFill>
+                  <a:schemeClr val="tx1"/>
+                </a:solidFill>
+              </a:rPr>
+              <a:t> </a:t>
+            </a:r>
+            <a:r>
+              <a:rPr lang="en-US" altLang="zh-CN" sz="2400" dirty="0" smtClean="0">
                 <a:solidFill>
                   <a:schemeClr val="tx1"/>
                 </a:solidFill>
@@ -26264,15 +26084,15 @@
               <a:t>ML</a:t>
             </a:r>
             <a:r>
-              <a:rPr lang="zh-CN" altLang="en-US" dirty="0" smtClean="0">
-                <a:solidFill>
-                  <a:schemeClr val="tx1"/>
-                </a:solidFill>
-              </a:rPr>
-              <a:t> </a:t>
-            </a:r>
-            <a:r>
-              <a:rPr lang="en-US" altLang="zh-CN" dirty="0" smtClean="0">
+              <a:rPr lang="zh-CN" altLang="en-US" sz="2400" dirty="0" smtClean="0">
+                <a:solidFill>
+                  <a:schemeClr val="tx1"/>
+                </a:solidFill>
+              </a:rPr>
+              <a:t> </a:t>
+            </a:r>
+            <a:r>
+              <a:rPr lang="en-US" altLang="zh-CN" sz="2400" dirty="0" smtClean="0">
                 <a:solidFill>
                   <a:schemeClr val="tx1"/>
                 </a:solidFill>
@@ -26280,15 +26100,15 @@
               <a:t>often</a:t>
             </a:r>
             <a:r>
-              <a:rPr lang="zh-CN" altLang="en-US" dirty="0" smtClean="0">
-                <a:solidFill>
-                  <a:schemeClr val="tx1"/>
-                </a:solidFill>
-              </a:rPr>
-              <a:t> </a:t>
-            </a:r>
-            <a:r>
-              <a:rPr lang="en-US" altLang="zh-CN" dirty="0" smtClean="0">
+              <a:rPr lang="zh-CN" altLang="en-US" sz="2400" dirty="0" smtClean="0">
+                <a:solidFill>
+                  <a:schemeClr val="tx1"/>
+                </a:solidFill>
+              </a:rPr>
+              <a:t> </a:t>
+            </a:r>
+            <a:r>
+              <a:rPr lang="en-US" altLang="zh-CN" sz="2400" dirty="0" smtClean="0">
                 <a:solidFill>
                   <a:schemeClr val="tx1"/>
                 </a:solidFill>
@@ -26296,15 +26116,15 @@
               <a:t>seeks</a:t>
             </a:r>
             <a:r>
-              <a:rPr lang="zh-CN" altLang="en-US" dirty="0" smtClean="0">
-                <a:solidFill>
-                  <a:schemeClr val="tx1"/>
-                </a:solidFill>
-              </a:rPr>
-              <a:t> </a:t>
-            </a:r>
-            <a:r>
-              <a:rPr lang="en-US" altLang="zh-CN" dirty="0" smtClean="0">
+              <a:rPr lang="zh-CN" altLang="en-US" sz="2400" dirty="0" smtClean="0">
+                <a:solidFill>
+                  <a:schemeClr val="tx1"/>
+                </a:solidFill>
+              </a:rPr>
+              <a:t> </a:t>
+            </a:r>
+            <a:r>
+              <a:rPr lang="en-US" altLang="zh-CN" sz="2400" dirty="0" smtClean="0">
                 <a:solidFill>
                   <a:schemeClr val="tx1"/>
                 </a:solidFill>
@@ -26312,15 +26132,15 @@
               <a:t>to</a:t>
             </a:r>
             <a:r>
-              <a:rPr lang="zh-CN" altLang="en-US" dirty="0" smtClean="0">
-                <a:solidFill>
-                  <a:schemeClr val="tx1"/>
-                </a:solidFill>
-              </a:rPr>
-              <a:t> </a:t>
-            </a:r>
-            <a:r>
-              <a:rPr lang="en-US" altLang="zh-CN" dirty="0" smtClean="0">
+              <a:rPr lang="zh-CN" altLang="en-US" sz="2400" dirty="0" smtClean="0">
+                <a:solidFill>
+                  <a:schemeClr val="tx1"/>
+                </a:solidFill>
+              </a:rPr>
+              <a:t> </a:t>
+            </a:r>
+            <a:r>
+              <a:rPr lang="en-US" altLang="zh-CN" sz="2400" dirty="0" smtClean="0">
                 <a:solidFill>
                   <a:schemeClr val="tx1"/>
                 </a:solidFill>
@@ -26328,15 +26148,15 @@
               <a:t>reduce</a:t>
             </a:r>
             <a:r>
-              <a:rPr lang="zh-CN" altLang="en-US" dirty="0" smtClean="0">
-                <a:solidFill>
-                  <a:schemeClr val="tx1"/>
-                </a:solidFill>
-              </a:rPr>
-              <a:t> </a:t>
-            </a:r>
-            <a:r>
-              <a:rPr lang="en-US" altLang="zh-CN" dirty="0" smtClean="0">
+              <a:rPr lang="zh-CN" altLang="en-US" sz="2400" dirty="0" smtClean="0">
+                <a:solidFill>
+                  <a:schemeClr val="tx1"/>
+                </a:solidFill>
+              </a:rPr>
+              <a:t> </a:t>
+            </a:r>
+            <a:r>
+              <a:rPr lang="en-US" altLang="zh-CN" sz="2400" dirty="0" smtClean="0">
                 <a:solidFill>
                   <a:schemeClr val="tx1"/>
                 </a:solidFill>
@@ -26344,22 +26164,22 @@
               <a:t>network</a:t>
             </a:r>
             <a:r>
-              <a:rPr lang="zh-CN" altLang="en-US" dirty="0" smtClean="0">
-                <a:solidFill>
-                  <a:schemeClr val="tx1"/>
-                </a:solidFill>
-              </a:rPr>
-              <a:t> </a:t>
-            </a:r>
-            <a:r>
-              <a:rPr lang="en-US" altLang="zh-CN" dirty="0" smtClean="0">
+              <a:rPr lang="zh-CN" altLang="en-US" sz="2400" dirty="0" smtClean="0">
+                <a:solidFill>
+                  <a:schemeClr val="tx1"/>
+                </a:solidFill>
+              </a:rPr>
+              <a:t> </a:t>
+            </a:r>
+            <a:r>
+              <a:rPr lang="en-US" altLang="zh-CN" sz="2400" dirty="0" smtClean="0">
                 <a:solidFill>
                   <a:schemeClr val="tx1"/>
                 </a:solidFill>
               </a:rPr>
               <a:t>communication</a:t>
             </a:r>
-            <a:endParaRPr lang="zh-CN" altLang="en-US" dirty="0" smtClean="0">
+            <a:endParaRPr lang="zh-CN" altLang="en-US" sz="2400" dirty="0" smtClean="0">
               <a:solidFill>
                 <a:schemeClr val="tx1"/>
               </a:solidFill>
@@ -26379,26 +26199,26 @@
           </a:p>
           <a:p>
             <a:r>
-              <a:rPr lang="en-US" altLang="zh-CN" b="1" dirty="0" smtClean="0"/>
+              <a:rPr lang="en-US" altLang="zh-CN" sz="2800" b="1" dirty="0" smtClean="0"/>
               <a:t>More</a:t>
             </a:r>
             <a:r>
-              <a:rPr lang="zh-CN" altLang="en-US" b="1" dirty="0" smtClean="0"/>
-              <a:t> </a:t>
-            </a:r>
-            <a:r>
-              <a:rPr lang="en-US" altLang="zh-CN" b="1" dirty="0" smtClean="0"/>
+              <a:rPr lang="zh-CN" altLang="en-US" sz="2800" b="1" dirty="0" smtClean="0"/>
+              <a:t> </a:t>
+            </a:r>
+            <a:r>
+              <a:rPr lang="en-US" altLang="zh-CN" sz="2800" b="1" dirty="0" smtClean="0"/>
               <a:t>design</a:t>
             </a:r>
             <a:r>
-              <a:rPr lang="zh-CN" altLang="en-US" b="1" dirty="0" smtClean="0"/>
-              <a:t> </a:t>
-            </a:r>
-            <a:r>
-              <a:rPr lang="en-US" altLang="zh-CN" b="1" dirty="0" smtClean="0"/>
+              <a:rPr lang="zh-CN" altLang="en-US" sz="2800" b="1" dirty="0" smtClean="0"/>
+              <a:t> </a:t>
+            </a:r>
+            <a:r>
+              <a:rPr lang="en-US" altLang="zh-CN" sz="2800" b="1" dirty="0" smtClean="0"/>
               <a:t>choices</a:t>
             </a:r>
-            <a:endParaRPr lang="zh-CN" altLang="en-US" b="1" dirty="0"/>
+            <a:endParaRPr lang="zh-CN" altLang="en-US" sz="2800" b="1" dirty="0"/>
           </a:p>
           <a:p>
             <a:pPr lvl="1">
@@ -26407,7 +26227,7 @@
               </a:buClr>
             </a:pPr>
             <a:r>
-              <a:rPr lang="en-US" altLang="zh-CN" dirty="0" smtClean="0">
+              <a:rPr lang="en-US" altLang="zh-CN" sz="2400" dirty="0" smtClean="0">
                 <a:solidFill>
                   <a:schemeClr val="tx1"/>
                 </a:solidFill>
@@ -26415,15 +26235,15 @@
               <a:t>Broadcast</a:t>
             </a:r>
             <a:r>
-              <a:rPr lang="zh-CN" altLang="en-US" dirty="0" smtClean="0">
-                <a:solidFill>
-                  <a:schemeClr val="tx1"/>
-                </a:solidFill>
-              </a:rPr>
-              <a:t> </a:t>
-            </a:r>
-            <a:r>
-              <a:rPr lang="en-US" altLang="zh-CN" dirty="0" smtClean="0">
+              <a:rPr lang="zh-CN" altLang="en-US" sz="2400" dirty="0" smtClean="0">
+                <a:solidFill>
+                  <a:schemeClr val="tx1"/>
+                </a:solidFill>
+              </a:rPr>
+              <a:t> </a:t>
+            </a:r>
+            <a:r>
+              <a:rPr lang="en-US" altLang="zh-CN" sz="2400" dirty="0" smtClean="0">
                 <a:solidFill>
                   <a:schemeClr val="tx1"/>
                 </a:solidFill>
@@ -26431,15 +26251,15 @@
               <a:t>(Recall</a:t>
             </a:r>
             <a:r>
-              <a:rPr lang="zh-CN" altLang="en-US" dirty="0" smtClean="0">
-                <a:solidFill>
-                  <a:schemeClr val="tx1"/>
-                </a:solidFill>
-              </a:rPr>
-              <a:t> </a:t>
-            </a:r>
-            <a:r>
-              <a:rPr lang="en-US" altLang="zh-CN" dirty="0" smtClean="0">
+              <a:rPr lang="zh-CN" altLang="en-US" sz="2400" dirty="0" smtClean="0">
+                <a:solidFill>
+                  <a:schemeClr val="tx1"/>
+                </a:solidFill>
+              </a:rPr>
+              <a:t> </a:t>
+            </a:r>
+            <a:r>
+              <a:rPr lang="en-US" altLang="zh-CN" sz="2400" dirty="0" smtClean="0">
                 <a:solidFill>
                   <a:schemeClr val="tx1"/>
                 </a:solidFill>
@@ -26448,7 +26268,7 @@
               <a:t>Assignment3B</a:t>
             </a:r>
             <a:r>
-              <a:rPr lang="zh-CN" altLang="en-US" dirty="0" smtClean="0">
+              <a:rPr lang="zh-CN" altLang="en-US" sz="2400" dirty="0" smtClean="0">
                 <a:solidFill>
                   <a:schemeClr val="tx1"/>
                 </a:solidFill>
@@ -26457,7 +26277,7 @@
               <a:t> </a:t>
             </a:r>
             <a:r>
-              <a:rPr lang="en-US" altLang="zh-CN" dirty="0" smtClean="0">
+              <a:rPr lang="en-US" altLang="zh-CN" sz="2400" dirty="0" smtClean="0">
                 <a:solidFill>
                   <a:schemeClr val="tx1"/>
                 </a:solidFill>
@@ -26465,15 +26285,15 @@
               <a:t>in</a:t>
             </a:r>
             <a:r>
-              <a:rPr lang="zh-CN" altLang="en-US" dirty="0" smtClean="0">
-                <a:solidFill>
-                  <a:schemeClr val="tx1"/>
-                </a:solidFill>
-              </a:rPr>
-              <a:t> </a:t>
-            </a:r>
-            <a:r>
-              <a:rPr lang="en-US" altLang="zh-CN" dirty="0" smtClean="0">
+              <a:rPr lang="zh-CN" altLang="en-US" sz="2400" dirty="0" smtClean="0">
+                <a:solidFill>
+                  <a:schemeClr val="tx1"/>
+                </a:solidFill>
+              </a:rPr>
+              <a:t> </a:t>
+            </a:r>
+            <a:r>
+              <a:rPr lang="en-US" altLang="zh-CN" sz="2400" dirty="0" smtClean="0">
                 <a:solidFill>
                   <a:schemeClr val="tx1"/>
                 </a:solidFill>
@@ -26481,22 +26301,22 @@
               <a:t>CMPT</a:t>
             </a:r>
             <a:r>
-              <a:rPr lang="zh-CN" altLang="en-US" dirty="0" smtClean="0">
-                <a:solidFill>
-                  <a:schemeClr val="tx1"/>
-                </a:solidFill>
-              </a:rPr>
-              <a:t> </a:t>
-            </a:r>
-            <a:r>
-              <a:rPr lang="en-US" altLang="zh-CN" dirty="0" smtClean="0">
+              <a:rPr lang="zh-CN" altLang="en-US" sz="2400" dirty="0" smtClean="0">
+                <a:solidFill>
+                  <a:schemeClr val="tx1"/>
+                </a:solidFill>
+              </a:rPr>
+              <a:t> </a:t>
+            </a:r>
+            <a:r>
+              <a:rPr lang="en-US" altLang="zh-CN" sz="2400" dirty="0" smtClean="0">
                 <a:solidFill>
                   <a:schemeClr val="tx1"/>
                 </a:solidFill>
               </a:rPr>
               <a:t>732)</a:t>
             </a:r>
-            <a:endParaRPr lang="zh-CN" altLang="en-US" dirty="0" smtClean="0">
+            <a:endParaRPr lang="zh-CN" altLang="en-US" sz="2400" dirty="0" smtClean="0">
               <a:solidFill>
                 <a:schemeClr val="tx1"/>
               </a:solidFill>
@@ -26509,7 +26329,7 @@
               </a:buClr>
             </a:pPr>
             <a:r>
-              <a:rPr lang="en-US" altLang="zh-CN" dirty="0" smtClean="0">
+              <a:rPr lang="en-US" altLang="zh-CN" sz="2400" dirty="0" smtClean="0">
                 <a:solidFill>
                   <a:schemeClr val="tx1"/>
                 </a:solidFill>
@@ -26517,15 +26337,15 @@
               <a:t>Caching</a:t>
             </a:r>
             <a:r>
-              <a:rPr lang="zh-CN" altLang="en-US" dirty="0" smtClean="0">
-                <a:solidFill>
-                  <a:schemeClr val="tx1"/>
-                </a:solidFill>
-              </a:rPr>
-              <a:t> </a:t>
-            </a:r>
-            <a:r>
-              <a:rPr lang="en-US" altLang="zh-CN" dirty="0" smtClean="0">
+              <a:rPr lang="zh-CN" altLang="en-US" sz="2400" dirty="0" smtClean="0">
+                <a:solidFill>
+                  <a:schemeClr val="tx1"/>
+                </a:solidFill>
+              </a:rPr>
+              <a:t> </a:t>
+            </a:r>
+            <a:r>
+              <a:rPr lang="en-US" altLang="zh-CN" sz="2400" dirty="0" smtClean="0">
                 <a:solidFill>
                   <a:schemeClr val="tx1"/>
                 </a:solidFill>
@@ -26533,15 +26353,15 @@
               <a:t>(which</a:t>
             </a:r>
             <a:r>
-              <a:rPr lang="zh-CN" altLang="en-US" dirty="0" smtClean="0">
-                <a:solidFill>
-                  <a:schemeClr val="tx1"/>
-                </a:solidFill>
-              </a:rPr>
-              <a:t> </a:t>
-            </a:r>
-            <a:r>
-              <a:rPr lang="en-US" altLang="zh-CN" dirty="0" smtClean="0">
+              <a:rPr lang="zh-CN" altLang="en-US" sz="2400" dirty="0" smtClean="0">
+                <a:solidFill>
+                  <a:schemeClr val="tx1"/>
+                </a:solidFill>
+              </a:rPr>
+              <a:t> </a:t>
+            </a:r>
+            <a:r>
+              <a:rPr lang="en-US" altLang="zh-CN" sz="2400" dirty="0" smtClean="0">
                 <a:solidFill>
                   <a:schemeClr val="tx1"/>
                 </a:solidFill>
@@ -26549,15 +26369,15 @@
               <a:t>intermediate</a:t>
             </a:r>
             <a:r>
-              <a:rPr lang="zh-CN" altLang="en-US" dirty="0" smtClean="0">
-                <a:solidFill>
-                  <a:schemeClr val="tx1"/>
-                </a:solidFill>
-              </a:rPr>
-              <a:t> </a:t>
-            </a:r>
-            <a:r>
-              <a:rPr lang="en-US" altLang="zh-CN" dirty="0" smtClean="0">
+              <a:rPr lang="zh-CN" altLang="en-US" sz="2400" dirty="0" smtClean="0">
+                <a:solidFill>
+                  <a:schemeClr val="tx1"/>
+                </a:solidFill>
+              </a:rPr>
+              <a:t> </a:t>
+            </a:r>
+            <a:r>
+              <a:rPr lang="en-US" altLang="zh-CN" sz="2400" dirty="0" smtClean="0">
                 <a:solidFill>
                   <a:schemeClr val="tx1"/>
                 </a:solidFill>
@@ -26565,15 +26385,15 @@
               <a:t>results</a:t>
             </a:r>
             <a:r>
-              <a:rPr lang="zh-CN" altLang="en-US" dirty="0" smtClean="0">
-                <a:solidFill>
-                  <a:schemeClr val="tx1"/>
-                </a:solidFill>
-              </a:rPr>
-              <a:t> </a:t>
-            </a:r>
-            <a:r>
-              <a:rPr lang="en-US" altLang="zh-CN" dirty="0" smtClean="0">
+              <a:rPr lang="zh-CN" altLang="en-US" sz="2400" dirty="0" smtClean="0">
+                <a:solidFill>
+                  <a:schemeClr val="tx1"/>
+                </a:solidFill>
+              </a:rPr>
+              <a:t> </a:t>
+            </a:r>
+            <a:r>
+              <a:rPr lang="en-US" altLang="zh-CN" sz="2400" dirty="0" smtClean="0">
                 <a:solidFill>
                   <a:schemeClr val="tx1"/>
                 </a:solidFill>
@@ -26581,15 +26401,15 @@
               <a:t>should</a:t>
             </a:r>
             <a:r>
-              <a:rPr lang="zh-CN" altLang="en-US" dirty="0" smtClean="0">
-                <a:solidFill>
-                  <a:schemeClr val="tx1"/>
-                </a:solidFill>
-              </a:rPr>
-              <a:t> </a:t>
-            </a:r>
-            <a:r>
-              <a:rPr lang="en-US" altLang="zh-CN" dirty="0" smtClean="0">
+              <a:rPr lang="zh-CN" altLang="en-US" sz="2400" dirty="0" smtClean="0">
+                <a:solidFill>
+                  <a:schemeClr val="tx1"/>
+                </a:solidFill>
+              </a:rPr>
+              <a:t> </a:t>
+            </a:r>
+            <a:r>
+              <a:rPr lang="en-US" altLang="zh-CN" sz="2400" dirty="0" smtClean="0">
                 <a:solidFill>
                   <a:schemeClr val="tx1"/>
                 </a:solidFill>
@@ -26597,15 +26417,15 @@
               <a:t>be</a:t>
             </a:r>
             <a:r>
-              <a:rPr lang="zh-CN" altLang="en-US" dirty="0" smtClean="0">
-                <a:solidFill>
-                  <a:schemeClr val="tx1"/>
-                </a:solidFill>
-              </a:rPr>
-              <a:t> </a:t>
-            </a:r>
-            <a:r>
-              <a:rPr lang="en-US" altLang="zh-CN" dirty="0" smtClean="0">
+              <a:rPr lang="zh-CN" altLang="en-US" sz="2400" dirty="0" smtClean="0">
+                <a:solidFill>
+                  <a:schemeClr val="tx1"/>
+                </a:solidFill>
+              </a:rPr>
+              <a:t> </a:t>
+            </a:r>
+            <a:r>
+              <a:rPr lang="en-US" altLang="zh-CN" sz="2400" dirty="0" smtClean="0">
                 <a:solidFill>
                   <a:schemeClr val="tx1"/>
                 </a:solidFill>
@@ -26613,15 +26433,15 @@
               <a:t>cached</a:t>
             </a:r>
             <a:r>
-              <a:rPr lang="zh-CN" altLang="en-US" dirty="0" smtClean="0">
-                <a:solidFill>
-                  <a:schemeClr val="tx1"/>
-                </a:solidFill>
-              </a:rPr>
-              <a:t> </a:t>
-            </a:r>
-            <a:r>
-              <a:rPr lang="en-US" altLang="zh-CN" dirty="0" smtClean="0">
+              <a:rPr lang="zh-CN" altLang="en-US" sz="2400" dirty="0" smtClean="0">
+                <a:solidFill>
+                  <a:schemeClr val="tx1"/>
+                </a:solidFill>
+              </a:rPr>
+              <a:t> </a:t>
+            </a:r>
+            <a:r>
+              <a:rPr lang="en-US" altLang="zh-CN" sz="2400" dirty="0" smtClean="0">
                 <a:solidFill>
                   <a:schemeClr val="tx1"/>
                 </a:solidFill>
@@ -26629,22 +26449,22 @@
               <a:t>in</a:t>
             </a:r>
             <a:r>
-              <a:rPr lang="zh-CN" altLang="en-US" dirty="0" smtClean="0">
-                <a:solidFill>
-                  <a:schemeClr val="tx1"/>
-                </a:solidFill>
-              </a:rPr>
-              <a:t> </a:t>
-            </a:r>
-            <a:r>
-              <a:rPr lang="en-US" altLang="zh-CN" dirty="0" smtClean="0">
+              <a:rPr lang="zh-CN" altLang="en-US" sz="2400" dirty="0" smtClean="0">
+                <a:solidFill>
+                  <a:schemeClr val="tx1"/>
+                </a:solidFill>
+              </a:rPr>
+              <a:t> </a:t>
+            </a:r>
+            <a:r>
+              <a:rPr lang="en-US" altLang="zh-CN" sz="2400" dirty="0" smtClean="0">
                 <a:solidFill>
                   <a:schemeClr val="tx1"/>
                 </a:solidFill>
               </a:rPr>
               <a:t>Memory?)</a:t>
             </a:r>
-            <a:endParaRPr lang="zh-CN" altLang="en-US" dirty="0" smtClean="0">
+            <a:endParaRPr lang="zh-CN" altLang="en-US" sz="2400" dirty="0" smtClean="0">
               <a:solidFill>
                 <a:schemeClr val="tx1"/>
               </a:solidFill>
@@ -26657,7 +26477,7 @@
               </a:buClr>
             </a:pPr>
             <a:r>
-              <a:rPr lang="en-US" altLang="zh-CN" dirty="0" smtClean="0">
+              <a:rPr lang="en-US" altLang="zh-CN" sz="2400" dirty="0" smtClean="0">
                 <a:solidFill>
                   <a:schemeClr val="tx1"/>
                 </a:solidFill>
@@ -26665,15 +26485,15 @@
               <a:t>Parallelization</a:t>
             </a:r>
             <a:r>
-              <a:rPr lang="zh-CN" altLang="en-US" dirty="0" smtClean="0">
-                <a:solidFill>
-                  <a:schemeClr val="tx1"/>
-                </a:solidFill>
-              </a:rPr>
-              <a:t> </a:t>
-            </a:r>
-            <a:r>
-              <a:rPr lang="en-US" altLang="zh-CN" dirty="0" smtClean="0">
+              <a:rPr lang="zh-CN" altLang="en-US" sz="2400" dirty="0" smtClean="0">
+                <a:solidFill>
+                  <a:schemeClr val="tx1"/>
+                </a:solidFill>
+              </a:rPr>
+              <a:t> </a:t>
+            </a:r>
+            <a:r>
+              <a:rPr lang="en-US" altLang="zh-CN" sz="2400" dirty="0" smtClean="0">
                 <a:solidFill>
                   <a:schemeClr val="tx1"/>
                 </a:solidFill>
@@ -26681,15 +26501,15 @@
               <a:t>(which</a:t>
             </a:r>
             <a:r>
-              <a:rPr lang="zh-CN" altLang="en-US" dirty="0" smtClean="0">
-                <a:solidFill>
-                  <a:schemeClr val="tx1"/>
-                </a:solidFill>
-              </a:rPr>
-              <a:t> </a:t>
-            </a:r>
-            <a:r>
-              <a:rPr lang="en-US" altLang="zh-CN" dirty="0" smtClean="0">
+              <a:rPr lang="zh-CN" altLang="en-US" sz="2400" dirty="0" smtClean="0">
+                <a:solidFill>
+                  <a:schemeClr val="tx1"/>
+                </a:solidFill>
+              </a:rPr>
+              <a:t> </a:t>
+            </a:r>
+            <a:r>
+              <a:rPr lang="en-US" altLang="zh-CN" sz="2400" dirty="0" smtClean="0">
                 <a:solidFill>
                   <a:schemeClr val="tx1"/>
                 </a:solidFill>
@@ -26697,15 +26517,15 @@
               <a:t>part</a:t>
             </a:r>
             <a:r>
-              <a:rPr lang="zh-CN" altLang="en-US" dirty="0" smtClean="0">
-                <a:solidFill>
-                  <a:schemeClr val="tx1"/>
-                </a:solidFill>
-              </a:rPr>
-              <a:t> </a:t>
-            </a:r>
-            <a:r>
-              <a:rPr lang="en-US" altLang="zh-CN" dirty="0" smtClean="0">
+              <a:rPr lang="zh-CN" altLang="en-US" sz="2400" dirty="0" smtClean="0">
+                <a:solidFill>
+                  <a:schemeClr val="tx1"/>
+                </a:solidFill>
+              </a:rPr>
+              <a:t> </a:t>
+            </a:r>
+            <a:r>
+              <a:rPr lang="en-US" altLang="zh-CN" sz="2400" dirty="0" smtClean="0">
                 <a:solidFill>
                   <a:schemeClr val="tx1"/>
                 </a:solidFill>
@@ -26713,15 +26533,15 @@
               <a:t>in</a:t>
             </a:r>
             <a:r>
-              <a:rPr lang="zh-CN" altLang="en-US" dirty="0" smtClean="0">
-                <a:solidFill>
-                  <a:schemeClr val="tx1"/>
-                </a:solidFill>
-              </a:rPr>
-              <a:t> </a:t>
-            </a:r>
-            <a:r>
-              <a:rPr lang="en-US" altLang="zh-CN" dirty="0" smtClean="0">
+              <a:rPr lang="zh-CN" altLang="en-US" sz="2400" dirty="0" smtClean="0">
+                <a:solidFill>
+                  <a:schemeClr val="tx1"/>
+                </a:solidFill>
+              </a:rPr>
+              <a:t> </a:t>
+            </a:r>
+            <a:r>
+              <a:rPr lang="en-US" altLang="zh-CN" sz="2400" dirty="0" smtClean="0">
                 <a:solidFill>
                   <a:schemeClr val="tx1"/>
                 </a:solidFill>
@@ -26729,15 +26549,15 @@
               <a:t>an</a:t>
             </a:r>
             <a:r>
-              <a:rPr lang="zh-CN" altLang="en-US" dirty="0" smtClean="0">
-                <a:solidFill>
-                  <a:schemeClr val="tx1"/>
-                </a:solidFill>
-              </a:rPr>
-              <a:t> </a:t>
-            </a:r>
-            <a:r>
-              <a:rPr lang="en-US" altLang="zh-CN" dirty="0" smtClean="0">
+              <a:rPr lang="zh-CN" altLang="en-US" sz="2400" dirty="0" smtClean="0">
+                <a:solidFill>
+                  <a:schemeClr val="tx1"/>
+                </a:solidFill>
+              </a:rPr>
+              <a:t> </a:t>
+            </a:r>
+            <a:r>
+              <a:rPr lang="en-US" altLang="zh-CN" sz="2400" dirty="0" smtClean="0">
                 <a:solidFill>
                   <a:schemeClr val="tx1"/>
                 </a:solidFill>
@@ -26745,15 +26565,15 @@
               <a:t>ML</a:t>
             </a:r>
             <a:r>
-              <a:rPr lang="zh-CN" altLang="en-US" dirty="0" smtClean="0">
-                <a:solidFill>
-                  <a:schemeClr val="tx1"/>
-                </a:solidFill>
-              </a:rPr>
-              <a:t> </a:t>
-            </a:r>
-            <a:r>
-              <a:rPr lang="en-US" altLang="zh-CN" dirty="0" smtClean="0">
+              <a:rPr lang="zh-CN" altLang="en-US" sz="2400" dirty="0" smtClean="0">
+                <a:solidFill>
+                  <a:schemeClr val="tx1"/>
+                </a:solidFill>
+              </a:rPr>
+              <a:t> </a:t>
+            </a:r>
+            <a:r>
+              <a:rPr lang="en-US" altLang="zh-CN" sz="2400" dirty="0" smtClean="0">
                 <a:solidFill>
                   <a:schemeClr val="tx1"/>
                 </a:solidFill>
@@ -26761,15 +26581,15 @@
               <a:t>algorithm</a:t>
             </a:r>
             <a:r>
-              <a:rPr lang="zh-CN" altLang="en-US" dirty="0" smtClean="0">
-                <a:solidFill>
-                  <a:schemeClr val="tx1"/>
-                </a:solidFill>
-              </a:rPr>
-              <a:t> </a:t>
-            </a:r>
-            <a:r>
-              <a:rPr lang="en-US" altLang="zh-CN" dirty="0" smtClean="0">
+              <a:rPr lang="zh-CN" altLang="en-US" sz="2400" dirty="0" smtClean="0">
+                <a:solidFill>
+                  <a:schemeClr val="tx1"/>
+                </a:solidFill>
+              </a:rPr>
+              <a:t> </a:t>
+            </a:r>
+            <a:r>
+              <a:rPr lang="en-US" altLang="zh-CN" sz="2400" dirty="0" smtClean="0">
                 <a:solidFill>
                   <a:schemeClr val="tx1"/>
                 </a:solidFill>
@@ -26777,15 +26597,15 @@
               <a:t>should</a:t>
             </a:r>
             <a:r>
-              <a:rPr lang="zh-CN" altLang="en-US" dirty="0" smtClean="0">
-                <a:solidFill>
-                  <a:schemeClr val="tx1"/>
-                </a:solidFill>
-              </a:rPr>
-              <a:t> </a:t>
-            </a:r>
-            <a:r>
-              <a:rPr lang="en-US" altLang="zh-CN" dirty="0" smtClean="0">
+              <a:rPr lang="zh-CN" altLang="en-US" sz="2400" dirty="0" smtClean="0">
+                <a:solidFill>
+                  <a:schemeClr val="tx1"/>
+                </a:solidFill>
+              </a:rPr>
+              <a:t> </a:t>
+            </a:r>
+            <a:r>
+              <a:rPr lang="en-US" altLang="zh-CN" sz="2400" dirty="0" smtClean="0">
                 <a:solidFill>
                   <a:schemeClr val="tx1"/>
                 </a:solidFill>
@@ -26793,15 +26613,15 @@
               <a:t>be</a:t>
             </a:r>
             <a:r>
-              <a:rPr lang="zh-CN" altLang="en-US" dirty="0" smtClean="0">
-                <a:solidFill>
-                  <a:schemeClr val="tx1"/>
-                </a:solidFill>
-              </a:rPr>
-              <a:t> </a:t>
-            </a:r>
-            <a:r>
-              <a:rPr lang="en-US" altLang="zh-CN" dirty="0" smtClean="0">
+              <a:rPr lang="zh-CN" altLang="en-US" sz="2400" dirty="0" smtClean="0">
+                <a:solidFill>
+                  <a:schemeClr val="tx1"/>
+                </a:solidFill>
+              </a:rPr>
+              <a:t> </a:t>
+            </a:r>
+            <a:r>
+              <a:rPr lang="en-US" altLang="zh-CN" sz="2400" dirty="0" smtClean="0">
                 <a:solidFill>
                   <a:schemeClr val="tx1"/>
                 </a:solidFill>
@@ -26809,15 +26629,15 @@
               <a:t>parallelized?</a:t>
             </a:r>
             <a:r>
-              <a:rPr lang="zh-CN" altLang="en-US" dirty="0" smtClean="0">
-                <a:solidFill>
-                  <a:schemeClr val="tx1"/>
-                </a:solidFill>
-              </a:rPr>
-              <a:t> </a:t>
-            </a:r>
-            <a:r>
-              <a:rPr lang="en-US" altLang="zh-CN" dirty="0" smtClean="0">
+              <a:rPr lang="zh-CN" altLang="en-US" sz="2400" dirty="0" smtClean="0">
+                <a:solidFill>
+                  <a:schemeClr val="tx1"/>
+                </a:solidFill>
+              </a:rPr>
+              <a:t> </a:t>
+            </a:r>
+            <a:r>
+              <a:rPr lang="en-US" altLang="zh-CN" sz="2400" dirty="0" smtClean="0">
                 <a:solidFill>
                   <a:schemeClr val="tx1"/>
                 </a:solidFill>
@@ -26832,14 +26652,14 @@
               </a:buClr>
             </a:pPr>
             <a:r>
-              <a:rPr lang="is-IS" altLang="zh-CN" dirty="0" smtClean="0">
+              <a:rPr lang="is-IS" altLang="zh-CN" sz="2400" dirty="0" smtClean="0">
                 <a:solidFill>
                   <a:schemeClr val="tx1"/>
                 </a:solidFill>
               </a:rPr>
               <a:t>…</a:t>
             </a:r>
-            <a:endParaRPr lang="zh-CN" altLang="en-US" dirty="0" smtClean="0">
+            <a:endParaRPr lang="zh-CN" altLang="en-US" sz="2400" dirty="0" smtClean="0">
               <a:solidFill>
                 <a:schemeClr val="tx1"/>
               </a:solidFill>
@@ -26892,10 +26712,10 @@
           <a:bodyPr/>
           <a:lstStyle/>
           <a:p>
-            <a:r>
+            <a:fld id="{B82A389C-9CC9-0C4B-8757-DB9A5676E25A}" type="datetime1">
               <a:rPr lang="en-US" smtClean="0"/>
-              <a:t>01/05/16</a:t>
-            </a:r>
+              <a:t>12/24/16</a:t>
+            </a:fld>
             <a:endParaRPr lang="en-US" dirty="0"/>
           </a:p>
         </p:txBody>
